--- a/vr_ideas.pptx
+++ b/vr_ideas.pptx
@@ -5,16 +5,22 @@
     <p:sldMasterId id="2147483648" r:id="rId1"/>
   </p:sldMasterIdLst>
   <p:sldIdLst>
-    <p:sldId id="257" r:id="rId2"/>
-    <p:sldId id="258" r:id="rId3"/>
-    <p:sldId id="259" r:id="rId4"/>
-    <p:sldId id="260" r:id="rId5"/>
-    <p:sldId id="261" r:id="rId6"/>
-    <p:sldId id="262" r:id="rId7"/>
-    <p:sldId id="263" r:id="rId8"/>
-    <p:sldId id="264" r:id="rId9"/>
-    <p:sldId id="265" r:id="rId10"/>
-    <p:sldId id="266" r:id="rId11"/>
+    <p:sldId id="275" r:id="rId2"/>
+    <p:sldId id="276" r:id="rId3"/>
+    <p:sldId id="277" r:id="rId4"/>
+    <p:sldId id="278" r:id="rId5"/>
+    <p:sldId id="279" r:id="rId6"/>
+    <p:sldId id="274" r:id="rId7"/>
+    <p:sldId id="281" r:id="rId8"/>
+    <p:sldId id="259" r:id="rId9"/>
+    <p:sldId id="267" r:id="rId10"/>
+    <p:sldId id="268" r:id="rId11"/>
+    <p:sldId id="282" r:id="rId12"/>
+    <p:sldId id="285" r:id="rId13"/>
+    <p:sldId id="284" r:id="rId14"/>
+    <p:sldId id="273" r:id="rId15"/>
+    <p:sldId id="287" r:id="rId16"/>
+    <p:sldId id="283" r:id="rId17"/>
   </p:sldIdLst>
   <p:sldSz cx="12192000" cy="6858000"/>
   <p:notesSz cx="6858000" cy="9144000"/>
@@ -113,6 +119,11 @@
       </a:defRPr>
     </a:lvl9pPr>
   </p:defaultTextStyle>
+  <p:extLst>
+    <p:ext uri="{EFAFB233-063F-42B5-8137-9DF3F51BA10A}">
+      <p15:sldGuideLst xmlns:p15="http://schemas.microsoft.com/office/powerpoint/2012/main"/>
+    </p:ext>
+  </p:extLst>
 </p:presentation>
 </file>
 
@@ -263,7 +274,7 @@
           <a:p>
             <a:fld id="{0C2A5F5B-2DB5-4C9B-B364-17ABFCD68F74}" type="datetimeFigureOut">
               <a:rPr lang="en-US" smtClean="0"/>
-              <a:t>3/10/2024</a:t>
+              <a:t>3/12/2024</a:t>
             </a:fld>
             <a:endParaRPr lang="en-US"/>
           </a:p>
@@ -461,7 +472,7 @@
           <a:p>
             <a:fld id="{0C2A5F5B-2DB5-4C9B-B364-17ABFCD68F74}" type="datetimeFigureOut">
               <a:rPr lang="en-US" smtClean="0"/>
-              <a:t>3/10/2024</a:t>
+              <a:t>3/12/2024</a:t>
             </a:fld>
             <a:endParaRPr lang="en-US"/>
           </a:p>
@@ -669,7 +680,7 @@
           <a:p>
             <a:fld id="{0C2A5F5B-2DB5-4C9B-B364-17ABFCD68F74}" type="datetimeFigureOut">
               <a:rPr lang="en-US" smtClean="0"/>
-              <a:t>3/10/2024</a:t>
+              <a:t>3/12/2024</a:t>
             </a:fld>
             <a:endParaRPr lang="en-US"/>
           </a:p>
@@ -867,7 +878,7 @@
           <a:p>
             <a:fld id="{0C2A5F5B-2DB5-4C9B-B364-17ABFCD68F74}" type="datetimeFigureOut">
               <a:rPr lang="en-US" smtClean="0"/>
-              <a:t>3/10/2024</a:t>
+              <a:t>3/12/2024</a:t>
             </a:fld>
             <a:endParaRPr lang="en-US"/>
           </a:p>
@@ -1142,7 +1153,7 @@
           <a:p>
             <a:fld id="{0C2A5F5B-2DB5-4C9B-B364-17ABFCD68F74}" type="datetimeFigureOut">
               <a:rPr lang="en-US" smtClean="0"/>
-              <a:t>3/10/2024</a:t>
+              <a:t>3/12/2024</a:t>
             </a:fld>
             <a:endParaRPr lang="en-US"/>
           </a:p>
@@ -1407,7 +1418,7 @@
           <a:p>
             <a:fld id="{0C2A5F5B-2DB5-4C9B-B364-17ABFCD68F74}" type="datetimeFigureOut">
               <a:rPr lang="en-US" smtClean="0"/>
-              <a:t>3/10/2024</a:t>
+              <a:t>3/12/2024</a:t>
             </a:fld>
             <a:endParaRPr lang="en-US"/>
           </a:p>
@@ -1819,7 +1830,7 @@
           <a:p>
             <a:fld id="{0C2A5F5B-2DB5-4C9B-B364-17ABFCD68F74}" type="datetimeFigureOut">
               <a:rPr lang="en-US" smtClean="0"/>
-              <a:t>3/10/2024</a:t>
+              <a:t>3/12/2024</a:t>
             </a:fld>
             <a:endParaRPr lang="en-US"/>
           </a:p>
@@ -1960,7 +1971,7 @@
           <a:p>
             <a:fld id="{0C2A5F5B-2DB5-4C9B-B364-17ABFCD68F74}" type="datetimeFigureOut">
               <a:rPr lang="en-US" smtClean="0"/>
-              <a:t>3/10/2024</a:t>
+              <a:t>3/12/2024</a:t>
             </a:fld>
             <a:endParaRPr lang="en-US"/>
           </a:p>
@@ -2073,7 +2084,7 @@
           <a:p>
             <a:fld id="{0C2A5F5B-2DB5-4C9B-B364-17ABFCD68F74}" type="datetimeFigureOut">
               <a:rPr lang="en-US" smtClean="0"/>
-              <a:t>3/10/2024</a:t>
+              <a:t>3/12/2024</a:t>
             </a:fld>
             <a:endParaRPr lang="en-US"/>
           </a:p>
@@ -2384,7 +2395,7 @@
           <a:p>
             <a:fld id="{0C2A5F5B-2DB5-4C9B-B364-17ABFCD68F74}" type="datetimeFigureOut">
               <a:rPr lang="en-US" smtClean="0"/>
-              <a:t>3/10/2024</a:t>
+              <a:t>3/12/2024</a:t>
             </a:fld>
             <a:endParaRPr lang="en-US"/>
           </a:p>
@@ -2672,7 +2683,7 @@
           <a:p>
             <a:fld id="{0C2A5F5B-2DB5-4C9B-B364-17ABFCD68F74}" type="datetimeFigureOut">
               <a:rPr lang="en-US" smtClean="0"/>
-              <a:t>3/10/2024</a:t>
+              <a:t>3/12/2024</a:t>
             </a:fld>
             <a:endParaRPr lang="en-US"/>
           </a:p>
@@ -2913,7 +2924,7 @@
           <a:p>
             <a:fld id="{0C2A5F5B-2DB5-4C9B-B364-17ABFCD68F74}" type="datetimeFigureOut">
               <a:rPr lang="en-US" smtClean="0"/>
-              <a:t>3/10/2024</a:t>
+              <a:t>3/12/2024</a:t>
             </a:fld>
             <a:endParaRPr lang="en-US"/>
           </a:p>
@@ -3332,156 +3343,88 @@
       </p:grpSpPr>
       <p:sp>
         <p:nvSpPr>
-          <p:cNvPr id="3" name="Content Placeholder 2">
-            <a:extLst>
-              <a:ext uri="{FF2B5EF4-FFF2-40B4-BE49-F238E27FC236}">
-                <a16:creationId xmlns:a16="http://schemas.microsoft.com/office/drawing/2014/main" id="{9B3D762F-A23F-4561-99E8-27012C979DE4}"/>
-              </a:ext>
-            </a:extLst>
-          </p:cNvPr>
-          <p:cNvSpPr>
-            <a:spLocks noGrp="1"/>
-          </p:cNvSpPr>
-          <p:nvPr>
-            <p:ph idx="1"/>
+          <p:cNvPr id="2" name="Title 1">
+            <a:extLst>
+              <a:ext uri="{FF2B5EF4-FFF2-40B4-BE49-F238E27FC236}">
+                <a16:creationId xmlns:a16="http://schemas.microsoft.com/office/drawing/2014/main" id="{8FD6BD41-2976-4D92-9724-E3701ACDB2B8}"/>
+              </a:ext>
+            </a:extLst>
+          </p:cNvPr>
+          <p:cNvSpPr>
+            <a:spLocks noGrp="1"/>
+          </p:cNvSpPr>
+          <p:nvPr>
+            <p:ph type="title"/>
           </p:nvPr>
         </p:nvSpPr>
         <p:spPr>
           <a:xfrm>
-            <a:off x="838200" y="497150"/>
-            <a:ext cx="10515600" cy="5679813"/>
+            <a:off x="838200" y="0"/>
+            <a:ext cx="10515600" cy="1325563"/>
           </a:xfrm>
         </p:spPr>
         <p:txBody>
+          <a:bodyPr/>
+          <a:lstStyle/>
+          <a:p>
+            <a:r>
+              <a:rPr lang="en-US" b="1" dirty="0"/>
+              <a:t>Sequence memory</a:t>
+            </a:r>
+          </a:p>
+        </p:txBody>
+      </p:sp>
+      <p:sp>
+        <p:nvSpPr>
+          <p:cNvPr id="3" name="Content Placeholder 2">
+            <a:extLst>
+              <a:ext uri="{FF2B5EF4-FFF2-40B4-BE49-F238E27FC236}">
+                <a16:creationId xmlns:a16="http://schemas.microsoft.com/office/drawing/2014/main" id="{9B3D762F-A23F-4561-99E8-27012C979DE4}"/>
+              </a:ext>
+            </a:extLst>
+          </p:cNvPr>
+          <p:cNvSpPr>
+            <a:spLocks noGrp="1"/>
+          </p:cNvSpPr>
+          <p:nvPr>
+            <p:ph idx="1"/>
+          </p:nvPr>
+        </p:nvSpPr>
+        <p:spPr>
+          <a:xfrm>
+            <a:off x="838200" y="1042738"/>
+            <a:ext cx="10515600" cy="5815262"/>
+          </a:xfrm>
+        </p:spPr>
+        <p:txBody>
           <a:bodyPr>
-            <a:normAutofit fontScale="92500" lnSpcReduction="20000"/>
+            <a:normAutofit/>
           </a:bodyPr>
           <a:lstStyle/>
           <a:p>
-            <a:pPr marL="514350" indent="-514350">
-              <a:buFont typeface="+mj-lt"/>
-              <a:buAutoNum type="arabicPeriod"/>
-            </a:pPr>
             <a:r>
               <a:rPr lang="en-US" dirty="0"/>
-              <a:t>Reaction time (test visual reflexes)</a:t>
-            </a:r>
-          </a:p>
-          <a:p>
-            <a:pPr marL="514350" indent="-514350">
-              <a:buFont typeface="+mj-lt"/>
-              <a:buAutoNum type="arabicPeriod"/>
-            </a:pPr>
+              <a:t>Idea: introduce a grid of buttons; the task is to remember an increasingly longer pattern of button presses; each button has its own unique sound.</a:t>
+            </a:r>
+          </a:p>
+          <a:p>
             <a:r>
               <a:rPr lang="en-US" dirty="0"/>
-              <a:t>Sequence memory (remember an increasingly long pattern of button presses)</a:t>
-            </a:r>
-          </a:p>
-          <a:p>
-            <a:pPr marL="514350" indent="-514350">
-              <a:buFont typeface="+mj-lt"/>
-              <a:buAutoNum type="arabicPeriod"/>
-            </a:pPr>
+              <a:t>Difficulty: longer sequences, multiple sequences at the same time.</a:t>
+            </a:r>
+          </a:p>
+          <a:p>
             <a:r>
               <a:rPr lang="en-US" dirty="0"/>
-              <a:t>Aim trainer (how quickly hit all targets)</a:t>
-            </a:r>
-          </a:p>
-          <a:p>
-            <a:pPr marL="514350" indent="-514350">
-              <a:buFont typeface="+mj-lt"/>
-              <a:buAutoNum type="arabicPeriod"/>
-            </a:pPr>
-            <a:r>
-              <a:rPr lang="en-US" dirty="0"/>
-              <a:t>Number memory (member the longest number you can, harder test: recall sequence backwards)</a:t>
-            </a:r>
-          </a:p>
-          <a:p>
-            <a:pPr marL="514350" indent="-514350">
-              <a:buFont typeface="+mj-lt"/>
-              <a:buAutoNum type="arabicPeriod"/>
-            </a:pPr>
-            <a:r>
-              <a:rPr lang="en-US" dirty="0"/>
-              <a:t>Verbal memory (remember as many words in short term as possible)</a:t>
-            </a:r>
-          </a:p>
-          <a:p>
-            <a:pPr marL="514350" indent="-514350">
-              <a:buFont typeface="+mj-lt"/>
-              <a:buAutoNum type="arabicPeriod"/>
-            </a:pPr>
-            <a:r>
-              <a:rPr lang="en-US" dirty="0"/>
-              <a:t>Chimp test (numbers on screen, click one, other disappear, should click all in sequence)</a:t>
-            </a:r>
-          </a:p>
-          <a:p>
-            <a:pPr marL="514350" indent="-514350">
-              <a:buFont typeface="+mj-lt"/>
-              <a:buAutoNum type="arabicPeriod"/>
-            </a:pPr>
-            <a:r>
-              <a:rPr lang="en-US" dirty="0"/>
-              <a:t>Visual memory (remember an increasingly large board of squares)</a:t>
-            </a:r>
-          </a:p>
-          <a:p>
-            <a:pPr marL="514350" indent="-514350">
-              <a:buFont typeface="+mj-lt"/>
-              <a:buAutoNum type="arabicPeriod"/>
-            </a:pPr>
-            <a:r>
-              <a:rPr lang="en-US" dirty="0"/>
-              <a:t>Add audio memory (e.g. to sequence memory, where one button pressed is a sound, other is slightly modified sound) (eyes closed)</a:t>
-            </a:r>
-          </a:p>
-          <a:p>
-            <a:pPr marL="514350" indent="-514350">
-              <a:buFont typeface="+mj-lt"/>
-              <a:buAutoNum type="arabicPeriod"/>
-            </a:pPr>
-            <a:r>
-              <a:rPr lang="en-US" dirty="0"/>
-              <a:t>Identify what object goes into which hole.</a:t>
-            </a:r>
-          </a:p>
-          <a:p>
-            <a:pPr marL="514350" indent="-514350">
-              <a:buFont typeface="+mj-lt"/>
-              <a:buAutoNum type="arabicPeriod"/>
-            </a:pPr>
-            <a:r>
-              <a:rPr lang="en-US" dirty="0"/>
-              <a:t>Identify from which side sound appear (make it less</a:t>
-            </a:r>
-            <a:r>
-              <a:rPr lang="ru-RU" dirty="0"/>
-              <a:t> </a:t>
-            </a:r>
-            <a:r>
-              <a:rPr lang="de-DE" dirty="0"/>
-              <a:t>loud, make sequence of sounds from different sides, make user recall the sequence) (camera left – sound right)</a:t>
-            </a:r>
-            <a:endParaRPr lang="en-US" dirty="0"/>
-          </a:p>
-          <a:p>
-            <a:pPr marL="514350" indent="-514350">
-              <a:buFont typeface="+mj-lt"/>
-              <a:buAutoNum type="arabicPeriod"/>
-            </a:pPr>
-            <a:endParaRPr lang="en-US" dirty="0"/>
-          </a:p>
-          <a:p>
-            <a:endParaRPr lang="en-US" dirty="0"/>
+              <a:t>ML-Agent: generate new sequences that target the user's specific weaknesses (e.g., sequences with repeating patterns or specific button combinations)</a:t>
+            </a:r>
           </a:p>
         </p:txBody>
       </p:sp>
     </p:spTree>
     <p:extLst>
       <p:ext uri="{BB962C8B-B14F-4D97-AF65-F5344CB8AC3E}">
-        <p14:creationId xmlns:p14="http://schemas.microsoft.com/office/powerpoint/2010/main" val="2008834028"/>
+        <p14:creationId xmlns:p14="http://schemas.microsoft.com/office/powerpoint/2010/main" val="598358051"/>
       </p:ext>
     </p:extLst>
   </p:cSld>
@@ -3524,12 +3467,20 @@
             <p:ph type="title"/>
           </p:nvPr>
         </p:nvSpPr>
-        <p:spPr/>
-        <p:txBody>
-          <a:bodyPr/>
-          <a:lstStyle/>
-          <a:p>
-            <a:endParaRPr lang="en-US"/>
+        <p:spPr>
+          <a:xfrm>
+            <a:off x="838200" y="0"/>
+            <a:ext cx="10515600" cy="1325563"/>
+          </a:xfrm>
+        </p:spPr>
+        <p:txBody>
+          <a:bodyPr/>
+          <a:lstStyle/>
+          <a:p>
+            <a:r>
+              <a:rPr lang="en-US" b="1" dirty="0"/>
+              <a:t>Match the Melody</a:t>
+            </a:r>
           </a:p>
         </p:txBody>
       </p:sp>
@@ -3549,19 +3500,707 @@
             <p:ph idx="1"/>
           </p:nvPr>
         </p:nvSpPr>
-        <p:spPr/>
-        <p:txBody>
-          <a:bodyPr/>
-          <a:lstStyle/>
-          <a:p>
-            <a:endParaRPr lang="en-US"/>
+        <p:spPr>
+          <a:xfrm>
+            <a:off x="838200" y="1042738"/>
+            <a:ext cx="10515600" cy="5815262"/>
+          </a:xfrm>
+        </p:spPr>
+        <p:txBody>
+          <a:bodyPr>
+            <a:normAutofit/>
+          </a:bodyPr>
+          <a:lstStyle/>
+          <a:p>
+            <a:r>
+              <a:rPr lang="en-US" dirty="0"/>
+              <a:t>Idea: User listens to a short melody and then replicates it by selecting notes or tapping buttons in the correct sequence.</a:t>
+            </a:r>
+          </a:p>
+          <a:p>
+            <a:r>
+              <a:rPr lang="en-US" dirty="0"/>
+              <a:t>Difficulty increase: Increased complexity of melodies (more notes, longer sequences, wider range of intervals).</a:t>
+            </a:r>
+          </a:p>
+          <a:p>
+            <a:r>
+              <a:rPr lang="en-US" dirty="0"/>
+              <a:t>ML-Agent: </a:t>
+            </a:r>
           </a:p>
         </p:txBody>
       </p:sp>
     </p:spTree>
     <p:extLst>
       <p:ext uri="{BB962C8B-B14F-4D97-AF65-F5344CB8AC3E}">
-        <p14:creationId xmlns:p14="http://schemas.microsoft.com/office/powerpoint/2010/main" val="593017237"/>
+        <p14:creationId xmlns:p14="http://schemas.microsoft.com/office/powerpoint/2010/main" val="1989682846"/>
+      </p:ext>
+    </p:extLst>
+  </p:cSld>
+  <p:clrMapOvr>
+    <a:masterClrMapping/>
+  </p:clrMapOvr>
+</p:sld>
+</file>
+
+<file path=ppt/slides/slide11.xml><?xml version="1.0" encoding="utf-8"?>
+<p:sld xmlns:a="http://schemas.openxmlformats.org/drawingml/2006/main" xmlns:r="http://schemas.openxmlformats.org/officeDocument/2006/relationships" xmlns:p="http://schemas.openxmlformats.org/presentationml/2006/main">
+  <p:cSld>
+    <p:spTree>
+      <p:nvGrpSpPr>
+        <p:cNvPr id="1" name=""/>
+        <p:cNvGrpSpPr/>
+        <p:nvPr/>
+      </p:nvGrpSpPr>
+      <p:grpSpPr>
+        <a:xfrm>
+          <a:off x="0" y="0"/>
+          <a:ext cx="0" cy="0"/>
+          <a:chOff x="0" y="0"/>
+          <a:chExt cx="0" cy="0"/>
+        </a:xfrm>
+      </p:grpSpPr>
+      <p:sp>
+        <p:nvSpPr>
+          <p:cNvPr id="2" name="Title 1">
+            <a:extLst>
+              <a:ext uri="{FF2B5EF4-FFF2-40B4-BE49-F238E27FC236}">
+                <a16:creationId xmlns:a16="http://schemas.microsoft.com/office/drawing/2014/main" id="{8FD6BD41-2976-4D92-9724-E3701ACDB2B8}"/>
+              </a:ext>
+            </a:extLst>
+          </p:cNvPr>
+          <p:cNvSpPr>
+            <a:spLocks noGrp="1"/>
+          </p:cNvSpPr>
+          <p:nvPr>
+            <p:ph type="title"/>
+          </p:nvPr>
+        </p:nvSpPr>
+        <p:spPr>
+          <a:xfrm>
+            <a:off x="838200" y="0"/>
+            <a:ext cx="10515600" cy="1325563"/>
+          </a:xfrm>
+        </p:spPr>
+        <p:txBody>
+          <a:bodyPr/>
+          <a:lstStyle/>
+          <a:p>
+            <a:r>
+              <a:rPr lang="en-US" b="1" dirty="0"/>
+              <a:t>Multitasking</a:t>
+            </a:r>
+          </a:p>
+        </p:txBody>
+      </p:sp>
+      <p:sp>
+        <p:nvSpPr>
+          <p:cNvPr id="3" name="Content Placeholder 2">
+            <a:extLst>
+              <a:ext uri="{FF2B5EF4-FFF2-40B4-BE49-F238E27FC236}">
+                <a16:creationId xmlns:a16="http://schemas.microsoft.com/office/drawing/2014/main" id="{9B3D762F-A23F-4561-99E8-27012C979DE4}"/>
+              </a:ext>
+            </a:extLst>
+          </p:cNvPr>
+          <p:cNvSpPr>
+            <a:spLocks noGrp="1"/>
+          </p:cNvSpPr>
+          <p:nvPr>
+            <p:ph idx="1"/>
+          </p:nvPr>
+        </p:nvSpPr>
+        <p:spPr>
+          <a:xfrm>
+            <a:off x="838200" y="1042738"/>
+            <a:ext cx="10515600" cy="5815262"/>
+          </a:xfrm>
+        </p:spPr>
+        <p:txBody>
+          <a:bodyPr>
+            <a:normAutofit/>
+          </a:bodyPr>
+          <a:lstStyle/>
+          <a:p>
+            <a:r>
+              <a:rPr lang="en-US" dirty="0"/>
+              <a:t>Idea: User completes multiple mini-challenges simultaneously, like remembering a sequence while dodging obstacles.</a:t>
+            </a:r>
+          </a:p>
+          <a:p>
+            <a:r>
+              <a:rPr lang="en-US" dirty="0"/>
+              <a:t>Difficulty: Introduce more tasks; Make tasks more difficult.</a:t>
+            </a:r>
+          </a:p>
+          <a:p>
+            <a:r>
+              <a:rPr lang="en-US" dirty="0"/>
+              <a:t>ML-Agent: track user's focus and adjust task difficulty to optimize cognitive load.</a:t>
+            </a:r>
+          </a:p>
+          <a:p>
+            <a:endParaRPr lang="en-US" dirty="0"/>
+          </a:p>
+        </p:txBody>
+      </p:sp>
+    </p:spTree>
+    <p:extLst>
+      <p:ext uri="{BB962C8B-B14F-4D97-AF65-F5344CB8AC3E}">
+        <p14:creationId xmlns:p14="http://schemas.microsoft.com/office/powerpoint/2010/main" val="3972047280"/>
+      </p:ext>
+    </p:extLst>
+  </p:cSld>
+  <p:clrMapOvr>
+    <a:masterClrMapping/>
+  </p:clrMapOvr>
+</p:sld>
+</file>
+
+<file path=ppt/slides/slide12.xml><?xml version="1.0" encoding="utf-8"?>
+<p:sld xmlns:a="http://schemas.openxmlformats.org/drawingml/2006/main" xmlns:r="http://schemas.openxmlformats.org/officeDocument/2006/relationships" xmlns:p="http://schemas.openxmlformats.org/presentationml/2006/main">
+  <p:cSld>
+    <p:spTree>
+      <p:nvGrpSpPr>
+        <p:cNvPr id="1" name=""/>
+        <p:cNvGrpSpPr/>
+        <p:nvPr/>
+      </p:nvGrpSpPr>
+      <p:grpSpPr>
+        <a:xfrm>
+          <a:off x="0" y="0"/>
+          <a:ext cx="0" cy="0"/>
+          <a:chOff x="0" y="0"/>
+          <a:chExt cx="0" cy="0"/>
+        </a:xfrm>
+      </p:grpSpPr>
+      <p:sp>
+        <p:nvSpPr>
+          <p:cNvPr id="2" name="Title 1">
+            <a:extLst>
+              <a:ext uri="{FF2B5EF4-FFF2-40B4-BE49-F238E27FC236}">
+                <a16:creationId xmlns:a16="http://schemas.microsoft.com/office/drawing/2014/main" id="{8FD6BD41-2976-4D92-9724-E3701ACDB2B8}"/>
+              </a:ext>
+            </a:extLst>
+          </p:cNvPr>
+          <p:cNvSpPr>
+            <a:spLocks noGrp="1"/>
+          </p:cNvSpPr>
+          <p:nvPr>
+            <p:ph type="title"/>
+          </p:nvPr>
+        </p:nvSpPr>
+        <p:spPr>
+          <a:xfrm>
+            <a:off x="838200" y="0"/>
+            <a:ext cx="10515600" cy="1325563"/>
+          </a:xfrm>
+        </p:spPr>
+        <p:txBody>
+          <a:bodyPr/>
+          <a:lstStyle/>
+          <a:p>
+            <a:r>
+              <a:rPr lang="en-US" b="1" dirty="0"/>
+              <a:t>Color matching</a:t>
+            </a:r>
+          </a:p>
+        </p:txBody>
+      </p:sp>
+      <p:sp>
+        <p:nvSpPr>
+          <p:cNvPr id="3" name="Content Placeholder 2">
+            <a:extLst>
+              <a:ext uri="{FF2B5EF4-FFF2-40B4-BE49-F238E27FC236}">
+                <a16:creationId xmlns:a16="http://schemas.microsoft.com/office/drawing/2014/main" id="{9B3D762F-A23F-4561-99E8-27012C979DE4}"/>
+              </a:ext>
+            </a:extLst>
+          </p:cNvPr>
+          <p:cNvSpPr>
+            <a:spLocks noGrp="1"/>
+          </p:cNvSpPr>
+          <p:nvPr>
+            <p:ph idx="1"/>
+          </p:nvPr>
+        </p:nvSpPr>
+        <p:spPr>
+          <a:xfrm>
+            <a:off x="838200" y="1042738"/>
+            <a:ext cx="10515600" cy="5815262"/>
+          </a:xfrm>
+        </p:spPr>
+        <p:txBody>
+          <a:bodyPr>
+            <a:normAutofit/>
+          </a:bodyPr>
+          <a:lstStyle/>
+          <a:p>
+            <a:r>
+              <a:rPr lang="en-US" dirty="0"/>
+              <a:t>Idea: Players are presented with colored objects or tiles, and they need to match them based on color.</a:t>
+            </a:r>
+          </a:p>
+          <a:p>
+            <a:r>
+              <a:rPr lang="en-US" dirty="0"/>
+              <a:t>Difficulty: As the game progresses, the number of colors or the complexity of the patterns increases.</a:t>
+            </a:r>
+          </a:p>
+          <a:p>
+            <a:r>
+              <a:rPr lang="en-US" dirty="0"/>
+              <a:t>ML-Agent: Dynamically adjust the difficulty level based on the player's performance. For example, ML could analyze the player's reaction time and accuracy to determine when to introduce new colors or increase the speed of color changes.</a:t>
+            </a:r>
+          </a:p>
+        </p:txBody>
+      </p:sp>
+    </p:spTree>
+    <p:extLst>
+      <p:ext uri="{BB962C8B-B14F-4D97-AF65-F5344CB8AC3E}">
+        <p14:creationId xmlns:p14="http://schemas.microsoft.com/office/powerpoint/2010/main" val="3297586470"/>
+      </p:ext>
+    </p:extLst>
+  </p:cSld>
+  <p:clrMapOvr>
+    <a:masterClrMapping/>
+  </p:clrMapOvr>
+</p:sld>
+</file>
+
+<file path=ppt/slides/slide13.xml><?xml version="1.0" encoding="utf-8"?>
+<p:sld xmlns:a="http://schemas.openxmlformats.org/drawingml/2006/main" xmlns:r="http://schemas.openxmlformats.org/officeDocument/2006/relationships" xmlns:p="http://schemas.openxmlformats.org/presentationml/2006/main">
+  <p:cSld>
+    <p:spTree>
+      <p:nvGrpSpPr>
+        <p:cNvPr id="1" name=""/>
+        <p:cNvGrpSpPr/>
+        <p:nvPr/>
+      </p:nvGrpSpPr>
+      <p:grpSpPr>
+        <a:xfrm>
+          <a:off x="0" y="0"/>
+          <a:ext cx="0" cy="0"/>
+          <a:chOff x="0" y="0"/>
+          <a:chExt cx="0" cy="0"/>
+        </a:xfrm>
+      </p:grpSpPr>
+      <p:sp>
+        <p:nvSpPr>
+          <p:cNvPr id="2" name="Title 1">
+            <a:extLst>
+              <a:ext uri="{FF2B5EF4-FFF2-40B4-BE49-F238E27FC236}">
+                <a16:creationId xmlns:a16="http://schemas.microsoft.com/office/drawing/2014/main" id="{8FD6BD41-2976-4D92-9724-E3701ACDB2B8}"/>
+              </a:ext>
+            </a:extLst>
+          </p:cNvPr>
+          <p:cNvSpPr>
+            <a:spLocks noGrp="1"/>
+          </p:cNvSpPr>
+          <p:nvPr>
+            <p:ph type="title"/>
+          </p:nvPr>
+        </p:nvSpPr>
+        <p:spPr>
+          <a:xfrm>
+            <a:off x="838200" y="0"/>
+            <a:ext cx="10515600" cy="1325563"/>
+          </a:xfrm>
+        </p:spPr>
+        <p:txBody>
+          <a:bodyPr/>
+          <a:lstStyle/>
+          <a:p>
+            <a:r>
+              <a:rPr lang="en-US" b="1" dirty="0"/>
+              <a:t>Pattern recognition</a:t>
+            </a:r>
+          </a:p>
+        </p:txBody>
+      </p:sp>
+      <p:sp>
+        <p:nvSpPr>
+          <p:cNvPr id="3" name="Content Placeholder 2">
+            <a:extLst>
+              <a:ext uri="{FF2B5EF4-FFF2-40B4-BE49-F238E27FC236}">
+                <a16:creationId xmlns:a16="http://schemas.microsoft.com/office/drawing/2014/main" id="{9B3D762F-A23F-4561-99E8-27012C979DE4}"/>
+              </a:ext>
+            </a:extLst>
+          </p:cNvPr>
+          <p:cNvSpPr>
+            <a:spLocks noGrp="1"/>
+          </p:cNvSpPr>
+          <p:nvPr>
+            <p:ph idx="1"/>
+          </p:nvPr>
+        </p:nvSpPr>
+        <p:spPr>
+          <a:xfrm>
+            <a:off x="838200" y="1042738"/>
+            <a:ext cx="10515600" cy="5815262"/>
+          </a:xfrm>
+        </p:spPr>
+        <p:txBody>
+          <a:bodyPr>
+            <a:normAutofit/>
+          </a:bodyPr>
+          <a:lstStyle/>
+          <a:p>
+            <a:r>
+              <a:rPr lang="en-US" dirty="0"/>
+              <a:t>Idea: Users are shown a sequence of patterns or shapes and must identify the next pattern in the sequence. The sequences could involve colors, shapes, or a combination of both.</a:t>
+            </a:r>
+          </a:p>
+          <a:p>
+            <a:r>
+              <a:rPr lang="en-US" dirty="0"/>
+              <a:t>Difficulty: Increase variety in sequence objects.</a:t>
+            </a:r>
+          </a:p>
+        </p:txBody>
+      </p:sp>
+    </p:spTree>
+    <p:extLst>
+      <p:ext uri="{BB962C8B-B14F-4D97-AF65-F5344CB8AC3E}">
+        <p14:creationId xmlns:p14="http://schemas.microsoft.com/office/powerpoint/2010/main" val="3804510452"/>
+      </p:ext>
+    </p:extLst>
+  </p:cSld>
+  <p:clrMapOvr>
+    <a:masterClrMapping/>
+  </p:clrMapOvr>
+</p:sld>
+</file>
+
+<file path=ppt/slides/slide14.xml><?xml version="1.0" encoding="utf-8"?>
+<p:sld xmlns:a="http://schemas.openxmlformats.org/drawingml/2006/main" xmlns:r="http://schemas.openxmlformats.org/officeDocument/2006/relationships" xmlns:p="http://schemas.openxmlformats.org/presentationml/2006/main">
+  <p:cSld>
+    <p:spTree>
+      <p:nvGrpSpPr>
+        <p:cNvPr id="1" name=""/>
+        <p:cNvGrpSpPr/>
+        <p:nvPr/>
+      </p:nvGrpSpPr>
+      <p:grpSpPr>
+        <a:xfrm>
+          <a:off x="0" y="0"/>
+          <a:ext cx="0" cy="0"/>
+          <a:chOff x="0" y="0"/>
+          <a:chExt cx="0" cy="0"/>
+        </a:xfrm>
+      </p:grpSpPr>
+      <p:sp>
+        <p:nvSpPr>
+          <p:cNvPr id="2" name="Title 1">
+            <a:extLst>
+              <a:ext uri="{FF2B5EF4-FFF2-40B4-BE49-F238E27FC236}">
+                <a16:creationId xmlns:a16="http://schemas.microsoft.com/office/drawing/2014/main" id="{8FD6BD41-2976-4D92-9724-E3701ACDB2B8}"/>
+              </a:ext>
+            </a:extLst>
+          </p:cNvPr>
+          <p:cNvSpPr>
+            <a:spLocks noGrp="1"/>
+          </p:cNvSpPr>
+          <p:nvPr>
+            <p:ph type="title"/>
+          </p:nvPr>
+        </p:nvSpPr>
+        <p:spPr>
+          <a:xfrm>
+            <a:off x="838200" y="0"/>
+            <a:ext cx="10515600" cy="1325563"/>
+          </a:xfrm>
+        </p:spPr>
+        <p:txBody>
+          <a:bodyPr/>
+          <a:lstStyle/>
+          <a:p>
+            <a:r>
+              <a:rPr lang="en-US" b="1" dirty="0"/>
+              <a:t>Reaction time</a:t>
+            </a:r>
+            <a:endParaRPr lang="en-US" dirty="0"/>
+          </a:p>
+        </p:txBody>
+      </p:sp>
+      <p:sp>
+        <p:nvSpPr>
+          <p:cNvPr id="3" name="Content Placeholder 2">
+            <a:extLst>
+              <a:ext uri="{FF2B5EF4-FFF2-40B4-BE49-F238E27FC236}">
+                <a16:creationId xmlns:a16="http://schemas.microsoft.com/office/drawing/2014/main" id="{9B3D762F-A23F-4561-99E8-27012C979DE4}"/>
+              </a:ext>
+            </a:extLst>
+          </p:cNvPr>
+          <p:cNvSpPr>
+            <a:spLocks noGrp="1"/>
+          </p:cNvSpPr>
+          <p:nvPr>
+            <p:ph idx="1"/>
+          </p:nvPr>
+        </p:nvSpPr>
+        <p:spPr>
+          <a:xfrm>
+            <a:off x="838200" y="1042738"/>
+            <a:ext cx="10515600" cy="5815262"/>
+          </a:xfrm>
+        </p:spPr>
+        <p:txBody>
+          <a:bodyPr>
+            <a:normAutofit/>
+          </a:bodyPr>
+          <a:lstStyle/>
+          <a:p>
+            <a:r>
+              <a:rPr lang="en-US" dirty="0"/>
+              <a:t>Basic idea: Click a button on a controller as soon as something appears in front of the user / sound plays.</a:t>
+            </a:r>
+          </a:p>
+          <a:p>
+            <a:r>
+              <a:rPr lang="en-US" dirty="0"/>
+              <a:t>Difficulty: Make stimuli more subtle.</a:t>
+            </a:r>
+          </a:p>
+          <a:p>
+            <a:r>
+              <a:rPr lang="en-US" dirty="0"/>
+              <a:t>ML-Agent: </a:t>
+            </a:r>
+          </a:p>
+        </p:txBody>
+      </p:sp>
+    </p:spTree>
+    <p:extLst>
+      <p:ext uri="{BB962C8B-B14F-4D97-AF65-F5344CB8AC3E}">
+        <p14:creationId xmlns:p14="http://schemas.microsoft.com/office/powerpoint/2010/main" val="514114463"/>
+      </p:ext>
+    </p:extLst>
+  </p:cSld>
+  <p:clrMapOvr>
+    <a:masterClrMapping/>
+  </p:clrMapOvr>
+</p:sld>
+</file>
+
+<file path=ppt/slides/slide15.xml><?xml version="1.0" encoding="utf-8"?>
+<p:sld xmlns:a="http://schemas.openxmlformats.org/drawingml/2006/main" xmlns:r="http://schemas.openxmlformats.org/officeDocument/2006/relationships" xmlns:p="http://schemas.openxmlformats.org/presentationml/2006/main">
+  <p:cSld>
+    <p:spTree>
+      <p:nvGrpSpPr>
+        <p:cNvPr id="1" name=""/>
+        <p:cNvGrpSpPr/>
+        <p:nvPr/>
+      </p:nvGrpSpPr>
+      <p:grpSpPr>
+        <a:xfrm>
+          <a:off x="0" y="0"/>
+          <a:ext cx="0" cy="0"/>
+          <a:chOff x="0" y="0"/>
+          <a:chExt cx="0" cy="0"/>
+        </a:xfrm>
+      </p:grpSpPr>
+      <p:sp>
+        <p:nvSpPr>
+          <p:cNvPr id="2" name="Title 1">
+            <a:extLst>
+              <a:ext uri="{FF2B5EF4-FFF2-40B4-BE49-F238E27FC236}">
+                <a16:creationId xmlns:a16="http://schemas.microsoft.com/office/drawing/2014/main" id="{8FD6BD41-2976-4D92-9724-E3701ACDB2B8}"/>
+              </a:ext>
+            </a:extLst>
+          </p:cNvPr>
+          <p:cNvSpPr>
+            <a:spLocks noGrp="1"/>
+          </p:cNvSpPr>
+          <p:nvPr>
+            <p:ph type="title"/>
+          </p:nvPr>
+        </p:nvSpPr>
+        <p:spPr>
+          <a:xfrm>
+            <a:off x="838200" y="0"/>
+            <a:ext cx="10515600" cy="1325563"/>
+          </a:xfrm>
+        </p:spPr>
+        <p:txBody>
+          <a:bodyPr/>
+          <a:lstStyle/>
+          <a:p>
+            <a:r>
+              <a:rPr lang="en-US" b="1" dirty="0"/>
+              <a:t>Following sequence</a:t>
+            </a:r>
+            <a:endParaRPr lang="en-US" dirty="0"/>
+          </a:p>
+        </p:txBody>
+      </p:sp>
+      <p:sp>
+        <p:nvSpPr>
+          <p:cNvPr id="3" name="Content Placeholder 2">
+            <a:extLst>
+              <a:ext uri="{FF2B5EF4-FFF2-40B4-BE49-F238E27FC236}">
+                <a16:creationId xmlns:a16="http://schemas.microsoft.com/office/drawing/2014/main" id="{9B3D762F-A23F-4561-99E8-27012C979DE4}"/>
+              </a:ext>
+            </a:extLst>
+          </p:cNvPr>
+          <p:cNvSpPr>
+            <a:spLocks noGrp="1"/>
+          </p:cNvSpPr>
+          <p:nvPr>
+            <p:ph idx="1"/>
+          </p:nvPr>
+        </p:nvSpPr>
+        <p:spPr>
+          <a:xfrm>
+            <a:off x="838200" y="1042738"/>
+            <a:ext cx="10515600" cy="5815262"/>
+          </a:xfrm>
+        </p:spPr>
+        <p:txBody>
+          <a:bodyPr>
+            <a:normAutofit/>
+          </a:bodyPr>
+          <a:lstStyle/>
+          <a:p>
+            <a:r>
+              <a:rPr lang="en-US" dirty="0"/>
+              <a:t>Basic idea: users are given a grid with numbered dots and the goal is to connect the dots in an increasing order.</a:t>
+            </a:r>
+          </a:p>
+          <a:p>
+            <a:r>
+              <a:rPr lang="en-US" dirty="0"/>
+              <a:t>Difficulty: Increase the number of dots; Change pattern from increasing </a:t>
+            </a:r>
+            <a:r>
+              <a:rPr lang="en-US"/>
+              <a:t>to something else.</a:t>
+            </a:r>
+            <a:endParaRPr lang="en-US" dirty="0"/>
+          </a:p>
+          <a:p>
+            <a:r>
+              <a:rPr lang="en-US" dirty="0"/>
+              <a:t>ML-Agent: </a:t>
+            </a:r>
+          </a:p>
+        </p:txBody>
+      </p:sp>
+    </p:spTree>
+    <p:extLst>
+      <p:ext uri="{BB962C8B-B14F-4D97-AF65-F5344CB8AC3E}">
+        <p14:creationId xmlns:p14="http://schemas.microsoft.com/office/powerpoint/2010/main" val="1751836485"/>
+      </p:ext>
+    </p:extLst>
+  </p:cSld>
+  <p:clrMapOvr>
+    <a:masterClrMapping/>
+  </p:clrMapOvr>
+</p:sld>
+</file>
+
+<file path=ppt/slides/slide16.xml><?xml version="1.0" encoding="utf-8"?>
+<p:sld xmlns:a="http://schemas.openxmlformats.org/drawingml/2006/main" xmlns:r="http://schemas.openxmlformats.org/officeDocument/2006/relationships" xmlns:p="http://schemas.openxmlformats.org/presentationml/2006/main">
+  <p:cSld>
+    <p:spTree>
+      <p:nvGrpSpPr>
+        <p:cNvPr id="1" name=""/>
+        <p:cNvGrpSpPr/>
+        <p:nvPr/>
+      </p:nvGrpSpPr>
+      <p:grpSpPr>
+        <a:xfrm>
+          <a:off x="0" y="0"/>
+          <a:ext cx="0" cy="0"/>
+          <a:chOff x="0" y="0"/>
+          <a:chExt cx="0" cy="0"/>
+        </a:xfrm>
+      </p:grpSpPr>
+      <p:sp>
+        <p:nvSpPr>
+          <p:cNvPr id="2" name="Title 1">
+            <a:extLst>
+              <a:ext uri="{FF2B5EF4-FFF2-40B4-BE49-F238E27FC236}">
+                <a16:creationId xmlns:a16="http://schemas.microsoft.com/office/drawing/2014/main" id="{135F3A21-32E4-42BD-B5EF-F62191E14F67}"/>
+              </a:ext>
+            </a:extLst>
+          </p:cNvPr>
+          <p:cNvSpPr>
+            <a:spLocks noGrp="1"/>
+          </p:cNvSpPr>
+          <p:nvPr>
+            <p:ph type="title"/>
+          </p:nvPr>
+        </p:nvSpPr>
+        <p:spPr/>
+        <p:txBody>
+          <a:bodyPr/>
+          <a:lstStyle/>
+          <a:p>
+            <a:r>
+              <a:rPr lang="en-US" dirty="0"/>
+              <a:t>Overall Agents Usage</a:t>
+            </a:r>
+          </a:p>
+        </p:txBody>
+      </p:sp>
+      <p:sp>
+        <p:nvSpPr>
+          <p:cNvPr id="3" name="Content Placeholder 2">
+            <a:extLst>
+              <a:ext uri="{FF2B5EF4-FFF2-40B4-BE49-F238E27FC236}">
+                <a16:creationId xmlns:a16="http://schemas.microsoft.com/office/drawing/2014/main" id="{96295925-DB7E-4391-9B1D-C814EEB60371}"/>
+              </a:ext>
+            </a:extLst>
+          </p:cNvPr>
+          <p:cNvSpPr>
+            <a:spLocks noGrp="1"/>
+          </p:cNvSpPr>
+          <p:nvPr>
+            <p:ph idx="1"/>
+          </p:nvPr>
+        </p:nvSpPr>
+        <p:spPr/>
+        <p:txBody>
+          <a:bodyPr/>
+          <a:lstStyle/>
+          <a:p>
+            <a:r>
+              <a:rPr lang="en-US" dirty="0"/>
+              <a:t>Object generation.</a:t>
+            </a:r>
+          </a:p>
+          <a:p>
+            <a:r>
+              <a:rPr lang="en-US" dirty="0"/>
+              <a:t>Generate puzzles, adjusting parameters such as object size, shape, and complexity based on the player's skill level.</a:t>
+            </a:r>
+          </a:p>
+          <a:p>
+            <a:r>
+              <a:rPr lang="en-US" dirty="0"/>
+              <a:t>Analyze user data:</a:t>
+            </a:r>
+          </a:p>
+          <a:p>
+            <a:pPr lvl="1"/>
+            <a:r>
+              <a:rPr lang="en-US" sz="2800" dirty="0"/>
+              <a:t>Provide hints or adaptive feedback to guide players through more challenging puzzles.</a:t>
+            </a:r>
+          </a:p>
+          <a:p>
+            <a:pPr lvl="1"/>
+            <a:r>
+              <a:rPr lang="en-US" sz="2800" dirty="0"/>
+              <a:t>Dynamically adjust game difficulty.</a:t>
+            </a:r>
+          </a:p>
+        </p:txBody>
+      </p:sp>
+    </p:spTree>
+    <p:extLst>
+      <p:ext uri="{BB962C8B-B14F-4D97-AF65-F5344CB8AC3E}">
+        <p14:creationId xmlns:p14="http://schemas.microsoft.com/office/powerpoint/2010/main" val="845583735"/>
       </p:ext>
     </p:extLst>
   </p:cSld>
@@ -3590,24 +4229,24 @@
       </p:grpSpPr>
       <p:sp>
         <p:nvSpPr>
-          <p:cNvPr id="3" name="Content Placeholder 2">
-            <a:extLst>
-              <a:ext uri="{FF2B5EF4-FFF2-40B4-BE49-F238E27FC236}">
-                <a16:creationId xmlns:a16="http://schemas.microsoft.com/office/drawing/2014/main" id="{9B3D762F-A23F-4561-99E8-27012C979DE4}"/>
-              </a:ext>
-            </a:extLst>
-          </p:cNvPr>
-          <p:cNvSpPr>
-            <a:spLocks noGrp="1"/>
-          </p:cNvSpPr>
-          <p:nvPr>
-            <p:ph idx="1"/>
+          <p:cNvPr id="2" name="Title 1">
+            <a:extLst>
+              <a:ext uri="{FF2B5EF4-FFF2-40B4-BE49-F238E27FC236}">
+                <a16:creationId xmlns:a16="http://schemas.microsoft.com/office/drawing/2014/main" id="{8FD6BD41-2976-4D92-9724-E3701ACDB2B8}"/>
+              </a:ext>
+            </a:extLst>
+          </p:cNvPr>
+          <p:cNvSpPr>
+            <a:spLocks noGrp="1"/>
+          </p:cNvSpPr>
+          <p:nvPr>
+            <p:ph type="title"/>
           </p:nvPr>
         </p:nvSpPr>
         <p:spPr>
           <a:xfrm>
-            <a:off x="838200" y="248575"/>
-            <a:ext cx="10515600" cy="5928388"/>
+            <a:off x="838200" y="0"/>
+            <a:ext cx="10515600" cy="1325563"/>
           </a:xfrm>
         </p:spPr>
         <p:txBody>
@@ -3615,15 +4254,55 @@
           <a:lstStyle/>
           <a:p>
             <a:r>
+              <a:rPr lang="en-US" b="1" dirty="0"/>
+              <a:t>Aim trainer</a:t>
+            </a:r>
+          </a:p>
+        </p:txBody>
+      </p:sp>
+      <p:sp>
+        <p:nvSpPr>
+          <p:cNvPr id="3" name="Content Placeholder 2">
+            <a:extLst>
+              <a:ext uri="{FF2B5EF4-FFF2-40B4-BE49-F238E27FC236}">
+                <a16:creationId xmlns:a16="http://schemas.microsoft.com/office/drawing/2014/main" id="{9B3D762F-A23F-4561-99E8-27012C979DE4}"/>
+              </a:ext>
+            </a:extLst>
+          </p:cNvPr>
+          <p:cNvSpPr>
+            <a:spLocks noGrp="1"/>
+          </p:cNvSpPr>
+          <p:nvPr>
+            <p:ph idx="1"/>
+          </p:nvPr>
+        </p:nvSpPr>
+        <p:spPr>
+          <a:xfrm>
+            <a:off x="838200" y="1042738"/>
+            <a:ext cx="10515600" cy="5815262"/>
+          </a:xfrm>
+        </p:spPr>
+        <p:txBody>
+          <a:bodyPr>
+            <a:normAutofit/>
+          </a:bodyPr>
+          <a:lstStyle/>
+          <a:p>
+            <a:r>
               <a:rPr lang="en-US" dirty="0"/>
-              <a:t>Audios interesting, maybe combination of some</a:t>
-            </a:r>
-            <a:br>
+              <a:t>Idea: shapes appear on a grid in front of the user and the task is to point &amp; click at the shape as fast as possible.</a:t>
+            </a:r>
+          </a:p>
+          <a:p>
+            <a:r>
               <a:rPr lang="en-US" dirty="0"/>
-            </a:br>
+              <a:t>Difficulty: Smaller targets; Target disappear after some time; Targets move.</a:t>
+            </a:r>
+          </a:p>
+          <a:p>
             <a:r>
               <a:rPr lang="en-US" dirty="0"/>
-              <a:t>Maybe combination = Curriculum learning</a:t>
+              <a:t>ML-Agent: Predict target movement patterns and subtly adjust the user's aim to improve accuracy; Track user performance and adjust the number, size, and movement of targets to optimize the challenge level</a:t>
             </a:r>
           </a:p>
         </p:txBody>
@@ -3631,7 +4310,7 @@
     </p:spTree>
     <p:extLst>
       <p:ext uri="{BB962C8B-B14F-4D97-AF65-F5344CB8AC3E}">
-        <p14:creationId xmlns:p14="http://schemas.microsoft.com/office/powerpoint/2010/main" val="2435161261"/>
+        <p14:creationId xmlns:p14="http://schemas.microsoft.com/office/powerpoint/2010/main" val="4028642223"/>
       </p:ext>
     </p:extLst>
   </p:cSld>
@@ -3674,12 +4353,20 @@
             <p:ph type="title"/>
           </p:nvPr>
         </p:nvSpPr>
-        <p:spPr/>
-        <p:txBody>
-          <a:bodyPr/>
-          <a:lstStyle/>
-          <a:p>
-            <a:endParaRPr lang="en-US"/>
+        <p:spPr>
+          <a:xfrm>
+            <a:off x="838200" y="0"/>
+            <a:ext cx="10515600" cy="1325563"/>
+          </a:xfrm>
+        </p:spPr>
+        <p:txBody>
+          <a:bodyPr/>
+          <a:lstStyle/>
+          <a:p>
+            <a:r>
+              <a:rPr lang="en-US" b="1" dirty="0"/>
+              <a:t>Number memory</a:t>
+            </a:r>
           </a:p>
         </p:txBody>
       </p:sp>
@@ -3699,19 +4386,41 @@
             <p:ph idx="1"/>
           </p:nvPr>
         </p:nvSpPr>
-        <p:spPr/>
-        <p:txBody>
-          <a:bodyPr/>
-          <a:lstStyle/>
-          <a:p>
-            <a:endParaRPr lang="en-US"/>
+        <p:spPr>
+          <a:xfrm>
+            <a:off x="838200" y="1042738"/>
+            <a:ext cx="10515600" cy="5815262"/>
+          </a:xfrm>
+        </p:spPr>
+        <p:txBody>
+          <a:bodyPr>
+            <a:normAutofit/>
+          </a:bodyPr>
+          <a:lstStyle/>
+          <a:p>
+            <a:r>
+              <a:rPr lang="en-US" dirty="0"/>
+              <a:t>Idea: user sees / listens to a number sequence and then tries to reconstruct it.</a:t>
+            </a:r>
+          </a:p>
+          <a:p>
+            <a:r>
+              <a:rPr lang="en-US" dirty="0"/>
+              <a:t>Difficulty: longer sequence / sequence backwards.</a:t>
+            </a:r>
+          </a:p>
+          <a:p>
+            <a:r>
+              <a:rPr lang="en-US" dirty="0"/>
+              <a:t>ML-Agent: Track user performance on recalling numbers of different lengths and presentations (forward vs backward); generate numbers with specific difficulty levels (e.g., specific digit sequences or lengths) to target user weaknesses.</a:t>
+            </a:r>
           </a:p>
         </p:txBody>
       </p:sp>
     </p:spTree>
     <p:extLst>
       <p:ext uri="{BB962C8B-B14F-4D97-AF65-F5344CB8AC3E}">
-        <p14:creationId xmlns:p14="http://schemas.microsoft.com/office/powerpoint/2010/main" val="4269138581"/>
+        <p14:creationId xmlns:p14="http://schemas.microsoft.com/office/powerpoint/2010/main" val="1922651585"/>
       </p:ext>
     </p:extLst>
   </p:cSld>
@@ -3754,12 +4463,20 @@
             <p:ph type="title"/>
           </p:nvPr>
         </p:nvSpPr>
-        <p:spPr/>
-        <p:txBody>
-          <a:bodyPr/>
-          <a:lstStyle/>
-          <a:p>
-            <a:endParaRPr lang="en-US"/>
+        <p:spPr>
+          <a:xfrm>
+            <a:off x="838200" y="0"/>
+            <a:ext cx="10515600" cy="1325563"/>
+          </a:xfrm>
+        </p:spPr>
+        <p:txBody>
+          <a:bodyPr/>
+          <a:lstStyle/>
+          <a:p>
+            <a:r>
+              <a:rPr lang="en-US" b="1" dirty="0"/>
+              <a:t>Verbal memory</a:t>
+            </a:r>
           </a:p>
         </p:txBody>
       </p:sp>
@@ -3779,19 +4496,41 @@
             <p:ph idx="1"/>
           </p:nvPr>
         </p:nvSpPr>
-        <p:spPr/>
-        <p:txBody>
-          <a:bodyPr/>
-          <a:lstStyle/>
-          <a:p>
-            <a:endParaRPr lang="en-US"/>
+        <p:spPr>
+          <a:xfrm>
+            <a:off x="838200" y="1042738"/>
+            <a:ext cx="10515600" cy="5815262"/>
+          </a:xfrm>
+        </p:spPr>
+        <p:txBody>
+          <a:bodyPr>
+            <a:normAutofit/>
+          </a:bodyPr>
+          <a:lstStyle/>
+          <a:p>
+            <a:r>
+              <a:rPr lang="en-US" dirty="0"/>
+              <a:t>Idea: Remember (see or listen) as many words in a limited amount of time as possible.</a:t>
+            </a:r>
+          </a:p>
+          <a:p>
+            <a:r>
+              <a:rPr lang="en-US" dirty="0"/>
+              <a:t>Difficulty: Longer lists of words; Grammatically incorrect words.</a:t>
+            </a:r>
+          </a:p>
+          <a:p>
+            <a:r>
+              <a:rPr lang="en-US" dirty="0"/>
+              <a:t>ML-Agent: </a:t>
+            </a:r>
           </a:p>
         </p:txBody>
       </p:sp>
     </p:spTree>
     <p:extLst>
       <p:ext uri="{BB962C8B-B14F-4D97-AF65-F5344CB8AC3E}">
-        <p14:creationId xmlns:p14="http://schemas.microsoft.com/office/powerpoint/2010/main" val="2186223115"/>
+        <p14:creationId xmlns:p14="http://schemas.microsoft.com/office/powerpoint/2010/main" val="3523277898"/>
       </p:ext>
     </p:extLst>
   </p:cSld>
@@ -3834,12 +4573,20 @@
             <p:ph type="title"/>
           </p:nvPr>
         </p:nvSpPr>
-        <p:spPr/>
-        <p:txBody>
-          <a:bodyPr/>
-          <a:lstStyle/>
-          <a:p>
-            <a:endParaRPr lang="en-US"/>
+        <p:spPr>
+          <a:xfrm>
+            <a:off x="838200" y="0"/>
+            <a:ext cx="10515600" cy="1325563"/>
+          </a:xfrm>
+        </p:spPr>
+        <p:txBody>
+          <a:bodyPr/>
+          <a:lstStyle/>
+          <a:p>
+            <a:r>
+              <a:rPr lang="en-US" b="1" dirty="0"/>
+              <a:t>Chimp test</a:t>
+            </a:r>
           </a:p>
         </p:txBody>
       </p:sp>
@@ -3859,19 +4606,41 @@
             <p:ph idx="1"/>
           </p:nvPr>
         </p:nvSpPr>
-        <p:spPr/>
-        <p:txBody>
-          <a:bodyPr/>
-          <a:lstStyle/>
-          <a:p>
-            <a:endParaRPr lang="en-US"/>
+        <p:spPr>
+          <a:xfrm>
+            <a:off x="838200" y="1042738"/>
+            <a:ext cx="10515600" cy="5815262"/>
+          </a:xfrm>
+        </p:spPr>
+        <p:txBody>
+          <a:bodyPr>
+            <a:normAutofit/>
+          </a:bodyPr>
+          <a:lstStyle/>
+          <a:p>
+            <a:r>
+              <a:rPr lang="en-US" dirty="0"/>
+              <a:t>Idea: display a sequence of numbers on the screen in a grid. Once a user clicks the first number, the sequence disappears and the task is to remember on which positions numbers where placed.</a:t>
+            </a:r>
+          </a:p>
+          <a:p>
+            <a:r>
+              <a:rPr lang="en-US" dirty="0"/>
+              <a:t>Difficulty: Longer sequences; Time limitation.</a:t>
+            </a:r>
+          </a:p>
+          <a:p>
+            <a:r>
+              <a:rPr lang="en-US" dirty="0"/>
+              <a:t>ML-Agent: </a:t>
+            </a:r>
           </a:p>
         </p:txBody>
       </p:sp>
     </p:spTree>
     <p:extLst>
       <p:ext uri="{BB962C8B-B14F-4D97-AF65-F5344CB8AC3E}">
-        <p14:creationId xmlns:p14="http://schemas.microsoft.com/office/powerpoint/2010/main" val="985557097"/>
+        <p14:creationId xmlns:p14="http://schemas.microsoft.com/office/powerpoint/2010/main" val="2999770154"/>
       </p:ext>
     </p:extLst>
   </p:cSld>
@@ -3914,12 +4683,21 @@
             <p:ph type="title"/>
           </p:nvPr>
         </p:nvSpPr>
-        <p:spPr/>
-        <p:txBody>
-          <a:bodyPr/>
-          <a:lstStyle/>
-          <a:p>
-            <a:endParaRPr lang="en-US"/>
+        <p:spPr>
+          <a:xfrm>
+            <a:off x="838200" y="0"/>
+            <a:ext cx="10515600" cy="1325563"/>
+          </a:xfrm>
+        </p:spPr>
+        <p:txBody>
+          <a:bodyPr/>
+          <a:lstStyle/>
+          <a:p>
+            <a:r>
+              <a:rPr lang="en-US" b="1" dirty="0"/>
+              <a:t>Visual memory</a:t>
+            </a:r>
+            <a:endParaRPr lang="en-US" dirty="0"/>
           </a:p>
         </p:txBody>
       </p:sp>
@@ -3939,19 +4717,41 @@
             <p:ph idx="1"/>
           </p:nvPr>
         </p:nvSpPr>
-        <p:spPr/>
-        <p:txBody>
-          <a:bodyPr/>
-          <a:lstStyle/>
-          <a:p>
-            <a:endParaRPr lang="en-US"/>
+        <p:spPr>
+          <a:xfrm>
+            <a:off x="838200" y="1042738"/>
+            <a:ext cx="10515600" cy="5815262"/>
+          </a:xfrm>
+        </p:spPr>
+        <p:txBody>
+          <a:bodyPr>
+            <a:normAutofit/>
+          </a:bodyPr>
+          <a:lstStyle/>
+          <a:p>
+            <a:r>
+              <a:rPr lang="en-US" dirty="0"/>
+              <a:t>Idea: user sees a grid of empty squares; Some of the squares are highlighted and then fade and the task is to identify which squares were highlighted.</a:t>
+            </a:r>
+          </a:p>
+          <a:p>
+            <a:r>
+              <a:rPr lang="en-US" dirty="0"/>
+              <a:t>Difficulty: Longer sequences of squares; Faster highlight fade; Limited time.</a:t>
+            </a:r>
+          </a:p>
+          <a:p>
+            <a:r>
+              <a:rPr lang="en-US" dirty="0"/>
+              <a:t>ML-Agent: </a:t>
+            </a:r>
           </a:p>
         </p:txBody>
       </p:sp>
     </p:spTree>
     <p:extLst>
       <p:ext uri="{BB962C8B-B14F-4D97-AF65-F5344CB8AC3E}">
-        <p14:creationId xmlns:p14="http://schemas.microsoft.com/office/powerpoint/2010/main" val="1326326169"/>
+        <p14:creationId xmlns:p14="http://schemas.microsoft.com/office/powerpoint/2010/main" val="2995919494"/>
       </p:ext>
     </p:extLst>
   </p:cSld>
@@ -3994,12 +4794,21 @@
             <p:ph type="title"/>
           </p:nvPr>
         </p:nvSpPr>
-        <p:spPr/>
-        <p:txBody>
-          <a:bodyPr/>
-          <a:lstStyle/>
-          <a:p>
-            <a:endParaRPr lang="en-US"/>
+        <p:spPr>
+          <a:xfrm>
+            <a:off x="838200" y="0"/>
+            <a:ext cx="10515600" cy="1325563"/>
+          </a:xfrm>
+        </p:spPr>
+        <p:txBody>
+          <a:bodyPr/>
+          <a:lstStyle/>
+          <a:p>
+            <a:r>
+              <a:rPr lang="en-US" b="1" dirty="0"/>
+              <a:t>Shape identification</a:t>
+            </a:r>
+            <a:endParaRPr lang="en-US" dirty="0"/>
           </a:p>
         </p:txBody>
       </p:sp>
@@ -4019,19 +4828,41 @@
             <p:ph idx="1"/>
           </p:nvPr>
         </p:nvSpPr>
-        <p:spPr/>
-        <p:txBody>
-          <a:bodyPr/>
-          <a:lstStyle/>
-          <a:p>
-            <a:endParaRPr lang="en-US"/>
+        <p:spPr>
+          <a:xfrm>
+            <a:off x="838200" y="1042738"/>
+            <a:ext cx="10515600" cy="5815262"/>
+          </a:xfrm>
+        </p:spPr>
+        <p:txBody>
+          <a:bodyPr>
+            <a:normAutofit/>
+          </a:bodyPr>
+          <a:lstStyle/>
+          <a:p>
+            <a:r>
+              <a:rPr lang="en-US" dirty="0"/>
+              <a:t>Idea: user is introduced with objects with different shapes and the task is to put them into the hole with the same shape.</a:t>
+            </a:r>
+          </a:p>
+          <a:p>
+            <a:r>
+              <a:rPr lang="en-US" dirty="0"/>
+              <a:t>Difficulty: More objects; More complex shapes; Similar shapes; Introduce colors.</a:t>
+            </a:r>
+          </a:p>
+          <a:p>
+            <a:r>
+              <a:rPr lang="en-US" dirty="0"/>
+              <a:t>ML-Agent: Object generation.</a:t>
+            </a:r>
           </a:p>
         </p:txBody>
       </p:sp>
     </p:spTree>
     <p:extLst>
       <p:ext uri="{BB962C8B-B14F-4D97-AF65-F5344CB8AC3E}">
-        <p14:creationId xmlns:p14="http://schemas.microsoft.com/office/powerpoint/2010/main" val="2634486687"/>
+        <p14:creationId xmlns:p14="http://schemas.microsoft.com/office/powerpoint/2010/main" val="4210971309"/>
       </p:ext>
     </p:extLst>
   </p:cSld>
@@ -4074,12 +4905,21 @@
             <p:ph type="title"/>
           </p:nvPr>
         </p:nvSpPr>
-        <p:spPr/>
-        <p:txBody>
-          <a:bodyPr/>
-          <a:lstStyle/>
-          <a:p>
-            <a:endParaRPr lang="en-US"/>
+        <p:spPr>
+          <a:xfrm>
+            <a:off x="838200" y="0"/>
+            <a:ext cx="10515600" cy="1325563"/>
+          </a:xfrm>
+        </p:spPr>
+        <p:txBody>
+          <a:bodyPr/>
+          <a:lstStyle/>
+          <a:p>
+            <a:r>
+              <a:rPr lang="en-US" b="1" dirty="0"/>
+              <a:t>Auditory Acuity</a:t>
+            </a:r>
+            <a:endParaRPr lang="en-US" dirty="0"/>
           </a:p>
         </p:txBody>
       </p:sp>
@@ -4099,19 +4939,44 @@
             <p:ph idx="1"/>
           </p:nvPr>
         </p:nvSpPr>
-        <p:spPr/>
-        <p:txBody>
-          <a:bodyPr/>
-          <a:lstStyle/>
-          <a:p>
-            <a:endParaRPr lang="en-US"/>
+        <p:spPr>
+          <a:xfrm>
+            <a:off x="838200" y="1042738"/>
+            <a:ext cx="10515600" cy="5486400"/>
+          </a:xfrm>
+        </p:spPr>
+        <p:txBody>
+          <a:bodyPr>
+            <a:normAutofit/>
+          </a:bodyPr>
+          <a:lstStyle/>
+          <a:p>
+            <a:r>
+              <a:rPr lang="en-US" dirty="0"/>
+              <a:t>Idea: User stands in a virtual environment; Sounds play from various pre-defined locations around the user; User points their VR controller in the direction they perceive the sound originated; Points are awarded for correct identification.</a:t>
+            </a:r>
+          </a:p>
+          <a:p>
+            <a:r>
+              <a:rPr lang="en-US" dirty="0"/>
+              <a:t>Difficulty increase: multiple sounds from different locations, head movement, sounds contradict the direction the user is facing, dynamic environments with varying acoustics (caverns, forests, rooms), complex sounds, introduce user navigation.</a:t>
+            </a:r>
+          </a:p>
+          <a:p>
+            <a:r>
+              <a:rPr lang="en-US" dirty="0"/>
+              <a:t>ML-Agent: Personalized difficulty adjustment; Sound source prediction.</a:t>
+            </a:r>
+          </a:p>
+          <a:p>
+            <a:endParaRPr lang="en-US" dirty="0"/>
           </a:p>
         </p:txBody>
       </p:sp>
     </p:spTree>
     <p:extLst>
       <p:ext uri="{BB962C8B-B14F-4D97-AF65-F5344CB8AC3E}">
-        <p14:creationId xmlns:p14="http://schemas.microsoft.com/office/powerpoint/2010/main" val="2769288005"/>
+        <p14:creationId xmlns:p14="http://schemas.microsoft.com/office/powerpoint/2010/main" val="4269138581"/>
       </p:ext>
     </p:extLst>
   </p:cSld>
@@ -4154,12 +5019,20 @@
             <p:ph type="title"/>
           </p:nvPr>
         </p:nvSpPr>
-        <p:spPr/>
-        <p:txBody>
-          <a:bodyPr/>
-          <a:lstStyle/>
-          <a:p>
-            <a:endParaRPr lang="en-US"/>
+        <p:spPr>
+          <a:xfrm>
+            <a:off x="838200" y="0"/>
+            <a:ext cx="10515600" cy="1325563"/>
+          </a:xfrm>
+        </p:spPr>
+        <p:txBody>
+          <a:bodyPr/>
+          <a:lstStyle/>
+          <a:p>
+            <a:r>
+              <a:rPr lang="en-US" b="1" dirty="0"/>
+              <a:t>Objects memorization</a:t>
+            </a:r>
           </a:p>
         </p:txBody>
       </p:sp>
@@ -4179,19 +5052,41 @@
             <p:ph idx="1"/>
           </p:nvPr>
         </p:nvSpPr>
-        <p:spPr/>
-        <p:txBody>
-          <a:bodyPr/>
-          <a:lstStyle/>
-          <a:p>
-            <a:endParaRPr lang="en-US"/>
+        <p:spPr>
+          <a:xfrm>
+            <a:off x="838200" y="1042738"/>
+            <a:ext cx="10515600" cy="5815262"/>
+          </a:xfrm>
+        </p:spPr>
+        <p:txBody>
+          <a:bodyPr>
+            <a:normAutofit/>
+          </a:bodyPr>
+          <a:lstStyle/>
+          <a:p>
+            <a:r>
+              <a:rPr lang="en-US" dirty="0"/>
+              <a:t>Idea: user sees a bunch of objects and the task is to recall which objects were shown</a:t>
+            </a:r>
+          </a:p>
+          <a:p>
+            <a:r>
+              <a:rPr lang="en-US" dirty="0"/>
+              <a:t>Difficulty: More objects; Some objects are the same and the task is to also recall the number of the same objects shown.</a:t>
+            </a:r>
+          </a:p>
+          <a:p>
+            <a:r>
+              <a:rPr lang="en-US" dirty="0"/>
+              <a:t>ML-Agent: </a:t>
+            </a:r>
           </a:p>
         </p:txBody>
       </p:sp>
     </p:spTree>
     <p:extLst>
       <p:ext uri="{BB962C8B-B14F-4D97-AF65-F5344CB8AC3E}">
-        <p14:creationId xmlns:p14="http://schemas.microsoft.com/office/powerpoint/2010/main" val="1384762455"/>
+        <p14:creationId xmlns:p14="http://schemas.microsoft.com/office/powerpoint/2010/main" val="701296778"/>
       </p:ext>
     </p:extLst>
   </p:cSld>

--- a/vr_ideas.pptx
+++ b/vr_ideas.pptx
@@ -5,22 +5,25 @@
     <p:sldMasterId id="2147483648" r:id="rId1"/>
   </p:sldMasterIdLst>
   <p:sldIdLst>
-    <p:sldId id="275" r:id="rId2"/>
-    <p:sldId id="276" r:id="rId3"/>
-    <p:sldId id="277" r:id="rId4"/>
-    <p:sldId id="278" r:id="rId5"/>
-    <p:sldId id="279" r:id="rId6"/>
-    <p:sldId id="274" r:id="rId7"/>
-    <p:sldId id="281" r:id="rId8"/>
-    <p:sldId id="259" r:id="rId9"/>
-    <p:sldId id="267" r:id="rId10"/>
-    <p:sldId id="268" r:id="rId11"/>
-    <p:sldId id="282" r:id="rId12"/>
-    <p:sldId id="285" r:id="rId13"/>
-    <p:sldId id="284" r:id="rId14"/>
-    <p:sldId id="273" r:id="rId15"/>
-    <p:sldId id="287" r:id="rId16"/>
-    <p:sldId id="283" r:id="rId17"/>
+    <p:sldId id="290" r:id="rId2"/>
+    <p:sldId id="259" r:id="rId3"/>
+    <p:sldId id="291" r:id="rId4"/>
+    <p:sldId id="281" r:id="rId5"/>
+    <p:sldId id="289" r:id="rId6"/>
+    <p:sldId id="287" r:id="rId7"/>
+    <p:sldId id="275" r:id="rId8"/>
+    <p:sldId id="277" r:id="rId9"/>
+    <p:sldId id="278" r:id="rId10"/>
+    <p:sldId id="279" r:id="rId11"/>
+    <p:sldId id="274" r:id="rId12"/>
+    <p:sldId id="267" r:id="rId13"/>
+    <p:sldId id="268" r:id="rId14"/>
+    <p:sldId id="282" r:id="rId15"/>
+    <p:sldId id="285" r:id="rId16"/>
+    <p:sldId id="284" r:id="rId17"/>
+    <p:sldId id="273" r:id="rId18"/>
+    <p:sldId id="276" r:id="rId19"/>
+    <p:sldId id="283" r:id="rId20"/>
   </p:sldIdLst>
   <p:sldSz cx="12192000" cy="6858000"/>
   <p:notesSz cx="6858000" cy="9144000"/>
@@ -3369,8 +3372,9 @@
           <a:p>
             <a:r>
               <a:rPr lang="en-US" b="1" dirty="0"/>
-              <a:t>Sequence memory</a:t>
-            </a:r>
+              <a:t>Follow instructions</a:t>
+            </a:r>
+            <a:endParaRPr lang="en-US" dirty="0"/>
           </a:p>
         </p:txBody>
       </p:sp>
@@ -3404,19 +3408,19 @@
           <a:p>
             <a:r>
               <a:rPr lang="en-US" dirty="0"/>
-              <a:t>Idea: introduce a grid of buttons; the task is to remember an increasingly longer pattern of button presses; each button has its own unique sound.</a:t>
-            </a:r>
-          </a:p>
-          <a:p>
-            <a:r>
-              <a:rPr lang="en-US" dirty="0"/>
-              <a:t>Difficulty: longer sequences, multiple sequences at the same time.</a:t>
-            </a:r>
-          </a:p>
-          <a:p>
-            <a:r>
-              <a:rPr lang="en-US" dirty="0"/>
-              <a:t>ML-Agent: generate new sequences that target the user's specific weaknesses (e.g., sequences with repeating patterns or specific button combinations)</a:t>
+              <a:t>Basic idea: users are given a series of simple instructions that they must follow within a certain time limit. Instructions could involve actions like "jump," "turn left," "pick up object," or "stand still."</a:t>
+            </a:r>
+          </a:p>
+          <a:p>
+            <a:r>
+              <a:rPr lang="en-US" dirty="0"/>
+              <a:t>Difficulty: Combine multiple tasks together; Increase the speed at which instructions are given; Increase complexity of instructions; Require players to remember and execute longer sequences of instructions.</a:t>
+            </a:r>
+          </a:p>
+          <a:p>
+            <a:r>
+              <a:rPr lang="en-US" dirty="0"/>
+              <a:t>ML-Agent: Generate randomized sequences of instructions, adapting the difficulty based on the player's performance; Analyze the player's response time, accuracy, and ability to remember and execute instructions correctly. As the player progresses, ML could introduce longer sequences, more complex instructions, or even multiple instructions to be performed simultaneously</a:t>
             </a:r>
           </a:p>
         </p:txBody>
@@ -3424,7 +3428,7 @@
     </p:spTree>
     <p:extLst>
       <p:ext uri="{BB962C8B-B14F-4D97-AF65-F5344CB8AC3E}">
-        <p14:creationId xmlns:p14="http://schemas.microsoft.com/office/powerpoint/2010/main" val="598358051"/>
+        <p14:creationId xmlns:p14="http://schemas.microsoft.com/office/powerpoint/2010/main" val="4091921746"/>
       </p:ext>
     </p:extLst>
   </p:cSld>
@@ -3479,7 +3483,7 @@
           <a:p>
             <a:r>
               <a:rPr lang="en-US" b="1" dirty="0"/>
-              <a:t>Match the Melody</a:t>
+              <a:t>Chimp test</a:t>
             </a:r>
           </a:p>
         </p:txBody>
@@ -3514,13 +3518,13 @@
           <a:p>
             <a:r>
               <a:rPr lang="en-US" dirty="0"/>
-              <a:t>Idea: User listens to a short melody and then replicates it by selecting notes or tapping buttons in the correct sequence.</a:t>
-            </a:r>
-          </a:p>
-          <a:p>
-            <a:r>
-              <a:rPr lang="en-US" dirty="0"/>
-              <a:t>Difficulty increase: Increased complexity of melodies (more notes, longer sequences, wider range of intervals).</a:t>
+              <a:t>Idea: display a sequence of numbers on the screen in a grid. Once a user clicks the first number, the sequence disappears and the task is to remember on which positions numbers where placed.</a:t>
+            </a:r>
+          </a:p>
+          <a:p>
+            <a:r>
+              <a:rPr lang="en-US" dirty="0"/>
+              <a:t>Difficulty: Longer sequences; Time limitation.</a:t>
             </a:r>
           </a:p>
           <a:p>
@@ -3534,7 +3538,7 @@
     </p:spTree>
     <p:extLst>
       <p:ext uri="{BB962C8B-B14F-4D97-AF65-F5344CB8AC3E}">
-        <p14:creationId xmlns:p14="http://schemas.microsoft.com/office/powerpoint/2010/main" val="1989682846"/>
+        <p14:creationId xmlns:p14="http://schemas.microsoft.com/office/powerpoint/2010/main" val="2999770154"/>
       </p:ext>
     </p:extLst>
   </p:cSld>
@@ -3589,8 +3593,9 @@
           <a:p>
             <a:r>
               <a:rPr lang="en-US" b="1" dirty="0"/>
-              <a:t>Multitasking</a:t>
-            </a:r>
+              <a:t>Visual memory</a:t>
+            </a:r>
+            <a:endParaRPr lang="en-US" dirty="0"/>
           </a:p>
         </p:txBody>
       </p:sp>
@@ -3624,30 +3629,27 @@
           <a:p>
             <a:r>
               <a:rPr lang="en-US" dirty="0"/>
-              <a:t>Idea: User completes multiple mini-challenges simultaneously, like remembering a sequence while dodging obstacles.</a:t>
-            </a:r>
-          </a:p>
-          <a:p>
-            <a:r>
-              <a:rPr lang="en-US" dirty="0"/>
-              <a:t>Difficulty: Introduce more tasks; Make tasks more difficult.</a:t>
-            </a:r>
-          </a:p>
-          <a:p>
-            <a:r>
-              <a:rPr lang="en-US" dirty="0"/>
-              <a:t>ML-Agent: track user's focus and adjust task difficulty to optimize cognitive load.</a:t>
-            </a:r>
-          </a:p>
-          <a:p>
-            <a:endParaRPr lang="en-US" dirty="0"/>
+              <a:t>Idea: user sees a grid of empty squares; Some of the squares are highlighted and then fade and the task is to identify which squares were highlighted.</a:t>
+            </a:r>
+          </a:p>
+          <a:p>
+            <a:r>
+              <a:rPr lang="en-US" dirty="0"/>
+              <a:t>Difficulty: Longer sequences of squares; Faster highlight fade; Limited time.</a:t>
+            </a:r>
+          </a:p>
+          <a:p>
+            <a:r>
+              <a:rPr lang="en-US" dirty="0"/>
+              <a:t>ML-Agent: </a:t>
+            </a:r>
           </a:p>
         </p:txBody>
       </p:sp>
     </p:spTree>
     <p:extLst>
       <p:ext uri="{BB962C8B-B14F-4D97-AF65-F5344CB8AC3E}">
-        <p14:creationId xmlns:p14="http://schemas.microsoft.com/office/powerpoint/2010/main" val="3972047280"/>
+        <p14:creationId xmlns:p14="http://schemas.microsoft.com/office/powerpoint/2010/main" val="2995919494"/>
       </p:ext>
     </p:extLst>
   </p:cSld>
@@ -3702,7 +3704,7 @@
           <a:p>
             <a:r>
               <a:rPr lang="en-US" b="1" dirty="0"/>
-              <a:t>Color matching</a:t>
+              <a:t>Objects memorization</a:t>
             </a:r>
           </a:p>
         </p:txBody>
@@ -3737,19 +3739,19 @@
           <a:p>
             <a:r>
               <a:rPr lang="en-US" dirty="0"/>
-              <a:t>Idea: Players are presented with colored objects or tiles, and they need to match them based on color.</a:t>
-            </a:r>
-          </a:p>
-          <a:p>
-            <a:r>
-              <a:rPr lang="en-US" dirty="0"/>
-              <a:t>Difficulty: As the game progresses, the number of colors or the complexity of the patterns increases.</a:t>
-            </a:r>
-          </a:p>
-          <a:p>
-            <a:r>
-              <a:rPr lang="en-US" dirty="0"/>
-              <a:t>ML-Agent: Dynamically adjust the difficulty level based on the player's performance. For example, ML could analyze the player's reaction time and accuracy to determine when to introduce new colors or increase the speed of color changes.</a:t>
+              <a:t>Idea: user sees a bunch of objects and the task is to recall which objects were shown</a:t>
+            </a:r>
+          </a:p>
+          <a:p>
+            <a:r>
+              <a:rPr lang="en-US" dirty="0"/>
+              <a:t>Difficulty: More objects; Some objects are the same and the task is to also recall the number of the same objects shown.</a:t>
+            </a:r>
+          </a:p>
+          <a:p>
+            <a:r>
+              <a:rPr lang="en-US" dirty="0"/>
+              <a:t>ML-Agent: </a:t>
             </a:r>
           </a:p>
         </p:txBody>
@@ -3757,7 +3759,7 @@
     </p:spTree>
     <p:extLst>
       <p:ext uri="{BB962C8B-B14F-4D97-AF65-F5344CB8AC3E}">
-        <p14:creationId xmlns:p14="http://schemas.microsoft.com/office/powerpoint/2010/main" val="3297586470"/>
+        <p14:creationId xmlns:p14="http://schemas.microsoft.com/office/powerpoint/2010/main" val="701296778"/>
       </p:ext>
     </p:extLst>
   </p:cSld>
@@ -3812,7 +3814,7 @@
           <a:p>
             <a:r>
               <a:rPr lang="en-US" b="1" dirty="0"/>
-              <a:t>Pattern recognition</a:t>
+              <a:t>Match the Melody</a:t>
             </a:r>
           </a:p>
         </p:txBody>
@@ -3847,13 +3849,19 @@
           <a:p>
             <a:r>
               <a:rPr lang="en-US" dirty="0"/>
-              <a:t>Idea: Users are shown a sequence of patterns or shapes and must identify the next pattern in the sequence. The sequences could involve colors, shapes, or a combination of both.</a:t>
-            </a:r>
-          </a:p>
-          <a:p>
-            <a:r>
-              <a:rPr lang="en-US" dirty="0"/>
-              <a:t>Difficulty: Increase variety in sequence objects.</a:t>
+              <a:t>Idea: User listens to a short melody and then replicates it by selecting notes or tapping buttons in the correct sequence.</a:t>
+            </a:r>
+          </a:p>
+          <a:p>
+            <a:r>
+              <a:rPr lang="en-US" dirty="0"/>
+              <a:t>Difficulty increase: Increased complexity of melodies (more notes, longer sequences, wider range of intervals).</a:t>
+            </a:r>
+          </a:p>
+          <a:p>
+            <a:r>
+              <a:rPr lang="en-US" dirty="0"/>
+              <a:t>ML-Agent: </a:t>
             </a:r>
           </a:p>
         </p:txBody>
@@ -3861,7 +3869,7 @@
     </p:spTree>
     <p:extLst>
       <p:ext uri="{BB962C8B-B14F-4D97-AF65-F5344CB8AC3E}">
-        <p14:creationId xmlns:p14="http://schemas.microsoft.com/office/powerpoint/2010/main" val="3804510452"/>
+        <p14:creationId xmlns:p14="http://schemas.microsoft.com/office/powerpoint/2010/main" val="1989682846"/>
       </p:ext>
     </p:extLst>
   </p:cSld>
@@ -3916,9 +3924,8 @@
           <a:p>
             <a:r>
               <a:rPr lang="en-US" b="1" dirty="0"/>
-              <a:t>Reaction time</a:t>
-            </a:r>
-            <a:endParaRPr lang="en-US" dirty="0"/>
+              <a:t>Multitasking</a:t>
+            </a:r>
           </a:p>
         </p:txBody>
       </p:sp>
@@ -3952,27 +3959,30 @@
           <a:p>
             <a:r>
               <a:rPr lang="en-US" dirty="0"/>
-              <a:t>Basic idea: Click a button on a controller as soon as something appears in front of the user / sound plays.</a:t>
-            </a:r>
-          </a:p>
-          <a:p>
-            <a:r>
-              <a:rPr lang="en-US" dirty="0"/>
-              <a:t>Difficulty: Make stimuli more subtle.</a:t>
-            </a:r>
-          </a:p>
-          <a:p>
-            <a:r>
-              <a:rPr lang="en-US" dirty="0"/>
-              <a:t>ML-Agent: </a:t>
-            </a:r>
+              <a:t>Idea: User completes multiple mini-challenges simultaneously, like remembering a sequence while dodging obstacles.</a:t>
+            </a:r>
+          </a:p>
+          <a:p>
+            <a:r>
+              <a:rPr lang="en-US" dirty="0"/>
+              <a:t>Difficulty: Introduce more tasks; Make tasks more difficult.</a:t>
+            </a:r>
+          </a:p>
+          <a:p>
+            <a:r>
+              <a:rPr lang="en-US" dirty="0"/>
+              <a:t>ML-Agent: track user's focus and adjust task difficulty to optimize cognitive load.</a:t>
+            </a:r>
+          </a:p>
+          <a:p>
+            <a:endParaRPr lang="en-US" dirty="0"/>
           </a:p>
         </p:txBody>
       </p:sp>
     </p:spTree>
     <p:extLst>
       <p:ext uri="{BB962C8B-B14F-4D97-AF65-F5344CB8AC3E}">
-        <p14:creationId xmlns:p14="http://schemas.microsoft.com/office/powerpoint/2010/main" val="514114463"/>
+        <p14:creationId xmlns:p14="http://schemas.microsoft.com/office/powerpoint/2010/main" val="3972047280"/>
       </p:ext>
     </p:extLst>
   </p:cSld>
@@ -4027,9 +4037,8 @@
           <a:p>
             <a:r>
               <a:rPr lang="en-US" b="1" dirty="0"/>
-              <a:t>Following sequence</a:t>
-            </a:r>
-            <a:endParaRPr lang="en-US" dirty="0"/>
+              <a:t>Color matching</a:t>
+            </a:r>
           </a:p>
         </p:txBody>
       </p:sp>
@@ -4063,24 +4072,19 @@
           <a:p>
             <a:r>
               <a:rPr lang="en-US" dirty="0"/>
-              <a:t>Basic idea: users are given a grid with numbered dots and the goal is to connect the dots in an increasing order.</a:t>
-            </a:r>
-          </a:p>
-          <a:p>
-            <a:r>
-              <a:rPr lang="en-US" dirty="0"/>
-              <a:t>Difficulty: Increase the number of dots; Change pattern from increasing </a:t>
-            </a:r>
-            <a:r>
-              <a:rPr lang="en-US"/>
-              <a:t>to something else.</a:t>
-            </a:r>
-            <a:endParaRPr lang="en-US" dirty="0"/>
-          </a:p>
-          <a:p>
-            <a:r>
-              <a:rPr lang="en-US" dirty="0"/>
-              <a:t>ML-Agent: </a:t>
+              <a:t>Idea: Players are presented with colored objects or tiles, and they need to match them based on color.</a:t>
+            </a:r>
+          </a:p>
+          <a:p>
+            <a:r>
+              <a:rPr lang="en-US" dirty="0"/>
+              <a:t>Difficulty: As the game progresses, the number of colors or the complexity of the patterns increases.</a:t>
+            </a:r>
+          </a:p>
+          <a:p>
+            <a:r>
+              <a:rPr lang="en-US" dirty="0"/>
+              <a:t>ML-Agent: Dynamically adjust the difficulty level based on the player's performance. For example, ML could analyze the player's reaction time and accuracy to determine when to introduce new colors or increase the speed of color changes.</a:t>
             </a:r>
           </a:p>
         </p:txBody>
@@ -4088,7 +4092,7 @@
     </p:spTree>
     <p:extLst>
       <p:ext uri="{BB962C8B-B14F-4D97-AF65-F5344CB8AC3E}">
-        <p14:creationId xmlns:p14="http://schemas.microsoft.com/office/powerpoint/2010/main" val="1751836485"/>
+        <p14:creationId xmlns:p14="http://schemas.microsoft.com/office/powerpoint/2010/main" val="3297586470"/>
       </p:ext>
     </p:extLst>
   </p:cSld>
@@ -4099,6 +4103,331 @@
 </file>
 
 <file path=ppt/slides/slide16.xml><?xml version="1.0" encoding="utf-8"?>
+<p:sld xmlns:a="http://schemas.openxmlformats.org/drawingml/2006/main" xmlns:r="http://schemas.openxmlformats.org/officeDocument/2006/relationships" xmlns:p="http://schemas.openxmlformats.org/presentationml/2006/main">
+  <p:cSld>
+    <p:spTree>
+      <p:nvGrpSpPr>
+        <p:cNvPr id="1" name=""/>
+        <p:cNvGrpSpPr/>
+        <p:nvPr/>
+      </p:nvGrpSpPr>
+      <p:grpSpPr>
+        <a:xfrm>
+          <a:off x="0" y="0"/>
+          <a:ext cx="0" cy="0"/>
+          <a:chOff x="0" y="0"/>
+          <a:chExt cx="0" cy="0"/>
+        </a:xfrm>
+      </p:grpSpPr>
+      <p:sp>
+        <p:nvSpPr>
+          <p:cNvPr id="2" name="Title 1">
+            <a:extLst>
+              <a:ext uri="{FF2B5EF4-FFF2-40B4-BE49-F238E27FC236}">
+                <a16:creationId xmlns:a16="http://schemas.microsoft.com/office/drawing/2014/main" id="{8FD6BD41-2976-4D92-9724-E3701ACDB2B8}"/>
+              </a:ext>
+            </a:extLst>
+          </p:cNvPr>
+          <p:cNvSpPr>
+            <a:spLocks noGrp="1"/>
+          </p:cNvSpPr>
+          <p:nvPr>
+            <p:ph type="title"/>
+          </p:nvPr>
+        </p:nvSpPr>
+        <p:spPr>
+          <a:xfrm>
+            <a:off x="838200" y="0"/>
+            <a:ext cx="10515600" cy="1325563"/>
+          </a:xfrm>
+        </p:spPr>
+        <p:txBody>
+          <a:bodyPr/>
+          <a:lstStyle/>
+          <a:p>
+            <a:r>
+              <a:rPr lang="en-US" b="1" dirty="0"/>
+              <a:t>Pattern recognition</a:t>
+            </a:r>
+          </a:p>
+        </p:txBody>
+      </p:sp>
+      <p:sp>
+        <p:nvSpPr>
+          <p:cNvPr id="3" name="Content Placeholder 2">
+            <a:extLst>
+              <a:ext uri="{FF2B5EF4-FFF2-40B4-BE49-F238E27FC236}">
+                <a16:creationId xmlns:a16="http://schemas.microsoft.com/office/drawing/2014/main" id="{9B3D762F-A23F-4561-99E8-27012C979DE4}"/>
+              </a:ext>
+            </a:extLst>
+          </p:cNvPr>
+          <p:cNvSpPr>
+            <a:spLocks noGrp="1"/>
+          </p:cNvSpPr>
+          <p:nvPr>
+            <p:ph idx="1"/>
+          </p:nvPr>
+        </p:nvSpPr>
+        <p:spPr>
+          <a:xfrm>
+            <a:off x="838200" y="1042738"/>
+            <a:ext cx="10515600" cy="5815262"/>
+          </a:xfrm>
+        </p:spPr>
+        <p:txBody>
+          <a:bodyPr>
+            <a:normAutofit/>
+          </a:bodyPr>
+          <a:lstStyle/>
+          <a:p>
+            <a:r>
+              <a:rPr lang="en-US" dirty="0"/>
+              <a:t>Idea: Users are shown a sequence of patterns or shapes and must identify the next pattern in the sequence. The sequences could involve colors, shapes, or a combination of both.</a:t>
+            </a:r>
+          </a:p>
+          <a:p>
+            <a:r>
+              <a:rPr lang="en-US" dirty="0"/>
+              <a:t>Difficulty: Increase variety in sequence objects.</a:t>
+            </a:r>
+          </a:p>
+        </p:txBody>
+      </p:sp>
+    </p:spTree>
+    <p:extLst>
+      <p:ext uri="{BB962C8B-B14F-4D97-AF65-F5344CB8AC3E}">
+        <p14:creationId xmlns:p14="http://schemas.microsoft.com/office/powerpoint/2010/main" val="3804510452"/>
+      </p:ext>
+    </p:extLst>
+  </p:cSld>
+  <p:clrMapOvr>
+    <a:masterClrMapping/>
+  </p:clrMapOvr>
+</p:sld>
+</file>
+
+<file path=ppt/slides/slide17.xml><?xml version="1.0" encoding="utf-8"?>
+<p:sld xmlns:a="http://schemas.openxmlformats.org/drawingml/2006/main" xmlns:r="http://schemas.openxmlformats.org/officeDocument/2006/relationships" xmlns:p="http://schemas.openxmlformats.org/presentationml/2006/main">
+  <p:cSld>
+    <p:spTree>
+      <p:nvGrpSpPr>
+        <p:cNvPr id="1" name=""/>
+        <p:cNvGrpSpPr/>
+        <p:nvPr/>
+      </p:nvGrpSpPr>
+      <p:grpSpPr>
+        <a:xfrm>
+          <a:off x="0" y="0"/>
+          <a:ext cx="0" cy="0"/>
+          <a:chOff x="0" y="0"/>
+          <a:chExt cx="0" cy="0"/>
+        </a:xfrm>
+      </p:grpSpPr>
+      <p:sp>
+        <p:nvSpPr>
+          <p:cNvPr id="2" name="Title 1">
+            <a:extLst>
+              <a:ext uri="{FF2B5EF4-FFF2-40B4-BE49-F238E27FC236}">
+                <a16:creationId xmlns:a16="http://schemas.microsoft.com/office/drawing/2014/main" id="{8FD6BD41-2976-4D92-9724-E3701ACDB2B8}"/>
+              </a:ext>
+            </a:extLst>
+          </p:cNvPr>
+          <p:cNvSpPr>
+            <a:spLocks noGrp="1"/>
+          </p:cNvSpPr>
+          <p:nvPr>
+            <p:ph type="title"/>
+          </p:nvPr>
+        </p:nvSpPr>
+        <p:spPr>
+          <a:xfrm>
+            <a:off x="838200" y="0"/>
+            <a:ext cx="10515600" cy="1325563"/>
+          </a:xfrm>
+        </p:spPr>
+        <p:txBody>
+          <a:bodyPr/>
+          <a:lstStyle/>
+          <a:p>
+            <a:r>
+              <a:rPr lang="en-US" b="1" dirty="0"/>
+              <a:t>Reaction time</a:t>
+            </a:r>
+            <a:endParaRPr lang="en-US" dirty="0"/>
+          </a:p>
+        </p:txBody>
+      </p:sp>
+      <p:sp>
+        <p:nvSpPr>
+          <p:cNvPr id="3" name="Content Placeholder 2">
+            <a:extLst>
+              <a:ext uri="{FF2B5EF4-FFF2-40B4-BE49-F238E27FC236}">
+                <a16:creationId xmlns:a16="http://schemas.microsoft.com/office/drawing/2014/main" id="{9B3D762F-A23F-4561-99E8-27012C979DE4}"/>
+              </a:ext>
+            </a:extLst>
+          </p:cNvPr>
+          <p:cNvSpPr>
+            <a:spLocks noGrp="1"/>
+          </p:cNvSpPr>
+          <p:nvPr>
+            <p:ph idx="1"/>
+          </p:nvPr>
+        </p:nvSpPr>
+        <p:spPr>
+          <a:xfrm>
+            <a:off x="838200" y="1042738"/>
+            <a:ext cx="10515600" cy="5815262"/>
+          </a:xfrm>
+        </p:spPr>
+        <p:txBody>
+          <a:bodyPr>
+            <a:normAutofit/>
+          </a:bodyPr>
+          <a:lstStyle/>
+          <a:p>
+            <a:r>
+              <a:rPr lang="en-US" dirty="0"/>
+              <a:t>Basic idea: Click a button on a controller as soon as something appears in front of the user / sound plays.</a:t>
+            </a:r>
+          </a:p>
+          <a:p>
+            <a:r>
+              <a:rPr lang="en-US" dirty="0"/>
+              <a:t>Difficulty: Make stimuli more subtle; Play 2 games at the same time, where 1 controller controls one game, other another game, and then you randomly switch games with each other, thus trying to confuse the user.</a:t>
+            </a:r>
+          </a:p>
+          <a:p>
+            <a:r>
+              <a:rPr lang="en-US" dirty="0"/>
+              <a:t>ML-Agent: </a:t>
+            </a:r>
+          </a:p>
+        </p:txBody>
+      </p:sp>
+    </p:spTree>
+    <p:extLst>
+      <p:ext uri="{BB962C8B-B14F-4D97-AF65-F5344CB8AC3E}">
+        <p14:creationId xmlns:p14="http://schemas.microsoft.com/office/powerpoint/2010/main" val="514114463"/>
+      </p:ext>
+    </p:extLst>
+  </p:cSld>
+  <p:clrMapOvr>
+    <a:masterClrMapping/>
+  </p:clrMapOvr>
+</p:sld>
+</file>
+
+<file path=ppt/slides/slide18.xml><?xml version="1.0" encoding="utf-8"?>
+<p:sld xmlns:a="http://schemas.openxmlformats.org/drawingml/2006/main" xmlns:r="http://schemas.openxmlformats.org/officeDocument/2006/relationships" xmlns:p="http://schemas.openxmlformats.org/presentationml/2006/main">
+  <p:cSld>
+    <p:spTree>
+      <p:nvGrpSpPr>
+        <p:cNvPr id="1" name=""/>
+        <p:cNvGrpSpPr/>
+        <p:nvPr/>
+      </p:nvGrpSpPr>
+      <p:grpSpPr>
+        <a:xfrm>
+          <a:off x="0" y="0"/>
+          <a:ext cx="0" cy="0"/>
+          <a:chOff x="0" y="0"/>
+          <a:chExt cx="0" cy="0"/>
+        </a:xfrm>
+      </p:grpSpPr>
+      <p:sp>
+        <p:nvSpPr>
+          <p:cNvPr id="2" name="Title 1">
+            <a:extLst>
+              <a:ext uri="{FF2B5EF4-FFF2-40B4-BE49-F238E27FC236}">
+                <a16:creationId xmlns:a16="http://schemas.microsoft.com/office/drawing/2014/main" id="{8FD6BD41-2976-4D92-9724-E3701ACDB2B8}"/>
+              </a:ext>
+            </a:extLst>
+          </p:cNvPr>
+          <p:cNvSpPr>
+            <a:spLocks noGrp="1"/>
+          </p:cNvSpPr>
+          <p:nvPr>
+            <p:ph type="title"/>
+          </p:nvPr>
+        </p:nvSpPr>
+        <p:spPr>
+          <a:xfrm>
+            <a:off x="838200" y="0"/>
+            <a:ext cx="10515600" cy="1325563"/>
+          </a:xfrm>
+        </p:spPr>
+        <p:txBody>
+          <a:bodyPr/>
+          <a:lstStyle/>
+          <a:p>
+            <a:r>
+              <a:rPr lang="en-US" b="1" dirty="0"/>
+              <a:t>Aim trainer</a:t>
+            </a:r>
+          </a:p>
+        </p:txBody>
+      </p:sp>
+      <p:sp>
+        <p:nvSpPr>
+          <p:cNvPr id="3" name="Content Placeholder 2">
+            <a:extLst>
+              <a:ext uri="{FF2B5EF4-FFF2-40B4-BE49-F238E27FC236}">
+                <a16:creationId xmlns:a16="http://schemas.microsoft.com/office/drawing/2014/main" id="{9B3D762F-A23F-4561-99E8-27012C979DE4}"/>
+              </a:ext>
+            </a:extLst>
+          </p:cNvPr>
+          <p:cNvSpPr>
+            <a:spLocks noGrp="1"/>
+          </p:cNvSpPr>
+          <p:nvPr>
+            <p:ph idx="1"/>
+          </p:nvPr>
+        </p:nvSpPr>
+        <p:spPr>
+          <a:xfrm>
+            <a:off x="838200" y="1042738"/>
+            <a:ext cx="10515600" cy="5815262"/>
+          </a:xfrm>
+        </p:spPr>
+        <p:txBody>
+          <a:bodyPr>
+            <a:normAutofit/>
+          </a:bodyPr>
+          <a:lstStyle/>
+          <a:p>
+            <a:r>
+              <a:rPr lang="en-US" dirty="0"/>
+              <a:t>Idea: shapes appear on a grid in front of the user and the task is to point &amp; click at the shape as fast as possible.</a:t>
+            </a:r>
+          </a:p>
+          <a:p>
+            <a:r>
+              <a:rPr lang="en-US" dirty="0"/>
+              <a:t>Difficulty: Smaller targets; Target disappear after some time; Targets move.</a:t>
+            </a:r>
+          </a:p>
+          <a:p>
+            <a:r>
+              <a:rPr lang="en-US" dirty="0"/>
+              <a:t>ML-Agent: Predict target movement patterns and subtly adjust the user's aim to improve accuracy; Track user performance and adjust the number, size, and movement of targets to optimize the challenge level.</a:t>
+            </a:r>
+          </a:p>
+        </p:txBody>
+      </p:sp>
+    </p:spTree>
+    <p:extLst>
+      <p:ext uri="{BB962C8B-B14F-4D97-AF65-F5344CB8AC3E}">
+        <p14:creationId xmlns:p14="http://schemas.microsoft.com/office/powerpoint/2010/main" val="4028642223"/>
+      </p:ext>
+    </p:extLst>
+  </p:cSld>
+  <p:clrMapOvr>
+    <a:masterClrMapping/>
+  </p:clrMapOvr>
+</p:sld>
+</file>
+
+<file path=ppt/slides/slide19.xml><?xml version="1.0" encoding="utf-8"?>
 <p:sld xmlns:a="http://schemas.openxmlformats.org/drawingml/2006/main" xmlns:r="http://schemas.openxmlformats.org/officeDocument/2006/relationships" xmlns:p="http://schemas.openxmlformats.org/presentationml/2006/main">
   <p:cSld>
     <p:spTree>
@@ -4255,8 +4584,9 @@
           <a:p>
             <a:r>
               <a:rPr lang="en-US" b="1" dirty="0"/>
-              <a:t>Aim trainer</a:t>
-            </a:r>
+              <a:t>Auditory Acuity</a:t>
+            </a:r>
+            <a:endParaRPr lang="en-US" dirty="0"/>
           </a:p>
         </p:txBody>
       </p:sp>
@@ -4279,7 +4609,7 @@
         <p:spPr>
           <a:xfrm>
             <a:off x="838200" y="1042738"/>
-            <a:ext cx="10515600" cy="5815262"/>
+            <a:ext cx="10515600" cy="5486400"/>
           </a:xfrm>
         </p:spPr>
         <p:txBody>
@@ -4290,19 +4620,19 @@
           <a:p>
             <a:r>
               <a:rPr lang="en-US" dirty="0"/>
-              <a:t>Idea: shapes appear on a grid in front of the user and the task is to point &amp; click at the shape as fast as possible.</a:t>
-            </a:r>
-          </a:p>
-          <a:p>
-            <a:r>
-              <a:rPr lang="en-US" dirty="0"/>
-              <a:t>Difficulty: Smaller targets; Target disappear after some time; Targets move.</a:t>
-            </a:r>
-          </a:p>
-          <a:p>
-            <a:r>
-              <a:rPr lang="en-US" dirty="0"/>
-              <a:t>ML-Agent: Predict target movement patterns and subtly adjust the user's aim to improve accuracy; Track user performance and adjust the number, size, and movement of targets to optimize the challenge level</a:t>
+              <a:t>Idea: User stands in a virtual environment; Sounds play from various pre-defined locations around the user; User points their VR controller in the direction they perceive the sound originated; Points are awarded for correct identification.</a:t>
+            </a:r>
+          </a:p>
+          <a:p>
+            <a:r>
+              <a:rPr lang="en-US" dirty="0"/>
+              <a:t>Difficulty increase: Multiple sounds from different locations; Head movement; Sounds contradict the direction the user is facing; Dynamic environments with varying acoustics (caverns, forests, rooms); Complex sounds; Introduce user navigation; With eyes closed.</a:t>
+            </a:r>
+          </a:p>
+          <a:p>
+            <a:r>
+              <a:rPr lang="en-US" dirty="0"/>
+              <a:t>ML-Agent: Personalized difficulty adjustment; Sound source prediction.</a:t>
             </a:r>
           </a:p>
         </p:txBody>
@@ -4310,7 +4640,7 @@
     </p:spTree>
     <p:extLst>
       <p:ext uri="{BB962C8B-B14F-4D97-AF65-F5344CB8AC3E}">
-        <p14:creationId xmlns:p14="http://schemas.microsoft.com/office/powerpoint/2010/main" val="4028642223"/>
+        <p14:creationId xmlns:p14="http://schemas.microsoft.com/office/powerpoint/2010/main" val="4269138581"/>
       </p:ext>
     </p:extLst>
   </p:cSld>
@@ -4365,7 +4695,7 @@
           <a:p>
             <a:r>
               <a:rPr lang="en-US" b="1" dirty="0"/>
-              <a:t>Number memory</a:t>
+              <a:t>Maze generator</a:t>
             </a:r>
           </a:p>
         </p:txBody>
@@ -4400,19 +4730,25 @@
           <a:p>
             <a:r>
               <a:rPr lang="en-US" dirty="0"/>
-              <a:t>Idea: user sees / listens to a number sequence and then tries to reconstruct it.</a:t>
-            </a:r>
-          </a:p>
-          <a:p>
-            <a:r>
-              <a:rPr lang="en-US" dirty="0"/>
-              <a:t>Difficulty: longer sequence / sequence backwards.</a:t>
-            </a:r>
-          </a:p>
-          <a:p>
-            <a:r>
-              <a:rPr lang="en-US" dirty="0"/>
-              <a:t>ML-Agent: Track user performance on recalling numbers of different lengths and presentations (forward vs backward); generate numbers with specific difficulty levels (e.g., specific digit sequences or lengths) to target user weaknesses.</a:t>
+              <a:t>Idea: Users navigate through a series of procedurally generated mazes, each with varying levels of complexity.</a:t>
+            </a:r>
+          </a:p>
+          <a:p>
+            <a:r>
+              <a:rPr lang="en-US" dirty="0"/>
+              <a:t>Difficulty: Increase maze complexity, size; Introduce new obstacles, hazards; Time limitation.</a:t>
+            </a:r>
+          </a:p>
+          <a:p>
+            <a:r>
+              <a:rPr lang="en-US" dirty="0"/>
+              <a:t>ML-Agent: Provide hints &amp; clues; Generate randomized mazes with different layouts, sizes, and difficulty levels; Analyze the player's navigation patterns and performance to dynamically adjust the maze generation algorithm; Control the behavior of dynamic elements within the maze, such as moving walls, shifting pathways, or creating hidden passages.</a:t>
+            </a:r>
+          </a:p>
+          <a:p>
+            <a:r>
+              <a:rPr lang="en-US" dirty="0"/>
+              <a:t>Introduce AI competitor (very interesting since both AI and user can analyze each other behavior).</a:t>
             </a:r>
           </a:p>
         </p:txBody>
@@ -4420,7 +4756,7 @@
     </p:spTree>
     <p:extLst>
       <p:ext uri="{BB962C8B-B14F-4D97-AF65-F5344CB8AC3E}">
-        <p14:creationId xmlns:p14="http://schemas.microsoft.com/office/powerpoint/2010/main" val="1922651585"/>
+        <p14:creationId xmlns:p14="http://schemas.microsoft.com/office/powerpoint/2010/main" val="2635782444"/>
       </p:ext>
     </p:extLst>
   </p:cSld>
@@ -4475,8 +4811,9 @@
           <a:p>
             <a:r>
               <a:rPr lang="en-US" b="1" dirty="0"/>
-              <a:t>Verbal memory</a:t>
-            </a:r>
+              <a:t>Find &amp; Match</a:t>
+            </a:r>
+            <a:endParaRPr lang="en-US" dirty="0"/>
           </a:p>
         </p:txBody>
       </p:sp>
@@ -4510,19 +4847,25 @@
           <a:p>
             <a:r>
               <a:rPr lang="en-US" dirty="0"/>
-              <a:t>Idea: Remember (see or listen) as many words in a limited amount of time as possible.</a:t>
-            </a:r>
-          </a:p>
-          <a:p>
-            <a:r>
-              <a:rPr lang="en-US" dirty="0"/>
-              <a:t>Difficulty: Longer lists of words; Grammatically incorrect words.</a:t>
-            </a:r>
-          </a:p>
-          <a:p>
-            <a:r>
-              <a:rPr lang="en-US" dirty="0"/>
-              <a:t>ML-Agent: </a:t>
+              <a:t>Idea: Pick up objects scattered around the environment and drop them into bins corresponding to their shapes.</a:t>
+            </a:r>
+          </a:p>
+          <a:p>
+            <a:r>
+              <a:rPr lang="en-US" dirty="0"/>
+              <a:t>Difficulty: More objects; More complex shapes; Similar shapes; Introduce colors; Smarter AI opponent.</a:t>
+            </a:r>
+          </a:p>
+          <a:p>
+            <a:r>
+              <a:rPr lang="en-US" dirty="0"/>
+              <a:t>ML-Agent: Object generation (object variety); Control the speed and accuracy of the AI competitor; Introduce obstacles that impede the player’s movement.</a:t>
+            </a:r>
+          </a:p>
+          <a:p>
+            <a:r>
+              <a:rPr lang="en-US" dirty="0"/>
+              <a:t>Competition against AI.</a:t>
             </a:r>
           </a:p>
         </p:txBody>
@@ -4530,7 +4873,7 @@
     </p:spTree>
     <p:extLst>
       <p:ext uri="{BB962C8B-B14F-4D97-AF65-F5344CB8AC3E}">
-        <p14:creationId xmlns:p14="http://schemas.microsoft.com/office/powerpoint/2010/main" val="3523277898"/>
+        <p14:creationId xmlns:p14="http://schemas.microsoft.com/office/powerpoint/2010/main" val="4210971309"/>
       </p:ext>
     </p:extLst>
   </p:cSld>
@@ -4585,8 +4928,9 @@
           <a:p>
             <a:r>
               <a:rPr lang="en-US" b="1" dirty="0"/>
-              <a:t>Chimp test</a:t>
-            </a:r>
+              <a:t>Staying in beat</a:t>
+            </a:r>
+            <a:endParaRPr lang="en-US" dirty="0"/>
           </a:p>
         </p:txBody>
       </p:sp>
@@ -4620,19 +4964,27 @@
           <a:p>
             <a:r>
               <a:rPr lang="en-US" dirty="0"/>
-              <a:t>Idea: display a sequence of numbers on the screen in a grid. Once a user clicks the first number, the sequence disappears and the task is to remember on which positions numbers where placed.</a:t>
-            </a:r>
-          </a:p>
-          <a:p>
-            <a:r>
-              <a:rPr lang="en-US" dirty="0"/>
-              <a:t>Difficulty: Longer sequences; Time limitation.</a:t>
-            </a:r>
-          </a:p>
-          <a:p>
-            <a:r>
-              <a:rPr lang="en-US" dirty="0"/>
-              <a:t>ML-Agent: </a:t>
+              <a:t>Basic idea: users use their controllers to stay in rhythm with the beat. They might need to hit targets, perform gestures, or move in sync with the music.</a:t>
+            </a:r>
+          </a:p>
+          <a:p>
+            <a:r>
+              <a:rPr lang="en-US" dirty="0"/>
+              <a:t>Difficulty: Make different user controls</a:t>
+            </a:r>
+            <a:r>
+              <a:rPr lang="de-DE" dirty="0"/>
+              <a:t> be responsible for different beats</a:t>
+            </a:r>
+            <a:r>
+              <a:rPr lang="en-US" dirty="0"/>
+              <a:t>.</a:t>
+            </a:r>
+          </a:p>
+          <a:p>
+            <a:r>
+              <a:rPr lang="en-US" dirty="0"/>
+              <a:t>ML-Agent: Introduce more challenging rhythms, intricate patterns, or even dynamically generated music to keep the game engaging and adaptive.</a:t>
             </a:r>
           </a:p>
         </p:txBody>
@@ -4640,7 +4992,7 @@
     </p:spTree>
     <p:extLst>
       <p:ext uri="{BB962C8B-B14F-4D97-AF65-F5344CB8AC3E}">
-        <p14:creationId xmlns:p14="http://schemas.microsoft.com/office/powerpoint/2010/main" val="2999770154"/>
+        <p14:creationId xmlns:p14="http://schemas.microsoft.com/office/powerpoint/2010/main" val="3783790093"/>
       </p:ext>
     </p:extLst>
   </p:cSld>
@@ -4695,7 +5047,7 @@
           <a:p>
             <a:r>
               <a:rPr lang="en-US" b="1" dirty="0"/>
-              <a:t>Visual memory</a:t>
+              <a:t>Following sequence</a:t>
             </a:r>
             <a:endParaRPr lang="en-US" dirty="0"/>
           </a:p>
@@ -4731,13 +5083,13 @@
           <a:p>
             <a:r>
               <a:rPr lang="en-US" dirty="0"/>
-              <a:t>Idea: user sees a grid of empty squares; Some of the squares are highlighted and then fade and the task is to identify which squares were highlighted.</a:t>
-            </a:r>
-          </a:p>
-          <a:p>
-            <a:r>
-              <a:rPr lang="en-US" dirty="0"/>
-              <a:t>Difficulty: Longer sequences of squares; Faster highlight fade; Limited time.</a:t>
+              <a:t>Basic idea: users are given a grid with numbered dots and the goal is to connect the dots in an increasing order (without breaking the connection).</a:t>
+            </a:r>
+          </a:p>
+          <a:p>
+            <a:r>
+              <a:rPr lang="en-US" dirty="0"/>
+              <a:t>Difficulty: Increase the number of dots; Change pattern from increasing to something else; Make connecting line intersections forbidden.</a:t>
             </a:r>
           </a:p>
           <a:p>
@@ -4751,7 +5103,7 @@
     </p:spTree>
     <p:extLst>
       <p:ext uri="{BB962C8B-B14F-4D97-AF65-F5344CB8AC3E}">
-        <p14:creationId xmlns:p14="http://schemas.microsoft.com/office/powerpoint/2010/main" val="2995919494"/>
+        <p14:creationId xmlns:p14="http://schemas.microsoft.com/office/powerpoint/2010/main" val="1751836485"/>
       </p:ext>
     </p:extLst>
   </p:cSld>
@@ -4806,9 +5158,8 @@
           <a:p>
             <a:r>
               <a:rPr lang="en-US" b="1" dirty="0"/>
-              <a:t>Shape identification</a:t>
-            </a:r>
-            <a:endParaRPr lang="en-US" dirty="0"/>
+              <a:t>Sequence memory</a:t>
+            </a:r>
           </a:p>
         </p:txBody>
       </p:sp>
@@ -4842,19 +5193,19 @@
           <a:p>
             <a:r>
               <a:rPr lang="en-US" dirty="0"/>
-              <a:t>Idea: user is introduced with objects with different shapes and the task is to put them into the hole with the same shape.</a:t>
-            </a:r>
-          </a:p>
-          <a:p>
-            <a:r>
-              <a:rPr lang="en-US" dirty="0"/>
-              <a:t>Difficulty: More objects; More complex shapes; Similar shapes; Introduce colors.</a:t>
-            </a:r>
-          </a:p>
-          <a:p>
-            <a:r>
-              <a:rPr lang="en-US" dirty="0"/>
-              <a:t>ML-Agent: Object generation.</a:t>
+              <a:t>Idea: introduce a grid of buttons; the task is to remember an increasingly longer pattern of button presses; each button has its own unique sound.</a:t>
+            </a:r>
+          </a:p>
+          <a:p>
+            <a:r>
+              <a:rPr lang="en-US" dirty="0"/>
+              <a:t>Difficulty: longer sequences, multiple sequences at the same time.</a:t>
+            </a:r>
+          </a:p>
+          <a:p>
+            <a:r>
+              <a:rPr lang="en-US" dirty="0"/>
+              <a:t>ML-Agent: generate new sequences that target the user's specific weaknesses (e.g., sequences with repeating patterns or specific button combinations)</a:t>
             </a:r>
           </a:p>
         </p:txBody>
@@ -4862,7 +5213,7 @@
     </p:spTree>
     <p:extLst>
       <p:ext uri="{BB962C8B-B14F-4D97-AF65-F5344CB8AC3E}">
-        <p14:creationId xmlns:p14="http://schemas.microsoft.com/office/powerpoint/2010/main" val="4210971309"/>
+        <p14:creationId xmlns:p14="http://schemas.microsoft.com/office/powerpoint/2010/main" val="598358051"/>
       </p:ext>
     </p:extLst>
   </p:cSld>
@@ -4917,9 +5268,8 @@
           <a:p>
             <a:r>
               <a:rPr lang="en-US" b="1" dirty="0"/>
-              <a:t>Auditory Acuity</a:t>
-            </a:r>
-            <a:endParaRPr lang="en-US" dirty="0"/>
+              <a:t>Number memory</a:t>
+            </a:r>
           </a:p>
         </p:txBody>
       </p:sp>
@@ -4942,7 +5292,7 @@
         <p:spPr>
           <a:xfrm>
             <a:off x="838200" y="1042738"/>
-            <a:ext cx="10515600" cy="5486400"/>
+            <a:ext cx="10515600" cy="5815262"/>
           </a:xfrm>
         </p:spPr>
         <p:txBody>
@@ -4953,30 +5303,27 @@
           <a:p>
             <a:r>
               <a:rPr lang="en-US" dirty="0"/>
-              <a:t>Idea: User stands in a virtual environment; Sounds play from various pre-defined locations around the user; User points their VR controller in the direction they perceive the sound originated; Points are awarded for correct identification.</a:t>
-            </a:r>
-          </a:p>
-          <a:p>
-            <a:r>
-              <a:rPr lang="en-US" dirty="0"/>
-              <a:t>Difficulty increase: multiple sounds from different locations, head movement, sounds contradict the direction the user is facing, dynamic environments with varying acoustics (caverns, forests, rooms), complex sounds, introduce user navigation.</a:t>
-            </a:r>
-          </a:p>
-          <a:p>
-            <a:r>
-              <a:rPr lang="en-US" dirty="0"/>
-              <a:t>ML-Agent: Personalized difficulty adjustment; Sound source prediction.</a:t>
-            </a:r>
-          </a:p>
-          <a:p>
-            <a:endParaRPr lang="en-US" dirty="0"/>
+              <a:t>Idea: user sees / listens to a number sequence and then tries to reconstruct it.</a:t>
+            </a:r>
+          </a:p>
+          <a:p>
+            <a:r>
+              <a:rPr lang="en-US" dirty="0"/>
+              <a:t>Difficulty: longer sequence / sequence backwards.</a:t>
+            </a:r>
+          </a:p>
+          <a:p>
+            <a:r>
+              <a:rPr lang="en-US" dirty="0"/>
+              <a:t>ML-Agent: Track user performance on recalling numbers of different lengths and presentations (forward vs backward); generate numbers with specific difficulty levels (e.g., specific digit sequences or lengths) to target user weaknesses.</a:t>
+            </a:r>
           </a:p>
         </p:txBody>
       </p:sp>
     </p:spTree>
     <p:extLst>
       <p:ext uri="{BB962C8B-B14F-4D97-AF65-F5344CB8AC3E}">
-        <p14:creationId xmlns:p14="http://schemas.microsoft.com/office/powerpoint/2010/main" val="4269138581"/>
+        <p14:creationId xmlns:p14="http://schemas.microsoft.com/office/powerpoint/2010/main" val="1922651585"/>
       </p:ext>
     </p:extLst>
   </p:cSld>
@@ -5031,7 +5378,7 @@
           <a:p>
             <a:r>
               <a:rPr lang="en-US" b="1" dirty="0"/>
-              <a:t>Objects memorization</a:t>
+              <a:t>Verbal memory</a:t>
             </a:r>
           </a:p>
         </p:txBody>
@@ -5066,19 +5413,27 @@
           <a:p>
             <a:r>
               <a:rPr lang="en-US" dirty="0"/>
-              <a:t>Idea: user sees a bunch of objects and the task is to recall which objects were shown</a:t>
-            </a:r>
-          </a:p>
-          <a:p>
-            <a:r>
-              <a:rPr lang="en-US" dirty="0"/>
-              <a:t>Difficulty: More objects; Some objects are the same and the task is to also recall the number of the same objects shown.</a:t>
+              <a:t>Idea: Remember (see or listen) as many words in a limited amount of time as possible.</a:t>
+            </a:r>
+          </a:p>
+          <a:p>
+            <a:r>
+              <a:rPr lang="en-US" dirty="0"/>
+              <a:t>Difficulty: Longer lists of words; Grammatically incorrect words.</a:t>
             </a:r>
           </a:p>
           <a:p>
             <a:r>
               <a:rPr lang="en-US" dirty="0"/>
               <a:t>ML-Agent: </a:t>
+            </a:r>
+            <a:r>
+              <a:rPr lang="en-US"/>
+              <a:t>Hints; AI </a:t>
+            </a:r>
+            <a:r>
+              <a:rPr lang="en-US" dirty="0"/>
+              <a:t>competitor.</a:t>
             </a:r>
           </a:p>
         </p:txBody>
@@ -5086,7 +5441,7 @@
     </p:spTree>
     <p:extLst>
       <p:ext uri="{BB962C8B-B14F-4D97-AF65-F5344CB8AC3E}">
-        <p14:creationId xmlns:p14="http://schemas.microsoft.com/office/powerpoint/2010/main" val="701296778"/>
+        <p14:creationId xmlns:p14="http://schemas.microsoft.com/office/powerpoint/2010/main" val="3523277898"/>
       </p:ext>
     </p:extLst>
   </p:cSld>

--- a/vr_ideas.pptx
+++ b/vr_ideas.pptx
@@ -4,26 +4,30 @@
   <p:sldMasterIdLst>
     <p:sldMasterId id="2147483648" r:id="rId1"/>
   </p:sldMasterIdLst>
+  <p:notesMasterIdLst>
+    <p:notesMasterId r:id="rId22"/>
+  </p:notesMasterIdLst>
   <p:sldIdLst>
     <p:sldId id="290" r:id="rId2"/>
     <p:sldId id="259" r:id="rId3"/>
     <p:sldId id="291" r:id="rId4"/>
     <p:sldId id="281" r:id="rId5"/>
-    <p:sldId id="289" r:id="rId6"/>
-    <p:sldId id="287" r:id="rId7"/>
-    <p:sldId id="275" r:id="rId8"/>
-    <p:sldId id="277" r:id="rId9"/>
-    <p:sldId id="278" r:id="rId10"/>
-    <p:sldId id="279" r:id="rId11"/>
-    <p:sldId id="274" r:id="rId12"/>
-    <p:sldId id="267" r:id="rId13"/>
-    <p:sldId id="268" r:id="rId14"/>
-    <p:sldId id="282" r:id="rId15"/>
-    <p:sldId id="285" r:id="rId16"/>
-    <p:sldId id="284" r:id="rId17"/>
-    <p:sldId id="273" r:id="rId18"/>
-    <p:sldId id="276" r:id="rId19"/>
-    <p:sldId id="283" r:id="rId20"/>
+    <p:sldId id="292" r:id="rId6"/>
+    <p:sldId id="289" r:id="rId7"/>
+    <p:sldId id="287" r:id="rId8"/>
+    <p:sldId id="275" r:id="rId9"/>
+    <p:sldId id="277" r:id="rId10"/>
+    <p:sldId id="278" r:id="rId11"/>
+    <p:sldId id="279" r:id="rId12"/>
+    <p:sldId id="274" r:id="rId13"/>
+    <p:sldId id="267" r:id="rId14"/>
+    <p:sldId id="268" r:id="rId15"/>
+    <p:sldId id="282" r:id="rId16"/>
+    <p:sldId id="285" r:id="rId17"/>
+    <p:sldId id="284" r:id="rId18"/>
+    <p:sldId id="273" r:id="rId19"/>
+    <p:sldId id="276" r:id="rId20"/>
+    <p:sldId id="283" r:id="rId21"/>
   </p:sldIdLst>
   <p:sldSz cx="12192000" cy="6858000"/>
   <p:notesSz cx="6858000" cy="9144000"/>
@@ -130,6 +134,439 @@
 </p:presentation>
 </file>
 
+<file path=ppt/notesMasters/notesMaster1.xml><?xml version="1.0" encoding="utf-8"?>
+<p:notesMaster xmlns:a="http://schemas.openxmlformats.org/drawingml/2006/main" xmlns:r="http://schemas.openxmlformats.org/officeDocument/2006/relationships" xmlns:p="http://schemas.openxmlformats.org/presentationml/2006/main">
+  <p:cSld>
+    <p:bg>
+      <p:bgRef idx="1001">
+        <a:schemeClr val="bg1"/>
+      </p:bgRef>
+    </p:bg>
+    <p:spTree>
+      <p:nvGrpSpPr>
+        <p:cNvPr id="1" name=""/>
+        <p:cNvGrpSpPr/>
+        <p:nvPr/>
+      </p:nvGrpSpPr>
+      <p:grpSpPr>
+        <a:xfrm>
+          <a:off x="0" y="0"/>
+          <a:ext cx="0" cy="0"/>
+          <a:chOff x="0" y="0"/>
+          <a:chExt cx="0" cy="0"/>
+        </a:xfrm>
+      </p:grpSpPr>
+      <p:sp>
+        <p:nvSpPr>
+          <p:cNvPr id="2" name="Header Placeholder 1"/>
+          <p:cNvSpPr>
+            <a:spLocks noGrp="1"/>
+          </p:cNvSpPr>
+          <p:nvPr>
+            <p:ph type="hdr" sz="quarter"/>
+          </p:nvPr>
+        </p:nvSpPr>
+        <p:spPr>
+          <a:xfrm>
+            <a:off x="0" y="0"/>
+            <a:ext cx="2971800" cy="458788"/>
+          </a:xfrm>
+          <a:prstGeom prst="rect">
+            <a:avLst/>
+          </a:prstGeom>
+        </p:spPr>
+        <p:txBody>
+          <a:bodyPr vert="horz" lIns="91440" tIns="45720" rIns="91440" bIns="45720" rtlCol="0"/>
+          <a:lstStyle>
+            <a:lvl1pPr algn="l">
+              <a:defRPr sz="1200"/>
+            </a:lvl1pPr>
+          </a:lstStyle>
+          <a:p>
+            <a:endParaRPr lang="en-US"/>
+          </a:p>
+        </p:txBody>
+      </p:sp>
+      <p:sp>
+        <p:nvSpPr>
+          <p:cNvPr id="3" name="Date Placeholder 2"/>
+          <p:cNvSpPr>
+            <a:spLocks noGrp="1"/>
+          </p:cNvSpPr>
+          <p:nvPr>
+            <p:ph type="dt" idx="1"/>
+          </p:nvPr>
+        </p:nvSpPr>
+        <p:spPr>
+          <a:xfrm>
+            <a:off x="3884613" y="0"/>
+            <a:ext cx="2971800" cy="458788"/>
+          </a:xfrm>
+          <a:prstGeom prst="rect">
+            <a:avLst/>
+          </a:prstGeom>
+        </p:spPr>
+        <p:txBody>
+          <a:bodyPr vert="horz" lIns="91440" tIns="45720" rIns="91440" bIns="45720" rtlCol="0"/>
+          <a:lstStyle>
+            <a:lvl1pPr algn="r">
+              <a:defRPr sz="1200"/>
+            </a:lvl1pPr>
+          </a:lstStyle>
+          <a:p>
+            <a:fld id="{226D74B0-6C57-4FA4-9FE1-2A6E59B6F98D}" type="datetimeFigureOut">
+              <a:rPr lang="en-US" smtClean="0"/>
+              <a:t>3/13/2024</a:t>
+            </a:fld>
+            <a:endParaRPr lang="en-US"/>
+          </a:p>
+        </p:txBody>
+      </p:sp>
+      <p:sp>
+        <p:nvSpPr>
+          <p:cNvPr id="4" name="Slide Image Placeholder 3"/>
+          <p:cNvSpPr>
+            <a:spLocks noGrp="1" noRot="1" noChangeAspect="1"/>
+          </p:cNvSpPr>
+          <p:nvPr>
+            <p:ph type="sldImg" idx="2"/>
+          </p:nvPr>
+        </p:nvSpPr>
+        <p:spPr>
+          <a:xfrm>
+            <a:off x="685800" y="1143000"/>
+            <a:ext cx="5486400" cy="3086100"/>
+          </a:xfrm>
+          <a:prstGeom prst="rect">
+            <a:avLst/>
+          </a:prstGeom>
+          <a:noFill/>
+          <a:ln w="12700">
+            <a:solidFill>
+              <a:prstClr val="black"/>
+            </a:solidFill>
+          </a:ln>
+        </p:spPr>
+        <p:txBody>
+          <a:bodyPr vert="horz" lIns="91440" tIns="45720" rIns="91440" bIns="45720" rtlCol="0" anchor="ctr"/>
+          <a:lstStyle/>
+          <a:p>
+            <a:endParaRPr lang="en-US"/>
+          </a:p>
+        </p:txBody>
+      </p:sp>
+      <p:sp>
+        <p:nvSpPr>
+          <p:cNvPr id="5" name="Notes Placeholder 4"/>
+          <p:cNvSpPr>
+            <a:spLocks noGrp="1"/>
+          </p:cNvSpPr>
+          <p:nvPr>
+            <p:ph type="body" sz="quarter" idx="3"/>
+          </p:nvPr>
+        </p:nvSpPr>
+        <p:spPr>
+          <a:xfrm>
+            <a:off x="685800" y="4400550"/>
+            <a:ext cx="5486400" cy="3600450"/>
+          </a:xfrm>
+          <a:prstGeom prst="rect">
+            <a:avLst/>
+          </a:prstGeom>
+        </p:spPr>
+        <p:txBody>
+          <a:bodyPr vert="horz" lIns="91440" tIns="45720" rIns="91440" bIns="45720" rtlCol="0"/>
+          <a:lstStyle/>
+          <a:p>
+            <a:pPr lvl="0"/>
+            <a:r>
+              <a:rPr lang="en-US"/>
+              <a:t>Click to edit Master text styles</a:t>
+            </a:r>
+          </a:p>
+          <a:p>
+            <a:pPr lvl="1"/>
+            <a:r>
+              <a:rPr lang="en-US"/>
+              <a:t>Second level</a:t>
+            </a:r>
+          </a:p>
+          <a:p>
+            <a:pPr lvl="2"/>
+            <a:r>
+              <a:rPr lang="en-US"/>
+              <a:t>Third level</a:t>
+            </a:r>
+          </a:p>
+          <a:p>
+            <a:pPr lvl="3"/>
+            <a:r>
+              <a:rPr lang="en-US"/>
+              <a:t>Fourth level</a:t>
+            </a:r>
+          </a:p>
+          <a:p>
+            <a:pPr lvl="4"/>
+            <a:r>
+              <a:rPr lang="en-US"/>
+              <a:t>Fifth level</a:t>
+            </a:r>
+          </a:p>
+        </p:txBody>
+      </p:sp>
+      <p:sp>
+        <p:nvSpPr>
+          <p:cNvPr id="6" name="Footer Placeholder 5"/>
+          <p:cNvSpPr>
+            <a:spLocks noGrp="1"/>
+          </p:cNvSpPr>
+          <p:nvPr>
+            <p:ph type="ftr" sz="quarter" idx="4"/>
+          </p:nvPr>
+        </p:nvSpPr>
+        <p:spPr>
+          <a:xfrm>
+            <a:off x="0" y="8685213"/>
+            <a:ext cx="2971800" cy="458787"/>
+          </a:xfrm>
+          <a:prstGeom prst="rect">
+            <a:avLst/>
+          </a:prstGeom>
+        </p:spPr>
+        <p:txBody>
+          <a:bodyPr vert="horz" lIns="91440" tIns="45720" rIns="91440" bIns="45720" rtlCol="0" anchor="b"/>
+          <a:lstStyle>
+            <a:lvl1pPr algn="l">
+              <a:defRPr sz="1200"/>
+            </a:lvl1pPr>
+          </a:lstStyle>
+          <a:p>
+            <a:endParaRPr lang="en-US"/>
+          </a:p>
+        </p:txBody>
+      </p:sp>
+      <p:sp>
+        <p:nvSpPr>
+          <p:cNvPr id="7" name="Slide Number Placeholder 6"/>
+          <p:cNvSpPr>
+            <a:spLocks noGrp="1"/>
+          </p:cNvSpPr>
+          <p:nvPr>
+            <p:ph type="sldNum" sz="quarter" idx="5"/>
+          </p:nvPr>
+        </p:nvSpPr>
+        <p:spPr>
+          <a:xfrm>
+            <a:off x="3884613" y="8685213"/>
+            <a:ext cx="2971800" cy="458787"/>
+          </a:xfrm>
+          <a:prstGeom prst="rect">
+            <a:avLst/>
+          </a:prstGeom>
+        </p:spPr>
+        <p:txBody>
+          <a:bodyPr vert="horz" lIns="91440" tIns="45720" rIns="91440" bIns="45720" rtlCol="0" anchor="b"/>
+          <a:lstStyle>
+            <a:lvl1pPr algn="r">
+              <a:defRPr sz="1200"/>
+            </a:lvl1pPr>
+          </a:lstStyle>
+          <a:p>
+            <a:fld id="{D8C873E1-58BB-42E9-872D-EE69A8DA255C}" type="slidenum">
+              <a:rPr lang="en-US" smtClean="0"/>
+              <a:t>‹#›</a:t>
+            </a:fld>
+            <a:endParaRPr lang="en-US"/>
+          </a:p>
+        </p:txBody>
+      </p:sp>
+    </p:spTree>
+    <p:extLst>
+      <p:ext uri="{BB962C8B-B14F-4D97-AF65-F5344CB8AC3E}">
+        <p14:creationId xmlns:p14="http://schemas.microsoft.com/office/powerpoint/2010/main" val="2057669863"/>
+      </p:ext>
+    </p:extLst>
+  </p:cSld>
+  <p:clrMap bg1="lt1" tx1="dk1" bg2="lt2" tx2="dk2" accent1="accent1" accent2="accent2" accent3="accent3" accent4="accent4" accent5="accent5" accent6="accent6" hlink="hlink" folHlink="folHlink"/>
+  <p:notesStyle>
+    <a:lvl1pPr marL="0" algn="l" defTabSz="914400" rtl="0" eaLnBrk="1" latinLnBrk="0" hangingPunct="1">
+      <a:defRPr sz="1200" kern="1200">
+        <a:solidFill>
+          <a:schemeClr val="tx1"/>
+        </a:solidFill>
+        <a:latin typeface="+mn-lt"/>
+        <a:ea typeface="+mn-ea"/>
+        <a:cs typeface="+mn-cs"/>
+      </a:defRPr>
+    </a:lvl1pPr>
+    <a:lvl2pPr marL="457200" algn="l" defTabSz="914400" rtl="0" eaLnBrk="1" latinLnBrk="0" hangingPunct="1">
+      <a:defRPr sz="1200" kern="1200">
+        <a:solidFill>
+          <a:schemeClr val="tx1"/>
+        </a:solidFill>
+        <a:latin typeface="+mn-lt"/>
+        <a:ea typeface="+mn-ea"/>
+        <a:cs typeface="+mn-cs"/>
+      </a:defRPr>
+    </a:lvl2pPr>
+    <a:lvl3pPr marL="914400" algn="l" defTabSz="914400" rtl="0" eaLnBrk="1" latinLnBrk="0" hangingPunct="1">
+      <a:defRPr sz="1200" kern="1200">
+        <a:solidFill>
+          <a:schemeClr val="tx1"/>
+        </a:solidFill>
+        <a:latin typeface="+mn-lt"/>
+        <a:ea typeface="+mn-ea"/>
+        <a:cs typeface="+mn-cs"/>
+      </a:defRPr>
+    </a:lvl3pPr>
+    <a:lvl4pPr marL="1371600" algn="l" defTabSz="914400" rtl="0" eaLnBrk="1" latinLnBrk="0" hangingPunct="1">
+      <a:defRPr sz="1200" kern="1200">
+        <a:solidFill>
+          <a:schemeClr val="tx1"/>
+        </a:solidFill>
+        <a:latin typeface="+mn-lt"/>
+        <a:ea typeface="+mn-ea"/>
+        <a:cs typeface="+mn-cs"/>
+      </a:defRPr>
+    </a:lvl4pPr>
+    <a:lvl5pPr marL="1828800" algn="l" defTabSz="914400" rtl="0" eaLnBrk="1" latinLnBrk="0" hangingPunct="1">
+      <a:defRPr sz="1200" kern="1200">
+        <a:solidFill>
+          <a:schemeClr val="tx1"/>
+        </a:solidFill>
+        <a:latin typeface="+mn-lt"/>
+        <a:ea typeface="+mn-ea"/>
+        <a:cs typeface="+mn-cs"/>
+      </a:defRPr>
+    </a:lvl5pPr>
+    <a:lvl6pPr marL="2286000" algn="l" defTabSz="914400" rtl="0" eaLnBrk="1" latinLnBrk="0" hangingPunct="1">
+      <a:defRPr sz="1200" kern="1200">
+        <a:solidFill>
+          <a:schemeClr val="tx1"/>
+        </a:solidFill>
+        <a:latin typeface="+mn-lt"/>
+        <a:ea typeface="+mn-ea"/>
+        <a:cs typeface="+mn-cs"/>
+      </a:defRPr>
+    </a:lvl6pPr>
+    <a:lvl7pPr marL="2743200" algn="l" defTabSz="914400" rtl="0" eaLnBrk="1" latinLnBrk="0" hangingPunct="1">
+      <a:defRPr sz="1200" kern="1200">
+        <a:solidFill>
+          <a:schemeClr val="tx1"/>
+        </a:solidFill>
+        <a:latin typeface="+mn-lt"/>
+        <a:ea typeface="+mn-ea"/>
+        <a:cs typeface="+mn-cs"/>
+      </a:defRPr>
+    </a:lvl7pPr>
+    <a:lvl8pPr marL="3200400" algn="l" defTabSz="914400" rtl="0" eaLnBrk="1" latinLnBrk="0" hangingPunct="1">
+      <a:defRPr sz="1200" kern="1200">
+        <a:solidFill>
+          <a:schemeClr val="tx1"/>
+        </a:solidFill>
+        <a:latin typeface="+mn-lt"/>
+        <a:ea typeface="+mn-ea"/>
+        <a:cs typeface="+mn-cs"/>
+      </a:defRPr>
+    </a:lvl8pPr>
+    <a:lvl9pPr marL="3657600" algn="l" defTabSz="914400" rtl="0" eaLnBrk="1" latinLnBrk="0" hangingPunct="1">
+      <a:defRPr sz="1200" kern="1200">
+        <a:solidFill>
+          <a:schemeClr val="tx1"/>
+        </a:solidFill>
+        <a:latin typeface="+mn-lt"/>
+        <a:ea typeface="+mn-ea"/>
+        <a:cs typeface="+mn-cs"/>
+      </a:defRPr>
+    </a:lvl9pPr>
+  </p:notesStyle>
+</p:notesMaster>
+</file>
+
+<file path=ppt/notesSlides/notesSlide1.xml><?xml version="1.0" encoding="utf-8"?>
+<p:notes xmlns:a="http://schemas.openxmlformats.org/drawingml/2006/main" xmlns:r="http://schemas.openxmlformats.org/officeDocument/2006/relationships" xmlns:p="http://schemas.openxmlformats.org/presentationml/2006/main">
+  <p:cSld>
+    <p:spTree>
+      <p:nvGrpSpPr>
+        <p:cNvPr id="1" name=""/>
+        <p:cNvGrpSpPr/>
+        <p:nvPr/>
+      </p:nvGrpSpPr>
+      <p:grpSpPr>
+        <a:xfrm>
+          <a:off x="0" y="0"/>
+          <a:ext cx="0" cy="0"/>
+          <a:chOff x="0" y="0"/>
+          <a:chExt cx="0" cy="0"/>
+        </a:xfrm>
+      </p:grpSpPr>
+      <p:sp>
+        <p:nvSpPr>
+          <p:cNvPr id="2" name="Slide Image Placeholder 1"/>
+          <p:cNvSpPr>
+            <a:spLocks noGrp="1" noRot="1" noChangeAspect="1"/>
+          </p:cNvSpPr>
+          <p:nvPr>
+            <p:ph type="sldImg"/>
+          </p:nvPr>
+        </p:nvSpPr>
+        <p:spPr/>
+      </p:sp>
+      <p:sp>
+        <p:nvSpPr>
+          <p:cNvPr id="3" name="Notes Placeholder 2"/>
+          <p:cNvSpPr>
+            <a:spLocks noGrp="1"/>
+          </p:cNvSpPr>
+          <p:nvPr>
+            <p:ph type="body" idx="1"/>
+          </p:nvPr>
+        </p:nvSpPr>
+        <p:spPr/>
+        <p:txBody>
+          <a:bodyPr/>
+          <a:lstStyle/>
+          <a:p>
+            <a:endParaRPr lang="en-US" dirty="0"/>
+          </a:p>
+        </p:txBody>
+      </p:sp>
+      <p:sp>
+        <p:nvSpPr>
+          <p:cNvPr id="4" name="Slide Number Placeholder 3"/>
+          <p:cNvSpPr>
+            <a:spLocks noGrp="1"/>
+          </p:cNvSpPr>
+          <p:nvPr>
+            <p:ph type="sldNum" sz="quarter" idx="5"/>
+          </p:nvPr>
+        </p:nvSpPr>
+        <p:spPr/>
+        <p:txBody>
+          <a:bodyPr/>
+          <a:lstStyle/>
+          <a:p>
+            <a:fld id="{D8C873E1-58BB-42E9-872D-EE69A8DA255C}" type="slidenum">
+              <a:rPr lang="en-US" smtClean="0"/>
+              <a:t>5</a:t>
+            </a:fld>
+            <a:endParaRPr lang="en-US"/>
+          </a:p>
+        </p:txBody>
+      </p:sp>
+    </p:spTree>
+    <p:extLst>
+      <p:ext uri="{BB962C8B-B14F-4D97-AF65-F5344CB8AC3E}">
+        <p14:creationId xmlns:p14="http://schemas.microsoft.com/office/powerpoint/2010/main" val="3644774795"/>
+      </p:ext>
+    </p:extLst>
+  </p:cSld>
+  <p:clrMapOvr>
+    <a:masterClrMapping/>
+  </p:clrMapOvr>
+</p:notes>
+</file>
+
 <file path=ppt/slideLayouts/slideLayout1.xml><?xml version="1.0" encoding="utf-8"?>
 <p:sldLayout xmlns:a="http://schemas.openxmlformats.org/drawingml/2006/main" xmlns:r="http://schemas.openxmlformats.org/officeDocument/2006/relationships" xmlns:p="http://schemas.openxmlformats.org/presentationml/2006/main" type="title" preserve="1">
   <p:cSld name="Title Slide">
@@ -277,7 +714,7 @@
           <a:p>
             <a:fld id="{0C2A5F5B-2DB5-4C9B-B364-17ABFCD68F74}" type="datetimeFigureOut">
               <a:rPr lang="en-US" smtClean="0"/>
-              <a:t>3/12/2024</a:t>
+              <a:t>3/13/2024</a:t>
             </a:fld>
             <a:endParaRPr lang="en-US"/>
           </a:p>
@@ -475,7 +912,7 @@
           <a:p>
             <a:fld id="{0C2A5F5B-2DB5-4C9B-B364-17ABFCD68F74}" type="datetimeFigureOut">
               <a:rPr lang="en-US" smtClean="0"/>
-              <a:t>3/12/2024</a:t>
+              <a:t>3/13/2024</a:t>
             </a:fld>
             <a:endParaRPr lang="en-US"/>
           </a:p>
@@ -683,7 +1120,7 @@
           <a:p>
             <a:fld id="{0C2A5F5B-2DB5-4C9B-B364-17ABFCD68F74}" type="datetimeFigureOut">
               <a:rPr lang="en-US" smtClean="0"/>
-              <a:t>3/12/2024</a:t>
+              <a:t>3/13/2024</a:t>
             </a:fld>
             <a:endParaRPr lang="en-US"/>
           </a:p>
@@ -881,7 +1318,7 @@
           <a:p>
             <a:fld id="{0C2A5F5B-2DB5-4C9B-B364-17ABFCD68F74}" type="datetimeFigureOut">
               <a:rPr lang="en-US" smtClean="0"/>
-              <a:t>3/12/2024</a:t>
+              <a:t>3/13/2024</a:t>
             </a:fld>
             <a:endParaRPr lang="en-US"/>
           </a:p>
@@ -1156,7 +1593,7 @@
           <a:p>
             <a:fld id="{0C2A5F5B-2DB5-4C9B-B364-17ABFCD68F74}" type="datetimeFigureOut">
               <a:rPr lang="en-US" smtClean="0"/>
-              <a:t>3/12/2024</a:t>
+              <a:t>3/13/2024</a:t>
             </a:fld>
             <a:endParaRPr lang="en-US"/>
           </a:p>
@@ -1421,7 +1858,7 @@
           <a:p>
             <a:fld id="{0C2A5F5B-2DB5-4C9B-B364-17ABFCD68F74}" type="datetimeFigureOut">
               <a:rPr lang="en-US" smtClean="0"/>
-              <a:t>3/12/2024</a:t>
+              <a:t>3/13/2024</a:t>
             </a:fld>
             <a:endParaRPr lang="en-US"/>
           </a:p>
@@ -1833,7 +2270,7 @@
           <a:p>
             <a:fld id="{0C2A5F5B-2DB5-4C9B-B364-17ABFCD68F74}" type="datetimeFigureOut">
               <a:rPr lang="en-US" smtClean="0"/>
-              <a:t>3/12/2024</a:t>
+              <a:t>3/13/2024</a:t>
             </a:fld>
             <a:endParaRPr lang="en-US"/>
           </a:p>
@@ -1974,7 +2411,7 @@
           <a:p>
             <a:fld id="{0C2A5F5B-2DB5-4C9B-B364-17ABFCD68F74}" type="datetimeFigureOut">
               <a:rPr lang="en-US" smtClean="0"/>
-              <a:t>3/12/2024</a:t>
+              <a:t>3/13/2024</a:t>
             </a:fld>
             <a:endParaRPr lang="en-US"/>
           </a:p>
@@ -2087,7 +2524,7 @@
           <a:p>
             <a:fld id="{0C2A5F5B-2DB5-4C9B-B364-17ABFCD68F74}" type="datetimeFigureOut">
               <a:rPr lang="en-US" smtClean="0"/>
-              <a:t>3/12/2024</a:t>
+              <a:t>3/13/2024</a:t>
             </a:fld>
             <a:endParaRPr lang="en-US"/>
           </a:p>
@@ -2398,7 +2835,7 @@
           <a:p>
             <a:fld id="{0C2A5F5B-2DB5-4C9B-B364-17ABFCD68F74}" type="datetimeFigureOut">
               <a:rPr lang="en-US" smtClean="0"/>
-              <a:t>3/12/2024</a:t>
+              <a:t>3/13/2024</a:t>
             </a:fld>
             <a:endParaRPr lang="en-US"/>
           </a:p>
@@ -2686,7 +3123,7 @@
           <a:p>
             <a:fld id="{0C2A5F5B-2DB5-4C9B-B364-17ABFCD68F74}" type="datetimeFigureOut">
               <a:rPr lang="en-US" smtClean="0"/>
-              <a:t>3/12/2024</a:t>
+              <a:t>3/13/2024</a:t>
             </a:fld>
             <a:endParaRPr lang="en-US"/>
           </a:p>
@@ -2927,7 +3364,7 @@
           <a:p>
             <a:fld id="{0C2A5F5B-2DB5-4C9B-B364-17ABFCD68F74}" type="datetimeFigureOut">
               <a:rPr lang="en-US" smtClean="0"/>
-              <a:t>3/12/2024</a:t>
+              <a:t>3/13/2024</a:t>
             </a:fld>
             <a:endParaRPr lang="en-US"/>
           </a:p>
@@ -3483,7 +3920,7 @@
           <a:p>
             <a:r>
               <a:rPr lang="en-US" b="1" dirty="0"/>
-              <a:t>Chimp test</a:t>
+              <a:t>Verbal memory</a:t>
             </a:r>
           </a:p>
         </p:txBody>
@@ -3518,19 +3955,27 @@
           <a:p>
             <a:r>
               <a:rPr lang="en-US" dirty="0"/>
-              <a:t>Idea: display a sequence of numbers on the screen in a grid. Once a user clicks the first number, the sequence disappears and the task is to remember on which positions numbers where placed.</a:t>
+              <a:t>Idea: Remember (see or listen) as many words in a limited amount of time as possible.</a:t>
             </a:r>
           </a:p>
           <a:p>
             <a:r>
               <a:rPr lang="en-US" dirty="0"/>
-              <a:t>Difficulty: Longer sequences; Time limitation.</a:t>
+              <a:t>Difficulty: Longer lists of words; Grammatically incorrect words.</a:t>
             </a:r>
           </a:p>
           <a:p>
             <a:r>
               <a:rPr lang="en-US" dirty="0"/>
               <a:t>ML-Agent: </a:t>
+            </a:r>
+            <a:r>
+              <a:rPr lang="en-US"/>
+              <a:t>Hints; AI </a:t>
+            </a:r>
+            <a:r>
+              <a:rPr lang="en-US" dirty="0"/>
+              <a:t>competitor.</a:t>
             </a:r>
           </a:p>
         </p:txBody>
@@ -3538,7 +3983,7 @@
     </p:spTree>
     <p:extLst>
       <p:ext uri="{BB962C8B-B14F-4D97-AF65-F5344CB8AC3E}">
-        <p14:creationId xmlns:p14="http://schemas.microsoft.com/office/powerpoint/2010/main" val="2999770154"/>
+        <p14:creationId xmlns:p14="http://schemas.microsoft.com/office/powerpoint/2010/main" val="3523277898"/>
       </p:ext>
     </p:extLst>
   </p:cSld>
@@ -3593,9 +4038,8 @@
           <a:p>
             <a:r>
               <a:rPr lang="en-US" b="1" dirty="0"/>
-              <a:t>Visual memory</a:t>
-            </a:r>
-            <a:endParaRPr lang="en-US" dirty="0"/>
+              <a:t>Chimp test</a:t>
+            </a:r>
           </a:p>
         </p:txBody>
       </p:sp>
@@ -3629,13 +4073,13 @@
           <a:p>
             <a:r>
               <a:rPr lang="en-US" dirty="0"/>
-              <a:t>Idea: user sees a grid of empty squares; Some of the squares are highlighted and then fade and the task is to identify which squares were highlighted.</a:t>
+              <a:t>Idea: display a sequence of numbers on the screen in a grid. Once a user clicks the first number, the sequence disappears and the task is to remember on which positions numbers where placed.</a:t>
             </a:r>
           </a:p>
           <a:p>
             <a:r>
               <a:rPr lang="en-US" dirty="0"/>
-              <a:t>Difficulty: Longer sequences of squares; Faster highlight fade; Limited time.</a:t>
+              <a:t>Difficulty: Longer sequences; Time limitation.</a:t>
             </a:r>
           </a:p>
           <a:p>
@@ -3649,7 +4093,7 @@
     </p:spTree>
     <p:extLst>
       <p:ext uri="{BB962C8B-B14F-4D97-AF65-F5344CB8AC3E}">
-        <p14:creationId xmlns:p14="http://schemas.microsoft.com/office/powerpoint/2010/main" val="2995919494"/>
+        <p14:creationId xmlns:p14="http://schemas.microsoft.com/office/powerpoint/2010/main" val="2999770154"/>
       </p:ext>
     </p:extLst>
   </p:cSld>
@@ -3704,8 +4148,9 @@
           <a:p>
             <a:r>
               <a:rPr lang="en-US" b="1" dirty="0"/>
-              <a:t>Objects memorization</a:t>
-            </a:r>
+              <a:t>Visual memory</a:t>
+            </a:r>
+            <a:endParaRPr lang="en-US" dirty="0"/>
           </a:p>
         </p:txBody>
       </p:sp>
@@ -3739,13 +4184,13 @@
           <a:p>
             <a:r>
               <a:rPr lang="en-US" dirty="0"/>
-              <a:t>Idea: user sees a bunch of objects and the task is to recall which objects were shown</a:t>
+              <a:t>Idea: user sees a grid of empty squares; Some of the squares are highlighted and then fade and the task is to identify which squares were highlighted.</a:t>
             </a:r>
           </a:p>
           <a:p>
             <a:r>
               <a:rPr lang="en-US" dirty="0"/>
-              <a:t>Difficulty: More objects; Some objects are the same and the task is to also recall the number of the same objects shown.</a:t>
+              <a:t>Difficulty: Longer sequences of squares; Faster highlight fade; Limited time.</a:t>
             </a:r>
           </a:p>
           <a:p>
@@ -3759,7 +4204,7 @@
     </p:spTree>
     <p:extLst>
       <p:ext uri="{BB962C8B-B14F-4D97-AF65-F5344CB8AC3E}">
-        <p14:creationId xmlns:p14="http://schemas.microsoft.com/office/powerpoint/2010/main" val="701296778"/>
+        <p14:creationId xmlns:p14="http://schemas.microsoft.com/office/powerpoint/2010/main" val="2995919494"/>
       </p:ext>
     </p:extLst>
   </p:cSld>
@@ -3814,7 +4259,7 @@
           <a:p>
             <a:r>
               <a:rPr lang="en-US" b="1" dirty="0"/>
-              <a:t>Match the Melody</a:t>
+              <a:t>Objects memorization</a:t>
             </a:r>
           </a:p>
         </p:txBody>
@@ -3849,13 +4294,13 @@
           <a:p>
             <a:r>
               <a:rPr lang="en-US" dirty="0"/>
-              <a:t>Idea: User listens to a short melody and then replicates it by selecting notes or tapping buttons in the correct sequence.</a:t>
+              <a:t>Idea: user sees a bunch of objects and the task is to recall which objects were shown</a:t>
             </a:r>
           </a:p>
           <a:p>
             <a:r>
               <a:rPr lang="en-US" dirty="0"/>
-              <a:t>Difficulty increase: Increased complexity of melodies (more notes, longer sequences, wider range of intervals).</a:t>
+              <a:t>Difficulty: More objects; Some objects are the same and the task is to also recall the number of the same objects shown.</a:t>
             </a:r>
           </a:p>
           <a:p>
@@ -3869,7 +4314,7 @@
     </p:spTree>
     <p:extLst>
       <p:ext uri="{BB962C8B-B14F-4D97-AF65-F5344CB8AC3E}">
-        <p14:creationId xmlns:p14="http://schemas.microsoft.com/office/powerpoint/2010/main" val="1989682846"/>
+        <p14:creationId xmlns:p14="http://schemas.microsoft.com/office/powerpoint/2010/main" val="701296778"/>
       </p:ext>
     </p:extLst>
   </p:cSld>
@@ -3924,7 +4369,7 @@
           <a:p>
             <a:r>
               <a:rPr lang="en-US" b="1" dirty="0"/>
-              <a:t>Multitasking</a:t>
+              <a:t>Match the Melody</a:t>
             </a:r>
           </a:p>
         </p:txBody>
@@ -3959,30 +4404,27 @@
           <a:p>
             <a:r>
               <a:rPr lang="en-US" dirty="0"/>
-              <a:t>Idea: User completes multiple mini-challenges simultaneously, like remembering a sequence while dodging obstacles.</a:t>
+              <a:t>Idea: User listens to a short melody and then replicates it by selecting notes or tapping buttons in the correct sequence.</a:t>
             </a:r>
           </a:p>
           <a:p>
             <a:r>
               <a:rPr lang="en-US" dirty="0"/>
-              <a:t>Difficulty: Introduce more tasks; Make tasks more difficult.</a:t>
+              <a:t>Difficulty increase: Increased complexity of melodies (more notes, longer sequences, wider range of intervals).</a:t>
             </a:r>
           </a:p>
           <a:p>
             <a:r>
               <a:rPr lang="en-US" dirty="0"/>
-              <a:t>ML-Agent: track user's focus and adjust task difficulty to optimize cognitive load.</a:t>
-            </a:r>
-          </a:p>
-          <a:p>
-            <a:endParaRPr lang="en-US" dirty="0"/>
+              <a:t>ML-Agent: </a:t>
+            </a:r>
           </a:p>
         </p:txBody>
       </p:sp>
     </p:spTree>
     <p:extLst>
       <p:ext uri="{BB962C8B-B14F-4D97-AF65-F5344CB8AC3E}">
-        <p14:creationId xmlns:p14="http://schemas.microsoft.com/office/powerpoint/2010/main" val="3972047280"/>
+        <p14:creationId xmlns:p14="http://schemas.microsoft.com/office/powerpoint/2010/main" val="1989682846"/>
       </p:ext>
     </p:extLst>
   </p:cSld>
@@ -4037,7 +4479,7 @@
           <a:p>
             <a:r>
               <a:rPr lang="en-US" b="1" dirty="0"/>
-              <a:t>Color matching</a:t>
+              <a:t>Multitasking</a:t>
             </a:r>
           </a:p>
         </p:txBody>
@@ -4072,27 +4514,30 @@
           <a:p>
             <a:r>
               <a:rPr lang="en-US" dirty="0"/>
-              <a:t>Idea: Players are presented with colored objects or tiles, and they need to match them based on color.</a:t>
+              <a:t>Idea: User completes multiple mini-challenges simultaneously, like remembering a sequence while dodging obstacles.</a:t>
             </a:r>
           </a:p>
           <a:p>
             <a:r>
               <a:rPr lang="en-US" dirty="0"/>
-              <a:t>Difficulty: As the game progresses, the number of colors or the complexity of the patterns increases.</a:t>
+              <a:t>Difficulty: Introduce more tasks; Make tasks more difficult.</a:t>
             </a:r>
           </a:p>
           <a:p>
             <a:r>
               <a:rPr lang="en-US" dirty="0"/>
-              <a:t>ML-Agent: Dynamically adjust the difficulty level based on the player's performance. For example, ML could analyze the player's reaction time and accuracy to determine when to introduce new colors or increase the speed of color changes.</a:t>
-            </a:r>
+              <a:t>ML-Agent: track user's focus and adjust task difficulty to optimize cognitive load.</a:t>
+            </a:r>
+          </a:p>
+          <a:p>
+            <a:endParaRPr lang="en-US" dirty="0"/>
           </a:p>
         </p:txBody>
       </p:sp>
     </p:spTree>
     <p:extLst>
       <p:ext uri="{BB962C8B-B14F-4D97-AF65-F5344CB8AC3E}">
-        <p14:creationId xmlns:p14="http://schemas.microsoft.com/office/powerpoint/2010/main" val="3297586470"/>
+        <p14:creationId xmlns:p14="http://schemas.microsoft.com/office/powerpoint/2010/main" val="3972047280"/>
       </p:ext>
     </p:extLst>
   </p:cSld>
@@ -4147,7 +4592,7 @@
           <a:p>
             <a:r>
               <a:rPr lang="en-US" b="1" dirty="0"/>
-              <a:t>Pattern recognition</a:t>
+              <a:t>Color matching</a:t>
             </a:r>
           </a:p>
         </p:txBody>
@@ -4182,13 +4627,19 @@
           <a:p>
             <a:r>
               <a:rPr lang="en-US" dirty="0"/>
-              <a:t>Idea: Users are shown a sequence of patterns or shapes and must identify the next pattern in the sequence. The sequences could involve colors, shapes, or a combination of both.</a:t>
+              <a:t>Idea: Players are presented with colored objects or tiles, and they need to match them based on color.</a:t>
             </a:r>
           </a:p>
           <a:p>
             <a:r>
               <a:rPr lang="en-US" dirty="0"/>
-              <a:t>Difficulty: Increase variety in sequence objects.</a:t>
+              <a:t>Difficulty: As the game progresses, the number of colors or the complexity of the patterns increases.</a:t>
+            </a:r>
+          </a:p>
+          <a:p>
+            <a:r>
+              <a:rPr lang="en-US" dirty="0"/>
+              <a:t>ML-Agent: Dynamically adjust the difficulty level based on the player's performance. For example, ML could analyze the player's reaction time and accuracy to determine when to introduce new colors or increase the speed of color changes.</a:t>
             </a:r>
           </a:p>
         </p:txBody>
@@ -4196,7 +4647,7 @@
     </p:spTree>
     <p:extLst>
       <p:ext uri="{BB962C8B-B14F-4D97-AF65-F5344CB8AC3E}">
-        <p14:creationId xmlns:p14="http://schemas.microsoft.com/office/powerpoint/2010/main" val="3804510452"/>
+        <p14:creationId xmlns:p14="http://schemas.microsoft.com/office/powerpoint/2010/main" val="3297586470"/>
       </p:ext>
     </p:extLst>
   </p:cSld>
@@ -4251,9 +4702,8 @@
           <a:p>
             <a:r>
               <a:rPr lang="en-US" b="1" dirty="0"/>
-              <a:t>Reaction time</a:t>
-            </a:r>
-            <a:endParaRPr lang="en-US" dirty="0"/>
+              <a:t>Pattern recognition</a:t>
+            </a:r>
           </a:p>
         </p:txBody>
       </p:sp>
@@ -4287,19 +4737,13 @@
           <a:p>
             <a:r>
               <a:rPr lang="en-US" dirty="0"/>
-              <a:t>Basic idea: Click a button on a controller as soon as something appears in front of the user / sound plays.</a:t>
+              <a:t>Idea: Users are shown a sequence of patterns or shapes and must identify the next pattern in the sequence. The sequences could involve colors, shapes, or a combination of both.</a:t>
             </a:r>
           </a:p>
           <a:p>
             <a:r>
               <a:rPr lang="en-US" dirty="0"/>
-              <a:t>Difficulty: Make stimuli more subtle; Play 2 games at the same time, where 1 controller controls one game, other another game, and then you randomly switch games with each other, thus trying to confuse the user.</a:t>
-            </a:r>
-          </a:p>
-          <a:p>
-            <a:r>
-              <a:rPr lang="en-US" dirty="0"/>
-              <a:t>ML-Agent: </a:t>
+              <a:t>Difficulty: Increase variety in sequence objects.</a:t>
             </a:r>
           </a:p>
         </p:txBody>
@@ -4307,7 +4751,7 @@
     </p:spTree>
     <p:extLst>
       <p:ext uri="{BB962C8B-B14F-4D97-AF65-F5344CB8AC3E}">
-        <p14:creationId xmlns:p14="http://schemas.microsoft.com/office/powerpoint/2010/main" val="514114463"/>
+        <p14:creationId xmlns:p14="http://schemas.microsoft.com/office/powerpoint/2010/main" val="3804510452"/>
       </p:ext>
     </p:extLst>
   </p:cSld>
@@ -4362,8 +4806,9 @@
           <a:p>
             <a:r>
               <a:rPr lang="en-US" b="1" dirty="0"/>
-              <a:t>Aim trainer</a:t>
-            </a:r>
+              <a:t>Reaction time</a:t>
+            </a:r>
+            <a:endParaRPr lang="en-US" dirty="0"/>
           </a:p>
         </p:txBody>
       </p:sp>
@@ -4397,19 +4842,19 @@
           <a:p>
             <a:r>
               <a:rPr lang="en-US" dirty="0"/>
-              <a:t>Idea: shapes appear on a grid in front of the user and the task is to point &amp; click at the shape as fast as possible.</a:t>
+              <a:t>Basic idea: Click a button on a controller as soon as something appears in front of the user / sound plays.</a:t>
             </a:r>
           </a:p>
           <a:p>
             <a:r>
               <a:rPr lang="en-US" dirty="0"/>
-              <a:t>Difficulty: Smaller targets; Target disappear after some time; Targets move.</a:t>
+              <a:t>Difficulty: Make stimuli more subtle; Play 2 games at the same time, where 1 controller controls one game, other another game, and then you randomly switch games with each other, thus trying to confuse the user.</a:t>
             </a:r>
           </a:p>
           <a:p>
             <a:r>
               <a:rPr lang="en-US" dirty="0"/>
-              <a:t>ML-Agent: Predict target movement patterns and subtly adjust the user's aim to improve accuracy; Track user performance and adjust the number, size, and movement of targets to optimize the challenge level.</a:t>
+              <a:t>ML-Agent: </a:t>
             </a:r>
           </a:p>
         </p:txBody>
@@ -4417,7 +4862,7 @@
     </p:spTree>
     <p:extLst>
       <p:ext uri="{BB962C8B-B14F-4D97-AF65-F5344CB8AC3E}">
-        <p14:creationId xmlns:p14="http://schemas.microsoft.com/office/powerpoint/2010/main" val="4028642223"/>
+        <p14:creationId xmlns:p14="http://schemas.microsoft.com/office/powerpoint/2010/main" val="514114463"/>
       </p:ext>
     </p:extLst>
   </p:cSld>
@@ -4449,7 +4894,7 @@
           <p:cNvPr id="2" name="Title 1">
             <a:extLst>
               <a:ext uri="{FF2B5EF4-FFF2-40B4-BE49-F238E27FC236}">
-                <a16:creationId xmlns:a16="http://schemas.microsoft.com/office/drawing/2014/main" id="{135F3A21-32E4-42BD-B5EF-F62191E14F67}"/>
+                <a16:creationId xmlns:a16="http://schemas.microsoft.com/office/drawing/2014/main" id="{8FD6BD41-2976-4D92-9724-E3701ACDB2B8}"/>
               </a:ext>
             </a:extLst>
           </p:cNvPr>
@@ -4460,68 +4905,66 @@
             <p:ph type="title"/>
           </p:nvPr>
         </p:nvSpPr>
-        <p:spPr/>
-        <p:txBody>
-          <a:bodyPr/>
+        <p:spPr>
+          <a:xfrm>
+            <a:off x="838200" y="0"/>
+            <a:ext cx="10515600" cy="1325563"/>
+          </a:xfrm>
+        </p:spPr>
+        <p:txBody>
+          <a:bodyPr/>
+          <a:lstStyle/>
+          <a:p>
+            <a:r>
+              <a:rPr lang="en-US" b="1" dirty="0"/>
+              <a:t>Aim trainer</a:t>
+            </a:r>
+          </a:p>
+        </p:txBody>
+      </p:sp>
+      <p:sp>
+        <p:nvSpPr>
+          <p:cNvPr id="3" name="Content Placeholder 2">
+            <a:extLst>
+              <a:ext uri="{FF2B5EF4-FFF2-40B4-BE49-F238E27FC236}">
+                <a16:creationId xmlns:a16="http://schemas.microsoft.com/office/drawing/2014/main" id="{9B3D762F-A23F-4561-99E8-27012C979DE4}"/>
+              </a:ext>
+            </a:extLst>
+          </p:cNvPr>
+          <p:cNvSpPr>
+            <a:spLocks noGrp="1"/>
+          </p:cNvSpPr>
+          <p:nvPr>
+            <p:ph idx="1"/>
+          </p:nvPr>
+        </p:nvSpPr>
+        <p:spPr>
+          <a:xfrm>
+            <a:off x="838200" y="1042738"/>
+            <a:ext cx="10515600" cy="5815262"/>
+          </a:xfrm>
+        </p:spPr>
+        <p:txBody>
+          <a:bodyPr>
+            <a:normAutofit/>
+          </a:bodyPr>
           <a:lstStyle/>
           <a:p>
             <a:r>
               <a:rPr lang="en-US" dirty="0"/>
-              <a:t>Overall Agents Usage</a:t>
-            </a:r>
-          </a:p>
-        </p:txBody>
-      </p:sp>
-      <p:sp>
-        <p:nvSpPr>
-          <p:cNvPr id="3" name="Content Placeholder 2">
-            <a:extLst>
-              <a:ext uri="{FF2B5EF4-FFF2-40B4-BE49-F238E27FC236}">
-                <a16:creationId xmlns:a16="http://schemas.microsoft.com/office/drawing/2014/main" id="{96295925-DB7E-4391-9B1D-C814EEB60371}"/>
-              </a:ext>
-            </a:extLst>
-          </p:cNvPr>
-          <p:cNvSpPr>
-            <a:spLocks noGrp="1"/>
-          </p:cNvSpPr>
-          <p:nvPr>
-            <p:ph idx="1"/>
-          </p:nvPr>
-        </p:nvSpPr>
-        <p:spPr/>
-        <p:txBody>
-          <a:bodyPr/>
-          <a:lstStyle/>
+              <a:t>Idea: shapes appear on a grid in front of the user and the task is to point &amp; click at the shape as fast as possible.</a:t>
+            </a:r>
+          </a:p>
           <a:p>
             <a:r>
               <a:rPr lang="en-US" dirty="0"/>
-              <a:t>Object generation.</a:t>
+              <a:t>Difficulty: Smaller targets; Target disappear after some time; Targets move.</a:t>
             </a:r>
           </a:p>
           <a:p>
             <a:r>
               <a:rPr lang="en-US" dirty="0"/>
-              <a:t>Generate puzzles, adjusting parameters such as object size, shape, and complexity based on the player's skill level.</a:t>
-            </a:r>
-          </a:p>
-          <a:p>
-            <a:r>
-              <a:rPr lang="en-US" dirty="0"/>
-              <a:t>Analyze user data:</a:t>
-            </a:r>
-          </a:p>
-          <a:p>
-            <a:pPr lvl="1"/>
-            <a:r>
-              <a:rPr lang="en-US" sz="2800" dirty="0"/>
-              <a:t>Provide hints or adaptive feedback to guide players through more challenging puzzles.</a:t>
-            </a:r>
-          </a:p>
-          <a:p>
-            <a:pPr lvl="1"/>
-            <a:r>
-              <a:rPr lang="en-US" sz="2800" dirty="0"/>
-              <a:t>Dynamically adjust game difficulty.</a:t>
+              <a:t>ML-Agent: Predict target movement patterns and subtly adjust the user's aim to improve accuracy; Track user performance and adjust the number, size, and movement of targets to optimize the challenge level.</a:t>
             </a:r>
           </a:p>
         </p:txBody>
@@ -4529,7 +4972,7 @@
     </p:spTree>
     <p:extLst>
       <p:ext uri="{BB962C8B-B14F-4D97-AF65-F5344CB8AC3E}">
-        <p14:creationId xmlns:p14="http://schemas.microsoft.com/office/powerpoint/2010/main" val="845583735"/>
+        <p14:creationId xmlns:p14="http://schemas.microsoft.com/office/powerpoint/2010/main" val="4028642223"/>
       </p:ext>
     </p:extLst>
   </p:cSld>
@@ -4641,6 +5084,118 @@
     <p:extLst>
       <p:ext uri="{BB962C8B-B14F-4D97-AF65-F5344CB8AC3E}">
         <p14:creationId xmlns:p14="http://schemas.microsoft.com/office/powerpoint/2010/main" val="4269138581"/>
+      </p:ext>
+    </p:extLst>
+  </p:cSld>
+  <p:clrMapOvr>
+    <a:masterClrMapping/>
+  </p:clrMapOvr>
+</p:sld>
+</file>
+
+<file path=ppt/slides/slide20.xml><?xml version="1.0" encoding="utf-8"?>
+<p:sld xmlns:a="http://schemas.openxmlformats.org/drawingml/2006/main" xmlns:r="http://schemas.openxmlformats.org/officeDocument/2006/relationships" xmlns:p="http://schemas.openxmlformats.org/presentationml/2006/main">
+  <p:cSld>
+    <p:spTree>
+      <p:nvGrpSpPr>
+        <p:cNvPr id="1" name=""/>
+        <p:cNvGrpSpPr/>
+        <p:nvPr/>
+      </p:nvGrpSpPr>
+      <p:grpSpPr>
+        <a:xfrm>
+          <a:off x="0" y="0"/>
+          <a:ext cx="0" cy="0"/>
+          <a:chOff x="0" y="0"/>
+          <a:chExt cx="0" cy="0"/>
+        </a:xfrm>
+      </p:grpSpPr>
+      <p:sp>
+        <p:nvSpPr>
+          <p:cNvPr id="2" name="Title 1">
+            <a:extLst>
+              <a:ext uri="{FF2B5EF4-FFF2-40B4-BE49-F238E27FC236}">
+                <a16:creationId xmlns:a16="http://schemas.microsoft.com/office/drawing/2014/main" id="{135F3A21-32E4-42BD-B5EF-F62191E14F67}"/>
+              </a:ext>
+            </a:extLst>
+          </p:cNvPr>
+          <p:cNvSpPr>
+            <a:spLocks noGrp="1"/>
+          </p:cNvSpPr>
+          <p:nvPr>
+            <p:ph type="title"/>
+          </p:nvPr>
+        </p:nvSpPr>
+        <p:spPr/>
+        <p:txBody>
+          <a:bodyPr/>
+          <a:lstStyle/>
+          <a:p>
+            <a:r>
+              <a:rPr lang="en-US" dirty="0"/>
+              <a:t>Overall Agents Usage</a:t>
+            </a:r>
+          </a:p>
+        </p:txBody>
+      </p:sp>
+      <p:sp>
+        <p:nvSpPr>
+          <p:cNvPr id="3" name="Content Placeholder 2">
+            <a:extLst>
+              <a:ext uri="{FF2B5EF4-FFF2-40B4-BE49-F238E27FC236}">
+                <a16:creationId xmlns:a16="http://schemas.microsoft.com/office/drawing/2014/main" id="{96295925-DB7E-4391-9B1D-C814EEB60371}"/>
+              </a:ext>
+            </a:extLst>
+          </p:cNvPr>
+          <p:cNvSpPr>
+            <a:spLocks noGrp="1"/>
+          </p:cNvSpPr>
+          <p:nvPr>
+            <p:ph idx="1"/>
+          </p:nvPr>
+        </p:nvSpPr>
+        <p:spPr/>
+        <p:txBody>
+          <a:bodyPr/>
+          <a:lstStyle/>
+          <a:p>
+            <a:r>
+              <a:rPr lang="en-US" dirty="0"/>
+              <a:t>Object generation.</a:t>
+            </a:r>
+          </a:p>
+          <a:p>
+            <a:r>
+              <a:rPr lang="en-US" dirty="0"/>
+              <a:t>Generate puzzles, adjusting parameters such as object size, shape, and complexity based on the player's skill level.</a:t>
+            </a:r>
+          </a:p>
+          <a:p>
+            <a:r>
+              <a:rPr lang="en-US" dirty="0"/>
+              <a:t>Analyze user data:</a:t>
+            </a:r>
+          </a:p>
+          <a:p>
+            <a:pPr lvl="1"/>
+            <a:r>
+              <a:rPr lang="en-US" sz="2800" dirty="0"/>
+              <a:t>Provide hints or adaptive feedback to guide players through more challenging puzzles.</a:t>
+            </a:r>
+          </a:p>
+          <a:p>
+            <a:pPr lvl="1"/>
+            <a:r>
+              <a:rPr lang="en-US" sz="2800" dirty="0"/>
+              <a:t>Dynamically adjust game difficulty.</a:t>
+            </a:r>
+          </a:p>
+        </p:txBody>
+      </p:sp>
+    </p:spTree>
+    <p:extLst>
+      <p:ext uri="{BB962C8B-B14F-4D97-AF65-F5344CB8AC3E}">
+        <p14:creationId xmlns:p14="http://schemas.microsoft.com/office/powerpoint/2010/main" val="845583735"/>
       </p:ext>
     </p:extLst>
   </p:cSld>
@@ -4928,7 +5483,7 @@
           <a:p>
             <a:r>
               <a:rPr lang="en-US" b="1" dirty="0"/>
-              <a:t>Staying in beat</a:t>
+              <a:t>Learn Language through Exploration</a:t>
             </a:r>
             <a:endParaRPr lang="en-US" dirty="0"/>
           </a:p>
@@ -4958,33 +5513,44 @@
         </p:spPr>
         <p:txBody>
           <a:bodyPr>
-            <a:normAutofit/>
+            <a:normAutofit lnSpcReduction="10000"/>
           </a:bodyPr>
           <a:lstStyle/>
           <a:p>
             <a:r>
               <a:rPr lang="en-US" dirty="0"/>
-              <a:t>Basic idea: users use their controllers to stay in rhythm with the beat. They might need to hit targets, perform gestures, or move in sync with the music.</a:t>
-            </a:r>
+              <a:t>Link: </a:t>
+            </a:r>
+            <a:r>
+              <a:rPr lang="en-US" dirty="0">
+                <a:hlinkClick r:id="rId3"/>
+              </a:rPr>
+              <a:t>https://openreview.net/forum?id=OUicoKgvtc&amp;utm_campaign=The%20Batch&amp;utm_medium=email&amp;_hsmi=298109300&amp;utm_content=298109300&amp;utm_source=hs_email</a:t>
+            </a:r>
+            <a:endParaRPr lang="en-US" dirty="0"/>
           </a:p>
           <a:p>
             <a:r>
               <a:rPr lang="en-US" dirty="0"/>
-              <a:t>Difficulty: Make different user controls</a:t>
-            </a:r>
-            <a:r>
-              <a:rPr lang="de-DE" dirty="0"/>
-              <a:t> be responsible for different beats</a:t>
-            </a:r>
+              <a:t>Idea: User navigates an environment that provides text clues (find something, point to something). Based on these clues and trial &amp; error, user translates them into their own language and has an idea what words in the text clues mean.</a:t>
+            </a:r>
+          </a:p>
+          <a:p>
             <a:r>
               <a:rPr lang="en-US" dirty="0"/>
-              <a:t>.</a:t>
+              <a:t>Difficulty: Different object shapes, colors, many more ideas.</a:t>
             </a:r>
           </a:p>
           <a:p>
             <a:r>
               <a:rPr lang="en-US" dirty="0"/>
-              <a:t>ML-Agent: Introduce more challenging rhythms, intricate patterns, or even dynamically generated music to keep the game engaging and adaptive.</a:t>
+              <a:t>ML-Agent: Learns to navigate a simulated environment that provides text clues. If the training environment provides text that explains how to achieve the highest reward, an agent will benefit by learning to interpret written language. That is, learning to comprehend written instructions will correlate with success in maximizing rewards.</a:t>
+            </a:r>
+          </a:p>
+          <a:p>
+            <a:r>
+              <a:rPr lang="en-US" dirty="0"/>
+              <a:t>Compete against AI and see which learning strategy is best.</a:t>
             </a:r>
           </a:p>
         </p:txBody>
@@ -4992,7 +5558,7 @@
     </p:spTree>
     <p:extLst>
       <p:ext uri="{BB962C8B-B14F-4D97-AF65-F5344CB8AC3E}">
-        <p14:creationId xmlns:p14="http://schemas.microsoft.com/office/powerpoint/2010/main" val="3783790093"/>
+        <p14:creationId xmlns:p14="http://schemas.microsoft.com/office/powerpoint/2010/main" val="3006124366"/>
       </p:ext>
     </p:extLst>
   </p:cSld>
@@ -5047,7 +5613,7 @@
           <a:p>
             <a:r>
               <a:rPr lang="en-US" b="1" dirty="0"/>
-              <a:t>Following sequence</a:t>
+              <a:t>Staying in beat</a:t>
             </a:r>
             <a:endParaRPr lang="en-US" dirty="0"/>
           </a:p>
@@ -5083,19 +5649,27 @@
           <a:p>
             <a:r>
               <a:rPr lang="en-US" dirty="0"/>
-              <a:t>Basic idea: users are given a grid with numbered dots and the goal is to connect the dots in an increasing order (without breaking the connection).</a:t>
+              <a:t>Basic idea: users use their controllers to stay in rhythm with the beat. They might need to hit targets, perform gestures, or move in sync with the music.</a:t>
             </a:r>
           </a:p>
           <a:p>
             <a:r>
               <a:rPr lang="en-US" dirty="0"/>
-              <a:t>Difficulty: Increase the number of dots; Change pattern from increasing to something else; Make connecting line intersections forbidden.</a:t>
-            </a:r>
-          </a:p>
-          <a:p>
+              <a:t>Difficulty: Make different user controls</a:t>
+            </a:r>
+            <a:r>
+              <a:rPr lang="de-DE" dirty="0"/>
+              <a:t> be responsible for different beats</a:t>
+            </a:r>
             <a:r>
               <a:rPr lang="en-US" dirty="0"/>
-              <a:t>ML-Agent: </a:t>
+              <a:t>.</a:t>
+            </a:r>
+          </a:p>
+          <a:p>
+            <a:r>
+              <a:rPr lang="en-US" dirty="0"/>
+              <a:t>ML-Agent: Introduce more challenging rhythms, intricate patterns, or even dynamically generated music to keep the game engaging and adaptive.</a:t>
             </a:r>
           </a:p>
         </p:txBody>
@@ -5103,7 +5677,7 @@
     </p:spTree>
     <p:extLst>
       <p:ext uri="{BB962C8B-B14F-4D97-AF65-F5344CB8AC3E}">
-        <p14:creationId xmlns:p14="http://schemas.microsoft.com/office/powerpoint/2010/main" val="1751836485"/>
+        <p14:creationId xmlns:p14="http://schemas.microsoft.com/office/powerpoint/2010/main" val="3783790093"/>
       </p:ext>
     </p:extLst>
   </p:cSld>
@@ -5158,8 +5732,9 @@
           <a:p>
             <a:r>
               <a:rPr lang="en-US" b="1" dirty="0"/>
-              <a:t>Sequence memory</a:t>
-            </a:r>
+              <a:t>Following sequence</a:t>
+            </a:r>
+            <a:endParaRPr lang="en-US" dirty="0"/>
           </a:p>
         </p:txBody>
       </p:sp>
@@ -5193,19 +5768,19 @@
           <a:p>
             <a:r>
               <a:rPr lang="en-US" dirty="0"/>
-              <a:t>Idea: introduce a grid of buttons; the task is to remember an increasingly longer pattern of button presses; each button has its own unique sound.</a:t>
+              <a:t>Basic idea: users are given a grid with numbered dots and the goal is to connect the dots in an increasing order (without breaking the connection).</a:t>
             </a:r>
           </a:p>
           <a:p>
             <a:r>
               <a:rPr lang="en-US" dirty="0"/>
-              <a:t>Difficulty: longer sequences, multiple sequences at the same time.</a:t>
+              <a:t>Difficulty: Increase the number of dots; Change pattern from increasing to something else; Make connecting line intersections forbidden.</a:t>
             </a:r>
           </a:p>
           <a:p>
             <a:r>
               <a:rPr lang="en-US" dirty="0"/>
-              <a:t>ML-Agent: generate new sequences that target the user's specific weaknesses (e.g., sequences with repeating patterns or specific button combinations)</a:t>
+              <a:t>ML-Agent: </a:t>
             </a:r>
           </a:p>
         </p:txBody>
@@ -5213,7 +5788,7 @@
     </p:spTree>
     <p:extLst>
       <p:ext uri="{BB962C8B-B14F-4D97-AF65-F5344CB8AC3E}">
-        <p14:creationId xmlns:p14="http://schemas.microsoft.com/office/powerpoint/2010/main" val="598358051"/>
+        <p14:creationId xmlns:p14="http://schemas.microsoft.com/office/powerpoint/2010/main" val="1751836485"/>
       </p:ext>
     </p:extLst>
   </p:cSld>
@@ -5268,7 +5843,7 @@
           <a:p>
             <a:r>
               <a:rPr lang="en-US" b="1" dirty="0"/>
-              <a:t>Number memory</a:t>
+              <a:t>Sequence memory</a:t>
             </a:r>
           </a:p>
         </p:txBody>
@@ -5303,19 +5878,19 @@
           <a:p>
             <a:r>
               <a:rPr lang="en-US" dirty="0"/>
-              <a:t>Idea: user sees / listens to a number sequence and then tries to reconstruct it.</a:t>
+              <a:t>Idea: introduce a grid of buttons; the task is to remember an increasingly longer pattern of button presses; each button has its own unique sound.</a:t>
             </a:r>
           </a:p>
           <a:p>
             <a:r>
               <a:rPr lang="en-US" dirty="0"/>
-              <a:t>Difficulty: longer sequence / sequence backwards.</a:t>
+              <a:t>Difficulty: longer sequences, multiple sequences at the same time.</a:t>
             </a:r>
           </a:p>
           <a:p>
             <a:r>
               <a:rPr lang="en-US" dirty="0"/>
-              <a:t>ML-Agent: Track user performance on recalling numbers of different lengths and presentations (forward vs backward); generate numbers with specific difficulty levels (e.g., specific digit sequences or lengths) to target user weaknesses.</a:t>
+              <a:t>ML-Agent: generate new sequences that target the user's specific weaknesses (e.g., sequences with repeating patterns or specific button combinations)</a:t>
             </a:r>
           </a:p>
         </p:txBody>
@@ -5323,7 +5898,7 @@
     </p:spTree>
     <p:extLst>
       <p:ext uri="{BB962C8B-B14F-4D97-AF65-F5344CB8AC3E}">
-        <p14:creationId xmlns:p14="http://schemas.microsoft.com/office/powerpoint/2010/main" val="1922651585"/>
+        <p14:creationId xmlns:p14="http://schemas.microsoft.com/office/powerpoint/2010/main" val="598358051"/>
       </p:ext>
     </p:extLst>
   </p:cSld>
@@ -5378,7 +5953,7 @@
           <a:p>
             <a:r>
               <a:rPr lang="en-US" b="1" dirty="0"/>
-              <a:t>Verbal memory</a:t>
+              <a:t>Number memory</a:t>
             </a:r>
           </a:p>
         </p:txBody>
@@ -5413,27 +5988,19 @@
           <a:p>
             <a:r>
               <a:rPr lang="en-US" dirty="0"/>
-              <a:t>Idea: Remember (see or listen) as many words in a limited amount of time as possible.</a:t>
+              <a:t>Idea: user sees / listens to a number sequence and then tries to reconstruct it.</a:t>
             </a:r>
           </a:p>
           <a:p>
             <a:r>
               <a:rPr lang="en-US" dirty="0"/>
-              <a:t>Difficulty: Longer lists of words; Grammatically incorrect words.</a:t>
+              <a:t>Difficulty: longer sequence / sequence backwards.</a:t>
             </a:r>
           </a:p>
           <a:p>
             <a:r>
               <a:rPr lang="en-US" dirty="0"/>
-              <a:t>ML-Agent: </a:t>
-            </a:r>
-            <a:r>
-              <a:rPr lang="en-US"/>
-              <a:t>Hints; AI </a:t>
-            </a:r>
-            <a:r>
-              <a:rPr lang="en-US" dirty="0"/>
-              <a:t>competitor.</a:t>
+              <a:t>ML-Agent: Track user performance on recalling numbers of different lengths and presentations (forward vs backward); generate numbers with specific difficulty levels (e.g., specific digit sequences or lengths) to target user weaknesses.</a:t>
             </a:r>
           </a:p>
         </p:txBody>
@@ -5441,7 +6008,7 @@
     </p:spTree>
     <p:extLst>
       <p:ext uri="{BB962C8B-B14F-4D97-AF65-F5344CB8AC3E}">
-        <p14:creationId xmlns:p14="http://schemas.microsoft.com/office/powerpoint/2010/main" val="3523277898"/>
+        <p14:creationId xmlns:p14="http://schemas.microsoft.com/office/powerpoint/2010/main" val="1922651585"/>
       </p:ext>
     </p:extLst>
   </p:cSld>
@@ -5744,4 +6311,299 @@
     </a:ext>
   </a:extLst>
 </a:theme>
+</file>
+
+<file path=ppt/theme/theme2.xml><?xml version="1.0" encoding="utf-8"?>
+<a:theme xmlns:a="http://schemas.openxmlformats.org/drawingml/2006/main" name="Office Theme">
+  <a:themeElements>
+    <a:clrScheme name="Office">
+      <a:dk1>
+        <a:sysClr val="windowText" lastClr="000000"/>
+      </a:dk1>
+      <a:lt1>
+        <a:sysClr val="window" lastClr="FFFFFF"/>
+      </a:lt1>
+      <a:dk2>
+        <a:srgbClr val="44546A"/>
+      </a:dk2>
+      <a:lt2>
+        <a:srgbClr val="E7E6E6"/>
+      </a:lt2>
+      <a:accent1>
+        <a:srgbClr val="4472C4"/>
+      </a:accent1>
+      <a:accent2>
+        <a:srgbClr val="ED7D31"/>
+      </a:accent2>
+      <a:accent3>
+        <a:srgbClr val="A5A5A5"/>
+      </a:accent3>
+      <a:accent4>
+        <a:srgbClr val="FFC000"/>
+      </a:accent4>
+      <a:accent5>
+        <a:srgbClr val="5B9BD5"/>
+      </a:accent5>
+      <a:accent6>
+        <a:srgbClr val="70AD47"/>
+      </a:accent6>
+      <a:hlink>
+        <a:srgbClr val="0563C1"/>
+      </a:hlink>
+      <a:folHlink>
+        <a:srgbClr val="954F72"/>
+      </a:folHlink>
+    </a:clrScheme>
+    <a:fontScheme name="Office">
+      <a:majorFont>
+        <a:latin typeface="Calibri Light" panose="020F0302020204030204"/>
+        <a:ea typeface=""/>
+        <a:cs typeface=""/>
+        <a:font script="Jpan" typeface="游ゴシック Light"/>
+        <a:font script="Hang" typeface="맑은 고딕"/>
+        <a:font script="Hans" typeface="等线 Light"/>
+        <a:font script="Hant" typeface="新細明體"/>
+        <a:font script="Arab" typeface="Times New Roman"/>
+        <a:font script="Hebr" typeface="Times New Roman"/>
+        <a:font script="Thai" typeface="Angsana New"/>
+        <a:font script="Ethi" typeface="Nyala"/>
+        <a:font script="Beng" typeface="Vrinda"/>
+        <a:font script="Gujr" typeface="Shruti"/>
+        <a:font script="Khmr" typeface="MoolBoran"/>
+        <a:font script="Knda" typeface="Tunga"/>
+        <a:font script="Guru" typeface="Raavi"/>
+        <a:font script="Cans" typeface="Euphemia"/>
+        <a:font script="Cher" typeface="Plantagenet Cherokee"/>
+        <a:font script="Yiii" typeface="Microsoft Yi Baiti"/>
+        <a:font script="Tibt" typeface="Microsoft Himalaya"/>
+        <a:font script="Thaa" typeface="MV Boli"/>
+        <a:font script="Deva" typeface="Mangal"/>
+        <a:font script="Telu" typeface="Gautami"/>
+        <a:font script="Taml" typeface="Latha"/>
+        <a:font script="Syrc" typeface="Estrangelo Edessa"/>
+        <a:font script="Orya" typeface="Kalinga"/>
+        <a:font script="Mlym" typeface="Kartika"/>
+        <a:font script="Laoo" typeface="DokChampa"/>
+        <a:font script="Sinh" typeface="Iskoola Pota"/>
+        <a:font script="Mong" typeface="Mongolian Baiti"/>
+        <a:font script="Viet" typeface="Times New Roman"/>
+        <a:font script="Uigh" typeface="Microsoft Uighur"/>
+        <a:font script="Geor" typeface="Sylfaen"/>
+        <a:font script="Armn" typeface="Arial"/>
+        <a:font script="Bugi" typeface="Leelawadee UI"/>
+        <a:font script="Bopo" typeface="Microsoft JhengHei"/>
+        <a:font script="Java" typeface="Javanese Text"/>
+        <a:font script="Lisu" typeface="Segoe UI"/>
+        <a:font script="Mymr" typeface="Myanmar Text"/>
+        <a:font script="Nkoo" typeface="Ebrima"/>
+        <a:font script="Olck" typeface="Nirmala UI"/>
+        <a:font script="Osma" typeface="Ebrima"/>
+        <a:font script="Phag" typeface="Phagspa"/>
+        <a:font script="Syrn" typeface="Estrangelo Edessa"/>
+        <a:font script="Syrj" typeface="Estrangelo Edessa"/>
+        <a:font script="Syre" typeface="Estrangelo Edessa"/>
+        <a:font script="Sora" typeface="Nirmala UI"/>
+        <a:font script="Tale" typeface="Microsoft Tai Le"/>
+        <a:font script="Talu" typeface="Microsoft New Tai Lue"/>
+        <a:font script="Tfng" typeface="Ebrima"/>
+      </a:majorFont>
+      <a:minorFont>
+        <a:latin typeface="Calibri" panose="020F0502020204030204"/>
+        <a:ea typeface=""/>
+        <a:cs typeface=""/>
+        <a:font script="Jpan" typeface="游ゴシック"/>
+        <a:font script="Hang" typeface="맑은 고딕"/>
+        <a:font script="Hans" typeface="等线"/>
+        <a:font script="Hant" typeface="新細明體"/>
+        <a:font script="Arab" typeface="Arial"/>
+        <a:font script="Hebr" typeface="Arial"/>
+        <a:font script="Thai" typeface="Cordia New"/>
+        <a:font script="Ethi" typeface="Nyala"/>
+        <a:font script="Beng" typeface="Vrinda"/>
+        <a:font script="Gujr" typeface="Shruti"/>
+        <a:font script="Khmr" typeface="DaunPenh"/>
+        <a:font script="Knda" typeface="Tunga"/>
+        <a:font script="Guru" typeface="Raavi"/>
+        <a:font script="Cans" typeface="Euphemia"/>
+        <a:font script="Cher" typeface="Plantagenet Cherokee"/>
+        <a:font script="Yiii" typeface="Microsoft Yi Baiti"/>
+        <a:font script="Tibt" typeface="Microsoft Himalaya"/>
+        <a:font script="Thaa" typeface="MV Boli"/>
+        <a:font script="Deva" typeface="Mangal"/>
+        <a:font script="Telu" typeface="Gautami"/>
+        <a:font script="Taml" typeface="Latha"/>
+        <a:font script="Syrc" typeface="Estrangelo Edessa"/>
+        <a:font script="Orya" typeface="Kalinga"/>
+        <a:font script="Mlym" typeface="Kartika"/>
+        <a:font script="Laoo" typeface="DokChampa"/>
+        <a:font script="Sinh" typeface="Iskoola Pota"/>
+        <a:font script="Mong" typeface="Mongolian Baiti"/>
+        <a:font script="Viet" typeface="Arial"/>
+        <a:font script="Uigh" typeface="Microsoft Uighur"/>
+        <a:font script="Geor" typeface="Sylfaen"/>
+        <a:font script="Armn" typeface="Arial"/>
+        <a:font script="Bugi" typeface="Leelawadee UI"/>
+        <a:font script="Bopo" typeface="Microsoft JhengHei"/>
+        <a:font script="Java" typeface="Javanese Text"/>
+        <a:font script="Lisu" typeface="Segoe UI"/>
+        <a:font script="Mymr" typeface="Myanmar Text"/>
+        <a:font script="Nkoo" typeface="Ebrima"/>
+        <a:font script="Olck" typeface="Nirmala UI"/>
+        <a:font script="Osma" typeface="Ebrima"/>
+        <a:font script="Phag" typeface="Phagspa"/>
+        <a:font script="Syrn" typeface="Estrangelo Edessa"/>
+        <a:font script="Syrj" typeface="Estrangelo Edessa"/>
+        <a:font script="Syre" typeface="Estrangelo Edessa"/>
+        <a:font script="Sora" typeface="Nirmala UI"/>
+        <a:font script="Tale" typeface="Microsoft Tai Le"/>
+        <a:font script="Talu" typeface="Microsoft New Tai Lue"/>
+        <a:font script="Tfng" typeface="Ebrima"/>
+      </a:minorFont>
+    </a:fontScheme>
+    <a:fmtScheme name="Office">
+      <a:fillStyleLst>
+        <a:solidFill>
+          <a:schemeClr val="phClr"/>
+        </a:solidFill>
+        <a:gradFill rotWithShape="1">
+          <a:gsLst>
+            <a:gs pos="0">
+              <a:schemeClr val="phClr">
+                <a:lumMod val="110000"/>
+                <a:satMod val="105000"/>
+                <a:tint val="67000"/>
+              </a:schemeClr>
+            </a:gs>
+            <a:gs pos="50000">
+              <a:schemeClr val="phClr">
+                <a:lumMod val="105000"/>
+                <a:satMod val="103000"/>
+                <a:tint val="73000"/>
+              </a:schemeClr>
+            </a:gs>
+            <a:gs pos="100000">
+              <a:schemeClr val="phClr">
+                <a:lumMod val="105000"/>
+                <a:satMod val="109000"/>
+                <a:tint val="81000"/>
+              </a:schemeClr>
+            </a:gs>
+          </a:gsLst>
+          <a:lin ang="5400000" scaled="0"/>
+        </a:gradFill>
+        <a:gradFill rotWithShape="1">
+          <a:gsLst>
+            <a:gs pos="0">
+              <a:schemeClr val="phClr">
+                <a:satMod val="103000"/>
+                <a:lumMod val="102000"/>
+                <a:tint val="94000"/>
+              </a:schemeClr>
+            </a:gs>
+            <a:gs pos="50000">
+              <a:schemeClr val="phClr">
+                <a:satMod val="110000"/>
+                <a:lumMod val="100000"/>
+                <a:shade val="100000"/>
+              </a:schemeClr>
+            </a:gs>
+            <a:gs pos="100000">
+              <a:schemeClr val="phClr">
+                <a:lumMod val="99000"/>
+                <a:satMod val="120000"/>
+                <a:shade val="78000"/>
+              </a:schemeClr>
+            </a:gs>
+          </a:gsLst>
+          <a:lin ang="5400000" scaled="0"/>
+        </a:gradFill>
+      </a:fillStyleLst>
+      <a:lnStyleLst>
+        <a:ln w="6350" cap="flat" cmpd="sng" algn="ctr">
+          <a:solidFill>
+            <a:schemeClr val="phClr"/>
+          </a:solidFill>
+          <a:prstDash val="solid"/>
+          <a:miter lim="800000"/>
+        </a:ln>
+        <a:ln w="12700" cap="flat" cmpd="sng" algn="ctr">
+          <a:solidFill>
+            <a:schemeClr val="phClr"/>
+          </a:solidFill>
+          <a:prstDash val="solid"/>
+          <a:miter lim="800000"/>
+        </a:ln>
+        <a:ln w="19050" cap="flat" cmpd="sng" algn="ctr">
+          <a:solidFill>
+            <a:schemeClr val="phClr"/>
+          </a:solidFill>
+          <a:prstDash val="solid"/>
+          <a:miter lim="800000"/>
+        </a:ln>
+      </a:lnStyleLst>
+      <a:effectStyleLst>
+        <a:effectStyle>
+          <a:effectLst/>
+        </a:effectStyle>
+        <a:effectStyle>
+          <a:effectLst/>
+        </a:effectStyle>
+        <a:effectStyle>
+          <a:effectLst>
+            <a:outerShdw blurRad="57150" dist="19050" dir="5400000" algn="ctr" rotWithShape="0">
+              <a:srgbClr val="000000">
+                <a:alpha val="63000"/>
+              </a:srgbClr>
+            </a:outerShdw>
+          </a:effectLst>
+        </a:effectStyle>
+      </a:effectStyleLst>
+      <a:bgFillStyleLst>
+        <a:solidFill>
+          <a:schemeClr val="phClr"/>
+        </a:solidFill>
+        <a:solidFill>
+          <a:schemeClr val="phClr">
+            <a:tint val="95000"/>
+            <a:satMod val="170000"/>
+          </a:schemeClr>
+        </a:solidFill>
+        <a:gradFill rotWithShape="1">
+          <a:gsLst>
+            <a:gs pos="0">
+              <a:schemeClr val="phClr">
+                <a:tint val="93000"/>
+                <a:satMod val="150000"/>
+                <a:shade val="98000"/>
+                <a:lumMod val="102000"/>
+              </a:schemeClr>
+            </a:gs>
+            <a:gs pos="50000">
+              <a:schemeClr val="phClr">
+                <a:tint val="98000"/>
+                <a:satMod val="130000"/>
+                <a:shade val="90000"/>
+                <a:lumMod val="103000"/>
+              </a:schemeClr>
+            </a:gs>
+            <a:gs pos="100000">
+              <a:schemeClr val="phClr">
+                <a:shade val="63000"/>
+                <a:satMod val="120000"/>
+              </a:schemeClr>
+            </a:gs>
+          </a:gsLst>
+          <a:lin ang="5400000" scaled="0"/>
+        </a:gradFill>
+      </a:bgFillStyleLst>
+    </a:fmtScheme>
+  </a:themeElements>
+  <a:objectDefaults/>
+  <a:extraClrSchemeLst/>
+  <a:extLst>
+    <a:ext uri="{05A4C25C-085E-4340-85A3-A5531E510DB2}">
+      <thm15:themeFamily xmlns:thm15="http://schemas.microsoft.com/office/thememl/2012/main" name="Office Theme" id="{62F939B6-93AF-4DB8-9C6B-D6C7DFDC589F}" vid="{4A3C46E8-61CC-4603-A589-7422A47A8E4A}"/>
+    </a:ext>
+  </a:extLst>
+</a:theme>
 </file>
--- a/vr_ideas.pptx
+++ b/vr_ideas.pptx
@@ -5,7 +5,7 @@
     <p:sldMasterId id="2147483648" r:id="rId1"/>
   </p:sldMasterIdLst>
   <p:notesMasterIdLst>
-    <p:notesMasterId r:id="rId22"/>
+    <p:notesMasterId r:id="rId23"/>
   </p:notesMasterIdLst>
   <p:sldIdLst>
     <p:sldId id="290" r:id="rId2"/>
@@ -15,19 +15,20 @@
     <p:sldId id="292" r:id="rId6"/>
     <p:sldId id="289" r:id="rId7"/>
     <p:sldId id="287" r:id="rId8"/>
-    <p:sldId id="275" r:id="rId9"/>
-    <p:sldId id="277" r:id="rId10"/>
-    <p:sldId id="278" r:id="rId11"/>
-    <p:sldId id="279" r:id="rId12"/>
-    <p:sldId id="274" r:id="rId13"/>
-    <p:sldId id="267" r:id="rId14"/>
-    <p:sldId id="268" r:id="rId15"/>
-    <p:sldId id="282" r:id="rId16"/>
-    <p:sldId id="285" r:id="rId17"/>
-    <p:sldId id="284" r:id="rId18"/>
-    <p:sldId id="273" r:id="rId19"/>
-    <p:sldId id="276" r:id="rId20"/>
-    <p:sldId id="283" r:id="rId21"/>
+    <p:sldId id="293" r:id="rId9"/>
+    <p:sldId id="275" r:id="rId10"/>
+    <p:sldId id="277" r:id="rId11"/>
+    <p:sldId id="278" r:id="rId12"/>
+    <p:sldId id="279" r:id="rId13"/>
+    <p:sldId id="274" r:id="rId14"/>
+    <p:sldId id="267" r:id="rId15"/>
+    <p:sldId id="268" r:id="rId16"/>
+    <p:sldId id="282" r:id="rId17"/>
+    <p:sldId id="285" r:id="rId18"/>
+    <p:sldId id="284" r:id="rId19"/>
+    <p:sldId id="273" r:id="rId20"/>
+    <p:sldId id="276" r:id="rId21"/>
+    <p:sldId id="283" r:id="rId22"/>
   </p:sldIdLst>
   <p:sldSz cx="12192000" cy="6858000"/>
   <p:notesSz cx="6858000" cy="9144000"/>
@@ -134,6 +135,18 @@
 </p:presentation>
 </file>
 
+<file path=ppt/commentAuthors.xml><?xml version="1.0" encoding="utf-8"?>
+<p:cmAuthorLst xmlns:a="http://schemas.openxmlformats.org/drawingml/2006/main" xmlns:r="http://schemas.openxmlformats.org/officeDocument/2006/relationships" xmlns:p="http://schemas.openxmlformats.org/presentationml/2006/main">
+  <p:cmAuthor id="1" name="ztsv" initials="z" lastIdx="1" clrIdx="0">
+    <p:extLst>
+      <p:ext uri="{19B8F6BF-5375-455C-9EA6-DF929625EA0E}">
+        <p15:presenceInfo xmlns:p15="http://schemas.microsoft.com/office/powerpoint/2012/main" userId="ztsv" providerId="None"/>
+      </p:ext>
+    </p:extLst>
+  </p:cmAuthor>
+</p:cmAuthorLst>
+</file>
+
 <file path=ppt/notesMasters/notesMaster1.xml><?xml version="1.0" encoding="utf-8"?>
 <p:notesMaster xmlns:a="http://schemas.openxmlformats.org/drawingml/2006/main" xmlns:r="http://schemas.openxmlformats.org/officeDocument/2006/relationships" xmlns:p="http://schemas.openxmlformats.org/presentationml/2006/main">
   <p:cSld>
@@ -216,7 +229,7 @@
           <a:p>
             <a:fld id="{226D74B0-6C57-4FA4-9FE1-2A6E59B6F98D}" type="datetimeFigureOut">
               <a:rPr lang="en-US" smtClean="0"/>
-              <a:t>3/13/2024</a:t>
+              <a:t>3/14/2024</a:t>
             </a:fld>
             <a:endParaRPr lang="en-US"/>
           </a:p>
@@ -714,7 +727,7 @@
           <a:p>
             <a:fld id="{0C2A5F5B-2DB5-4C9B-B364-17ABFCD68F74}" type="datetimeFigureOut">
               <a:rPr lang="en-US" smtClean="0"/>
-              <a:t>3/13/2024</a:t>
+              <a:t>3/14/2024</a:t>
             </a:fld>
             <a:endParaRPr lang="en-US"/>
           </a:p>
@@ -912,7 +925,7 @@
           <a:p>
             <a:fld id="{0C2A5F5B-2DB5-4C9B-B364-17ABFCD68F74}" type="datetimeFigureOut">
               <a:rPr lang="en-US" smtClean="0"/>
-              <a:t>3/13/2024</a:t>
+              <a:t>3/14/2024</a:t>
             </a:fld>
             <a:endParaRPr lang="en-US"/>
           </a:p>
@@ -1120,7 +1133,7 @@
           <a:p>
             <a:fld id="{0C2A5F5B-2DB5-4C9B-B364-17ABFCD68F74}" type="datetimeFigureOut">
               <a:rPr lang="en-US" smtClean="0"/>
-              <a:t>3/13/2024</a:t>
+              <a:t>3/14/2024</a:t>
             </a:fld>
             <a:endParaRPr lang="en-US"/>
           </a:p>
@@ -1318,7 +1331,7 @@
           <a:p>
             <a:fld id="{0C2A5F5B-2DB5-4C9B-B364-17ABFCD68F74}" type="datetimeFigureOut">
               <a:rPr lang="en-US" smtClean="0"/>
-              <a:t>3/13/2024</a:t>
+              <a:t>3/14/2024</a:t>
             </a:fld>
             <a:endParaRPr lang="en-US"/>
           </a:p>
@@ -1593,7 +1606,7 @@
           <a:p>
             <a:fld id="{0C2A5F5B-2DB5-4C9B-B364-17ABFCD68F74}" type="datetimeFigureOut">
               <a:rPr lang="en-US" smtClean="0"/>
-              <a:t>3/13/2024</a:t>
+              <a:t>3/14/2024</a:t>
             </a:fld>
             <a:endParaRPr lang="en-US"/>
           </a:p>
@@ -1858,7 +1871,7 @@
           <a:p>
             <a:fld id="{0C2A5F5B-2DB5-4C9B-B364-17ABFCD68F74}" type="datetimeFigureOut">
               <a:rPr lang="en-US" smtClean="0"/>
-              <a:t>3/13/2024</a:t>
+              <a:t>3/14/2024</a:t>
             </a:fld>
             <a:endParaRPr lang="en-US"/>
           </a:p>
@@ -2270,7 +2283,7 @@
           <a:p>
             <a:fld id="{0C2A5F5B-2DB5-4C9B-B364-17ABFCD68F74}" type="datetimeFigureOut">
               <a:rPr lang="en-US" smtClean="0"/>
-              <a:t>3/13/2024</a:t>
+              <a:t>3/14/2024</a:t>
             </a:fld>
             <a:endParaRPr lang="en-US"/>
           </a:p>
@@ -2411,7 +2424,7 @@
           <a:p>
             <a:fld id="{0C2A5F5B-2DB5-4C9B-B364-17ABFCD68F74}" type="datetimeFigureOut">
               <a:rPr lang="en-US" smtClean="0"/>
-              <a:t>3/13/2024</a:t>
+              <a:t>3/14/2024</a:t>
             </a:fld>
             <a:endParaRPr lang="en-US"/>
           </a:p>
@@ -2524,7 +2537,7 @@
           <a:p>
             <a:fld id="{0C2A5F5B-2DB5-4C9B-B364-17ABFCD68F74}" type="datetimeFigureOut">
               <a:rPr lang="en-US" smtClean="0"/>
-              <a:t>3/13/2024</a:t>
+              <a:t>3/14/2024</a:t>
             </a:fld>
             <a:endParaRPr lang="en-US"/>
           </a:p>
@@ -2835,7 +2848,7 @@
           <a:p>
             <a:fld id="{0C2A5F5B-2DB5-4C9B-B364-17ABFCD68F74}" type="datetimeFigureOut">
               <a:rPr lang="en-US" smtClean="0"/>
-              <a:t>3/13/2024</a:t>
+              <a:t>3/14/2024</a:t>
             </a:fld>
             <a:endParaRPr lang="en-US"/>
           </a:p>
@@ -3123,7 +3136,7 @@
           <a:p>
             <a:fld id="{0C2A5F5B-2DB5-4C9B-B364-17ABFCD68F74}" type="datetimeFigureOut">
               <a:rPr lang="en-US" smtClean="0"/>
-              <a:t>3/13/2024</a:t>
+              <a:t>3/14/2024</a:t>
             </a:fld>
             <a:endParaRPr lang="en-US"/>
           </a:p>
@@ -3364,7 +3377,7 @@
           <a:p>
             <a:fld id="{0C2A5F5B-2DB5-4C9B-B364-17ABFCD68F74}" type="datetimeFigureOut">
               <a:rPr lang="en-US" smtClean="0"/>
-              <a:t>3/13/2024</a:t>
+              <a:t>3/14/2024</a:t>
             </a:fld>
             <a:endParaRPr lang="en-US"/>
           </a:p>
@@ -3920,7 +3933,7 @@
           <a:p>
             <a:r>
               <a:rPr lang="en-US" b="1" dirty="0"/>
-              <a:t>Verbal memory</a:t>
+              <a:t>Number memory</a:t>
             </a:r>
           </a:p>
         </p:txBody>
@@ -3955,27 +3968,19 @@
           <a:p>
             <a:r>
               <a:rPr lang="en-US" dirty="0"/>
-              <a:t>Idea: Remember (see or listen) as many words in a limited amount of time as possible.</a:t>
-            </a:r>
-          </a:p>
-          <a:p>
-            <a:r>
-              <a:rPr lang="en-US" dirty="0"/>
-              <a:t>Difficulty: Longer lists of words; Grammatically incorrect words.</a:t>
-            </a:r>
-          </a:p>
-          <a:p>
-            <a:r>
-              <a:rPr lang="en-US" dirty="0"/>
-              <a:t>ML-Agent: </a:t>
-            </a:r>
-            <a:r>
-              <a:rPr lang="en-US"/>
-              <a:t>Hints; AI </a:t>
-            </a:r>
-            <a:r>
-              <a:rPr lang="en-US" dirty="0"/>
-              <a:t>competitor.</a:t>
+              <a:t>Idea: user sees / listens to a number sequence and then tries to reconstruct it.</a:t>
+            </a:r>
+          </a:p>
+          <a:p>
+            <a:r>
+              <a:rPr lang="en-US" dirty="0"/>
+              <a:t>Difficulty: longer sequence / sequence backwards.</a:t>
+            </a:r>
+          </a:p>
+          <a:p>
+            <a:r>
+              <a:rPr lang="en-US" dirty="0"/>
+              <a:t>ML-Agent: Track user performance on recalling numbers of different lengths and presentations (forward vs backward); generate numbers with specific difficulty levels (e.g., specific digit sequences or lengths) to target user weaknesses.</a:t>
             </a:r>
           </a:p>
         </p:txBody>
@@ -3983,7 +3988,7 @@
     </p:spTree>
     <p:extLst>
       <p:ext uri="{BB962C8B-B14F-4D97-AF65-F5344CB8AC3E}">
-        <p14:creationId xmlns:p14="http://schemas.microsoft.com/office/powerpoint/2010/main" val="3523277898"/>
+        <p14:creationId xmlns:p14="http://schemas.microsoft.com/office/powerpoint/2010/main" val="1922651585"/>
       </p:ext>
     </p:extLst>
   </p:cSld>
@@ -4038,7 +4043,7 @@
           <a:p>
             <a:r>
               <a:rPr lang="en-US" b="1" dirty="0"/>
-              <a:t>Chimp test</a:t>
+              <a:t>Verbal memory</a:t>
             </a:r>
           </a:p>
         </p:txBody>
@@ -4073,19 +4078,27 @@
           <a:p>
             <a:r>
               <a:rPr lang="en-US" dirty="0"/>
-              <a:t>Idea: display a sequence of numbers on the screen in a grid. Once a user clicks the first number, the sequence disappears and the task is to remember on which positions numbers where placed.</a:t>
-            </a:r>
-          </a:p>
-          <a:p>
-            <a:r>
-              <a:rPr lang="en-US" dirty="0"/>
-              <a:t>Difficulty: Longer sequences; Time limitation.</a:t>
+              <a:t>Idea: Remember (see or listen) as many words in a limited amount of time as possible.</a:t>
+            </a:r>
+          </a:p>
+          <a:p>
+            <a:r>
+              <a:rPr lang="en-US" dirty="0"/>
+              <a:t>Difficulty: Longer lists of words; Grammatically incorrect words.</a:t>
             </a:r>
           </a:p>
           <a:p>
             <a:r>
               <a:rPr lang="en-US" dirty="0"/>
               <a:t>ML-Agent: </a:t>
+            </a:r>
+            <a:r>
+              <a:rPr lang="en-US"/>
+              <a:t>Hints; AI </a:t>
+            </a:r>
+            <a:r>
+              <a:rPr lang="en-US" dirty="0"/>
+              <a:t>competitor.</a:t>
             </a:r>
           </a:p>
         </p:txBody>
@@ -4093,7 +4106,7 @@
     </p:spTree>
     <p:extLst>
       <p:ext uri="{BB962C8B-B14F-4D97-AF65-F5344CB8AC3E}">
-        <p14:creationId xmlns:p14="http://schemas.microsoft.com/office/powerpoint/2010/main" val="2999770154"/>
+        <p14:creationId xmlns:p14="http://schemas.microsoft.com/office/powerpoint/2010/main" val="3523277898"/>
       </p:ext>
     </p:extLst>
   </p:cSld>
@@ -4148,9 +4161,8 @@
           <a:p>
             <a:r>
               <a:rPr lang="en-US" b="1" dirty="0"/>
-              <a:t>Visual memory</a:t>
-            </a:r>
-            <a:endParaRPr lang="en-US" dirty="0"/>
+              <a:t>Chimp test</a:t>
+            </a:r>
           </a:p>
         </p:txBody>
       </p:sp>
@@ -4184,13 +4196,13 @@
           <a:p>
             <a:r>
               <a:rPr lang="en-US" dirty="0"/>
-              <a:t>Idea: user sees a grid of empty squares; Some of the squares are highlighted and then fade and the task is to identify which squares were highlighted.</a:t>
-            </a:r>
-          </a:p>
-          <a:p>
-            <a:r>
-              <a:rPr lang="en-US" dirty="0"/>
-              <a:t>Difficulty: Longer sequences of squares; Faster highlight fade; Limited time.</a:t>
+              <a:t>Idea: display a sequence of numbers on the screen in a grid. Once a user clicks the first number, the sequence disappears and the task is to remember on which positions numbers where placed.</a:t>
+            </a:r>
+          </a:p>
+          <a:p>
+            <a:r>
+              <a:rPr lang="en-US" dirty="0"/>
+              <a:t>Difficulty: Longer sequences; Time limitation.</a:t>
             </a:r>
           </a:p>
           <a:p>
@@ -4204,7 +4216,7 @@
     </p:spTree>
     <p:extLst>
       <p:ext uri="{BB962C8B-B14F-4D97-AF65-F5344CB8AC3E}">
-        <p14:creationId xmlns:p14="http://schemas.microsoft.com/office/powerpoint/2010/main" val="2995919494"/>
+        <p14:creationId xmlns:p14="http://schemas.microsoft.com/office/powerpoint/2010/main" val="2999770154"/>
       </p:ext>
     </p:extLst>
   </p:cSld>
@@ -4259,8 +4271,9 @@
           <a:p>
             <a:r>
               <a:rPr lang="en-US" b="1" dirty="0"/>
-              <a:t>Objects memorization</a:t>
-            </a:r>
+              <a:t>Visual memory</a:t>
+            </a:r>
+            <a:endParaRPr lang="en-US" dirty="0"/>
           </a:p>
         </p:txBody>
       </p:sp>
@@ -4294,13 +4307,13 @@
           <a:p>
             <a:r>
               <a:rPr lang="en-US" dirty="0"/>
-              <a:t>Idea: user sees a bunch of objects and the task is to recall which objects were shown</a:t>
-            </a:r>
-          </a:p>
-          <a:p>
-            <a:r>
-              <a:rPr lang="en-US" dirty="0"/>
-              <a:t>Difficulty: More objects; Some objects are the same and the task is to also recall the number of the same objects shown.</a:t>
+              <a:t>Idea: user sees a grid of empty squares; Some of the squares are highlighted and then fade and the task is to identify which squares were highlighted.</a:t>
+            </a:r>
+          </a:p>
+          <a:p>
+            <a:r>
+              <a:rPr lang="en-US" dirty="0"/>
+              <a:t>Difficulty: Longer sequences of squares; Faster highlight fade; Limited time.</a:t>
             </a:r>
           </a:p>
           <a:p>
@@ -4314,7 +4327,7 @@
     </p:spTree>
     <p:extLst>
       <p:ext uri="{BB962C8B-B14F-4D97-AF65-F5344CB8AC3E}">
-        <p14:creationId xmlns:p14="http://schemas.microsoft.com/office/powerpoint/2010/main" val="701296778"/>
+        <p14:creationId xmlns:p14="http://schemas.microsoft.com/office/powerpoint/2010/main" val="2995919494"/>
       </p:ext>
     </p:extLst>
   </p:cSld>
@@ -4369,7 +4382,7 @@
           <a:p>
             <a:r>
               <a:rPr lang="en-US" b="1" dirty="0"/>
-              <a:t>Match the Melody</a:t>
+              <a:t>Objects memorization</a:t>
             </a:r>
           </a:p>
         </p:txBody>
@@ -4404,13 +4417,13 @@
           <a:p>
             <a:r>
               <a:rPr lang="en-US" dirty="0"/>
-              <a:t>Idea: User listens to a short melody and then replicates it by selecting notes or tapping buttons in the correct sequence.</a:t>
-            </a:r>
-          </a:p>
-          <a:p>
-            <a:r>
-              <a:rPr lang="en-US" dirty="0"/>
-              <a:t>Difficulty increase: Increased complexity of melodies (more notes, longer sequences, wider range of intervals).</a:t>
+              <a:t>Idea: user sees a bunch of objects and the task is to recall which objects were shown</a:t>
+            </a:r>
+          </a:p>
+          <a:p>
+            <a:r>
+              <a:rPr lang="en-US" dirty="0"/>
+              <a:t>Difficulty: More objects; Some objects are the same and the task is to also recall the number of the same objects shown.</a:t>
             </a:r>
           </a:p>
           <a:p>
@@ -4424,7 +4437,7 @@
     </p:spTree>
     <p:extLst>
       <p:ext uri="{BB962C8B-B14F-4D97-AF65-F5344CB8AC3E}">
-        <p14:creationId xmlns:p14="http://schemas.microsoft.com/office/powerpoint/2010/main" val="1989682846"/>
+        <p14:creationId xmlns:p14="http://schemas.microsoft.com/office/powerpoint/2010/main" val="701296778"/>
       </p:ext>
     </p:extLst>
   </p:cSld>
@@ -4479,7 +4492,7 @@
           <a:p>
             <a:r>
               <a:rPr lang="en-US" b="1" dirty="0"/>
-              <a:t>Multitasking</a:t>
+              <a:t>Match the Melody</a:t>
             </a:r>
           </a:p>
         </p:txBody>
@@ -4514,30 +4527,27 @@
           <a:p>
             <a:r>
               <a:rPr lang="en-US" dirty="0"/>
-              <a:t>Idea: User completes multiple mini-challenges simultaneously, like remembering a sequence while dodging obstacles.</a:t>
-            </a:r>
-          </a:p>
-          <a:p>
-            <a:r>
-              <a:rPr lang="en-US" dirty="0"/>
-              <a:t>Difficulty: Introduce more tasks; Make tasks more difficult.</a:t>
-            </a:r>
-          </a:p>
-          <a:p>
-            <a:r>
-              <a:rPr lang="en-US" dirty="0"/>
-              <a:t>ML-Agent: track user's focus and adjust task difficulty to optimize cognitive load.</a:t>
-            </a:r>
-          </a:p>
-          <a:p>
-            <a:endParaRPr lang="en-US" dirty="0"/>
+              <a:t>Idea: User listens to a short melody and then replicates it by selecting notes or tapping buttons in the correct sequence.</a:t>
+            </a:r>
+          </a:p>
+          <a:p>
+            <a:r>
+              <a:rPr lang="en-US" dirty="0"/>
+              <a:t>Difficulty increase: Increased complexity of melodies (more notes, longer sequences, wider range of intervals).</a:t>
+            </a:r>
+          </a:p>
+          <a:p>
+            <a:r>
+              <a:rPr lang="en-US" dirty="0"/>
+              <a:t>ML-Agent: </a:t>
+            </a:r>
           </a:p>
         </p:txBody>
       </p:sp>
     </p:spTree>
     <p:extLst>
       <p:ext uri="{BB962C8B-B14F-4D97-AF65-F5344CB8AC3E}">
-        <p14:creationId xmlns:p14="http://schemas.microsoft.com/office/powerpoint/2010/main" val="3972047280"/>
+        <p14:creationId xmlns:p14="http://schemas.microsoft.com/office/powerpoint/2010/main" val="1989682846"/>
       </p:ext>
     </p:extLst>
   </p:cSld>
@@ -4592,7 +4602,7 @@
           <a:p>
             <a:r>
               <a:rPr lang="en-US" b="1" dirty="0"/>
-              <a:t>Color matching</a:t>
+              <a:t>Multitasking</a:t>
             </a:r>
           </a:p>
         </p:txBody>
@@ -4627,27 +4637,30 @@
           <a:p>
             <a:r>
               <a:rPr lang="en-US" dirty="0"/>
-              <a:t>Idea: Players are presented with colored objects or tiles, and they need to match them based on color.</a:t>
-            </a:r>
-          </a:p>
-          <a:p>
-            <a:r>
-              <a:rPr lang="en-US" dirty="0"/>
-              <a:t>Difficulty: As the game progresses, the number of colors or the complexity of the patterns increases.</a:t>
-            </a:r>
-          </a:p>
-          <a:p>
-            <a:r>
-              <a:rPr lang="en-US" dirty="0"/>
-              <a:t>ML-Agent: Dynamically adjust the difficulty level based on the player's performance. For example, ML could analyze the player's reaction time and accuracy to determine when to introduce new colors or increase the speed of color changes.</a:t>
-            </a:r>
+              <a:t>Idea: User completes multiple mini-challenges simultaneously, like remembering a sequence while dodging obstacles.</a:t>
+            </a:r>
+          </a:p>
+          <a:p>
+            <a:r>
+              <a:rPr lang="en-US" dirty="0"/>
+              <a:t>Difficulty: Introduce more tasks; Make tasks more difficult.</a:t>
+            </a:r>
+          </a:p>
+          <a:p>
+            <a:r>
+              <a:rPr lang="en-US" dirty="0"/>
+              <a:t>ML-Agent: track user's focus and adjust task difficulty to optimize cognitive load.</a:t>
+            </a:r>
+          </a:p>
+          <a:p>
+            <a:endParaRPr lang="en-US" dirty="0"/>
           </a:p>
         </p:txBody>
       </p:sp>
     </p:spTree>
     <p:extLst>
       <p:ext uri="{BB962C8B-B14F-4D97-AF65-F5344CB8AC3E}">
-        <p14:creationId xmlns:p14="http://schemas.microsoft.com/office/powerpoint/2010/main" val="3297586470"/>
+        <p14:creationId xmlns:p14="http://schemas.microsoft.com/office/powerpoint/2010/main" val="3972047280"/>
       </p:ext>
     </p:extLst>
   </p:cSld>
@@ -4702,7 +4715,7 @@
           <a:p>
             <a:r>
               <a:rPr lang="en-US" b="1" dirty="0"/>
-              <a:t>Pattern recognition</a:t>
+              <a:t>Color matching</a:t>
             </a:r>
           </a:p>
         </p:txBody>
@@ -4737,13 +4750,19 @@
           <a:p>
             <a:r>
               <a:rPr lang="en-US" dirty="0"/>
-              <a:t>Idea: Users are shown a sequence of patterns or shapes and must identify the next pattern in the sequence. The sequences could involve colors, shapes, or a combination of both.</a:t>
-            </a:r>
-          </a:p>
-          <a:p>
-            <a:r>
-              <a:rPr lang="en-US" dirty="0"/>
-              <a:t>Difficulty: Increase variety in sequence objects.</a:t>
+              <a:t>Idea: Players are presented with colored objects or tiles, and they need to match them based on color.</a:t>
+            </a:r>
+          </a:p>
+          <a:p>
+            <a:r>
+              <a:rPr lang="en-US" dirty="0"/>
+              <a:t>Difficulty: As the game progresses, the number of colors or the complexity of the patterns increases.</a:t>
+            </a:r>
+          </a:p>
+          <a:p>
+            <a:r>
+              <a:rPr lang="en-US" dirty="0"/>
+              <a:t>ML-Agent: Dynamically adjust the difficulty level based on the player's performance. For example, ML could analyze the player's reaction time and accuracy to determine when to introduce new colors or increase the speed of color changes.</a:t>
             </a:r>
           </a:p>
         </p:txBody>
@@ -4751,7 +4770,7 @@
     </p:spTree>
     <p:extLst>
       <p:ext uri="{BB962C8B-B14F-4D97-AF65-F5344CB8AC3E}">
-        <p14:creationId xmlns:p14="http://schemas.microsoft.com/office/powerpoint/2010/main" val="3804510452"/>
+        <p14:creationId xmlns:p14="http://schemas.microsoft.com/office/powerpoint/2010/main" val="3297586470"/>
       </p:ext>
     </p:extLst>
   </p:cSld>
@@ -4806,9 +4825,8 @@
           <a:p>
             <a:r>
               <a:rPr lang="en-US" b="1" dirty="0"/>
-              <a:t>Reaction time</a:t>
-            </a:r>
-            <a:endParaRPr lang="en-US" dirty="0"/>
+              <a:t>Pattern recognition</a:t>
+            </a:r>
           </a:p>
         </p:txBody>
       </p:sp>
@@ -4842,19 +4860,13 @@
           <a:p>
             <a:r>
               <a:rPr lang="en-US" dirty="0"/>
-              <a:t>Basic idea: Click a button on a controller as soon as something appears in front of the user / sound plays.</a:t>
-            </a:r>
-          </a:p>
-          <a:p>
-            <a:r>
-              <a:rPr lang="en-US" dirty="0"/>
-              <a:t>Difficulty: Make stimuli more subtle; Play 2 games at the same time, where 1 controller controls one game, other another game, and then you randomly switch games with each other, thus trying to confuse the user.</a:t>
-            </a:r>
-          </a:p>
-          <a:p>
-            <a:r>
-              <a:rPr lang="en-US" dirty="0"/>
-              <a:t>ML-Agent: </a:t>
+              <a:t>Idea: Users are shown a sequence of patterns or shapes and must identify the next pattern in the sequence. The sequences could involve colors, shapes, or a combination of both.</a:t>
+            </a:r>
+          </a:p>
+          <a:p>
+            <a:r>
+              <a:rPr lang="en-US" dirty="0"/>
+              <a:t>Difficulty: Increase variety in sequence objects.</a:t>
             </a:r>
           </a:p>
         </p:txBody>
@@ -4862,7 +4874,7 @@
     </p:spTree>
     <p:extLst>
       <p:ext uri="{BB962C8B-B14F-4D97-AF65-F5344CB8AC3E}">
-        <p14:creationId xmlns:p14="http://schemas.microsoft.com/office/powerpoint/2010/main" val="514114463"/>
+        <p14:creationId xmlns:p14="http://schemas.microsoft.com/office/powerpoint/2010/main" val="3804510452"/>
       </p:ext>
     </p:extLst>
   </p:cSld>
@@ -4917,8 +4929,9 @@
           <a:p>
             <a:r>
               <a:rPr lang="en-US" b="1" dirty="0"/>
-              <a:t>Aim trainer</a:t>
-            </a:r>
+              <a:t>Reaction time</a:t>
+            </a:r>
+            <a:endParaRPr lang="en-US" dirty="0"/>
           </a:p>
         </p:txBody>
       </p:sp>
@@ -4952,19 +4965,19 @@
           <a:p>
             <a:r>
               <a:rPr lang="en-US" dirty="0"/>
-              <a:t>Idea: shapes appear on a grid in front of the user and the task is to point &amp; click at the shape as fast as possible.</a:t>
-            </a:r>
-          </a:p>
-          <a:p>
-            <a:r>
-              <a:rPr lang="en-US" dirty="0"/>
-              <a:t>Difficulty: Smaller targets; Target disappear after some time; Targets move.</a:t>
-            </a:r>
-          </a:p>
-          <a:p>
-            <a:r>
-              <a:rPr lang="en-US" dirty="0"/>
-              <a:t>ML-Agent: Predict target movement patterns and subtly adjust the user's aim to improve accuracy; Track user performance and adjust the number, size, and movement of targets to optimize the challenge level.</a:t>
+              <a:t>Basic idea: Click a button on a controller as soon as something appears in front of the user / sound plays.</a:t>
+            </a:r>
+          </a:p>
+          <a:p>
+            <a:r>
+              <a:rPr lang="en-US" dirty="0"/>
+              <a:t>Difficulty: Make stimuli more subtle; Play 2 games at the same time, where 1 controller controls one game, other another game, and then you randomly switch games with each other, thus trying to confuse the user.</a:t>
+            </a:r>
+          </a:p>
+          <a:p>
+            <a:r>
+              <a:rPr lang="en-US" dirty="0"/>
+              <a:t>ML-Agent: </a:t>
             </a:r>
           </a:p>
         </p:txBody>
@@ -4972,7 +4985,7 @@
     </p:spTree>
     <p:extLst>
       <p:ext uri="{BB962C8B-B14F-4D97-AF65-F5344CB8AC3E}">
-        <p14:creationId xmlns:p14="http://schemas.microsoft.com/office/powerpoint/2010/main" val="4028642223"/>
+        <p14:creationId xmlns:p14="http://schemas.microsoft.com/office/powerpoint/2010/main" val="514114463"/>
       </p:ext>
     </p:extLst>
   </p:cSld>
@@ -5115,6 +5128,116 @@
           <p:cNvPr id="2" name="Title 1">
             <a:extLst>
               <a:ext uri="{FF2B5EF4-FFF2-40B4-BE49-F238E27FC236}">
+                <a16:creationId xmlns:a16="http://schemas.microsoft.com/office/drawing/2014/main" id="{8FD6BD41-2976-4D92-9724-E3701ACDB2B8}"/>
+              </a:ext>
+            </a:extLst>
+          </p:cNvPr>
+          <p:cNvSpPr>
+            <a:spLocks noGrp="1"/>
+          </p:cNvSpPr>
+          <p:nvPr>
+            <p:ph type="title"/>
+          </p:nvPr>
+        </p:nvSpPr>
+        <p:spPr>
+          <a:xfrm>
+            <a:off x="838200" y="0"/>
+            <a:ext cx="10515600" cy="1325563"/>
+          </a:xfrm>
+        </p:spPr>
+        <p:txBody>
+          <a:bodyPr/>
+          <a:lstStyle/>
+          <a:p>
+            <a:r>
+              <a:rPr lang="en-US" b="1" dirty="0"/>
+              <a:t>Aim trainer</a:t>
+            </a:r>
+          </a:p>
+        </p:txBody>
+      </p:sp>
+      <p:sp>
+        <p:nvSpPr>
+          <p:cNvPr id="3" name="Content Placeholder 2">
+            <a:extLst>
+              <a:ext uri="{FF2B5EF4-FFF2-40B4-BE49-F238E27FC236}">
+                <a16:creationId xmlns:a16="http://schemas.microsoft.com/office/drawing/2014/main" id="{9B3D762F-A23F-4561-99E8-27012C979DE4}"/>
+              </a:ext>
+            </a:extLst>
+          </p:cNvPr>
+          <p:cNvSpPr>
+            <a:spLocks noGrp="1"/>
+          </p:cNvSpPr>
+          <p:nvPr>
+            <p:ph idx="1"/>
+          </p:nvPr>
+        </p:nvSpPr>
+        <p:spPr>
+          <a:xfrm>
+            <a:off x="838200" y="1042738"/>
+            <a:ext cx="10515600" cy="5815262"/>
+          </a:xfrm>
+        </p:spPr>
+        <p:txBody>
+          <a:bodyPr>
+            <a:normAutofit/>
+          </a:bodyPr>
+          <a:lstStyle/>
+          <a:p>
+            <a:r>
+              <a:rPr lang="en-US" dirty="0"/>
+              <a:t>Idea: shapes appear on a grid in front of the user and the task is to point &amp; click at the shape as fast as possible.</a:t>
+            </a:r>
+          </a:p>
+          <a:p>
+            <a:r>
+              <a:rPr lang="en-US" dirty="0"/>
+              <a:t>Difficulty: Smaller targets; Target disappear after some time; Targets move.</a:t>
+            </a:r>
+          </a:p>
+          <a:p>
+            <a:r>
+              <a:rPr lang="en-US" dirty="0"/>
+              <a:t>ML-Agent: Predict target movement patterns and subtly adjust the user's aim to improve accuracy; Track user performance and adjust the number, size, and movement of targets to optimize the challenge level.</a:t>
+            </a:r>
+          </a:p>
+        </p:txBody>
+      </p:sp>
+    </p:spTree>
+    <p:extLst>
+      <p:ext uri="{BB962C8B-B14F-4D97-AF65-F5344CB8AC3E}">
+        <p14:creationId xmlns:p14="http://schemas.microsoft.com/office/powerpoint/2010/main" val="4028642223"/>
+      </p:ext>
+    </p:extLst>
+  </p:cSld>
+  <p:clrMapOvr>
+    <a:masterClrMapping/>
+  </p:clrMapOvr>
+</p:sld>
+</file>
+
+<file path=ppt/slides/slide21.xml><?xml version="1.0" encoding="utf-8"?>
+<p:sld xmlns:a="http://schemas.openxmlformats.org/drawingml/2006/main" xmlns:r="http://schemas.openxmlformats.org/officeDocument/2006/relationships" xmlns:p="http://schemas.openxmlformats.org/presentationml/2006/main">
+  <p:cSld>
+    <p:spTree>
+      <p:nvGrpSpPr>
+        <p:cNvPr id="1" name=""/>
+        <p:cNvGrpSpPr/>
+        <p:nvPr/>
+      </p:nvGrpSpPr>
+      <p:grpSpPr>
+        <a:xfrm>
+          <a:off x="0" y="0"/>
+          <a:ext cx="0" cy="0"/>
+          <a:chOff x="0" y="0"/>
+          <a:chExt cx="0" cy="0"/>
+        </a:xfrm>
+      </p:grpSpPr>
+      <p:sp>
+        <p:nvSpPr>
+          <p:cNvPr id="2" name="Title 1">
+            <a:extLst>
+              <a:ext uri="{FF2B5EF4-FFF2-40B4-BE49-F238E27FC236}">
                 <a16:creationId xmlns:a16="http://schemas.microsoft.com/office/drawing/2014/main" id="{135F3A21-32E4-42BD-B5EF-F62191E14F67}"/>
               </a:ext>
             </a:extLst>
@@ -5843,8 +5966,9 @@
           <a:p>
             <a:r>
               <a:rPr lang="en-US" b="1" dirty="0"/>
-              <a:t>Sequence memory</a:t>
-            </a:r>
+              <a:t>Reproduce Music</a:t>
+            </a:r>
+            <a:endParaRPr lang="en-US" dirty="0"/>
           </a:p>
         </p:txBody>
       </p:sp>
@@ -5878,19 +6002,35 @@
           <a:p>
             <a:r>
               <a:rPr lang="en-US" dirty="0"/>
-              <a:t>Idea: introduce a grid of buttons; the task is to remember an increasingly longer pattern of button presses; each button has its own unique sound.</a:t>
-            </a:r>
-          </a:p>
-          <a:p>
-            <a:r>
-              <a:rPr lang="en-US" dirty="0"/>
-              <a:t>Difficulty: longer sequences, multiple sequences at the same time.</a:t>
-            </a:r>
-          </a:p>
-          <a:p>
-            <a:r>
-              <a:rPr lang="en-US" dirty="0"/>
-              <a:t>ML-Agent: generate new sequences that target the user's specific weaknesses (e.g., sequences with repeating patterns or specific button combinations)</a:t>
+              <a:t>Basic idea</a:t>
+            </a:r>
+            <a:r>
+              <a:rPr lang="en-US"/>
+              <a:t>: </a:t>
+            </a:r>
+            <a:r>
+              <a:rPr lang="en-US" dirty="0"/>
+              <a:t>U</a:t>
+            </a:r>
+            <a:r>
+              <a:rPr lang="en-US"/>
+              <a:t>ser </a:t>
+            </a:r>
+            <a:r>
+              <a:rPr lang="en-US" dirty="0"/>
+              <a:t>is given a simple keyboard (e.g. with 5 notes). The task is to correctly press the keyboard notes and reproduce the sound.</a:t>
+            </a:r>
+          </a:p>
+          <a:p>
+            <a:r>
+              <a:rPr lang="en-US" dirty="0"/>
+              <a:t>Difficulty: At first, you highlight the keyboard notes that are emitting a specific sound. Then, we increase the difficulty and emit sounds without highlighting the notes; Introduce correct timing feature (stay in beat); Muscle memory (only with hand tracking): remove keyboard completely.</a:t>
+            </a:r>
+          </a:p>
+          <a:p>
+            <a:r>
+              <a:rPr lang="en-US" dirty="0"/>
+              <a:t>ML-Agent: Dynamic music generation; Adaptive difficulty.</a:t>
             </a:r>
           </a:p>
         </p:txBody>
@@ -5898,7 +6038,7 @@
     </p:spTree>
     <p:extLst>
       <p:ext uri="{BB962C8B-B14F-4D97-AF65-F5344CB8AC3E}">
-        <p14:creationId xmlns:p14="http://schemas.microsoft.com/office/powerpoint/2010/main" val="598358051"/>
+        <p14:creationId xmlns:p14="http://schemas.microsoft.com/office/powerpoint/2010/main" val="2240021515"/>
       </p:ext>
     </p:extLst>
   </p:cSld>
@@ -5953,7 +6093,7 @@
           <a:p>
             <a:r>
               <a:rPr lang="en-US" b="1" dirty="0"/>
-              <a:t>Number memory</a:t>
+              <a:t>Sequence memory</a:t>
             </a:r>
           </a:p>
         </p:txBody>
@@ -5988,19 +6128,19 @@
           <a:p>
             <a:r>
               <a:rPr lang="en-US" dirty="0"/>
-              <a:t>Idea: user sees / listens to a number sequence and then tries to reconstruct it.</a:t>
-            </a:r>
-          </a:p>
-          <a:p>
-            <a:r>
-              <a:rPr lang="en-US" dirty="0"/>
-              <a:t>Difficulty: longer sequence / sequence backwards.</a:t>
-            </a:r>
-          </a:p>
-          <a:p>
-            <a:r>
-              <a:rPr lang="en-US" dirty="0"/>
-              <a:t>ML-Agent: Track user performance on recalling numbers of different lengths and presentations (forward vs backward); generate numbers with specific difficulty levels (e.g., specific digit sequences or lengths) to target user weaknesses.</a:t>
+              <a:t>Idea: introduce a grid of buttons; the task is to remember an increasingly longer pattern of button presses; each button has its own unique sound.</a:t>
+            </a:r>
+          </a:p>
+          <a:p>
+            <a:r>
+              <a:rPr lang="en-US" dirty="0"/>
+              <a:t>Difficulty: longer sequences, multiple sequences at the same time.</a:t>
+            </a:r>
+          </a:p>
+          <a:p>
+            <a:r>
+              <a:rPr lang="en-US" dirty="0"/>
+              <a:t>ML-Agent: generate new sequences that target the user's specific weaknesses (e.g., sequences with repeating patterns or specific button combinations)</a:t>
             </a:r>
           </a:p>
         </p:txBody>
@@ -6008,7 +6148,7 @@
     </p:spTree>
     <p:extLst>
       <p:ext uri="{BB962C8B-B14F-4D97-AF65-F5344CB8AC3E}">
-        <p14:creationId xmlns:p14="http://schemas.microsoft.com/office/powerpoint/2010/main" val="1922651585"/>
+        <p14:creationId xmlns:p14="http://schemas.microsoft.com/office/powerpoint/2010/main" val="598358051"/>
       </p:ext>
     </p:extLst>
   </p:cSld>

--- a/vr_ideas.pptx
+++ b/vr_ideas.pptx
@@ -8,11 +8,11 @@
     <p:notesMasterId r:id="rId23"/>
   </p:notesMasterIdLst>
   <p:sldIdLst>
-    <p:sldId id="290" r:id="rId2"/>
-    <p:sldId id="259" r:id="rId3"/>
+    <p:sldId id="259" r:id="rId2"/>
+    <p:sldId id="292" r:id="rId3"/>
     <p:sldId id="291" r:id="rId4"/>
     <p:sldId id="281" r:id="rId5"/>
-    <p:sldId id="292" r:id="rId6"/>
+    <p:sldId id="290" r:id="rId6"/>
     <p:sldId id="289" r:id="rId7"/>
     <p:sldId id="287" r:id="rId8"/>
     <p:sldId id="293" r:id="rId9"/>
@@ -561,7 +561,7 @@
           <a:p>
             <a:fld id="{D8C873E1-58BB-42E9-872D-EE69A8DA255C}" type="slidenum">
               <a:rPr lang="en-US" smtClean="0"/>
-              <a:t>5</a:t>
+              <a:t>2</a:t>
             </a:fld>
             <a:endParaRPr lang="en-US"/>
           </a:p>
@@ -3822,7 +3822,7 @@
           <a:p>
             <a:r>
               <a:rPr lang="en-US" b="1" dirty="0"/>
-              <a:t>Follow instructions</a:t>
+              <a:t>Auditory Acuity</a:t>
             </a:r>
             <a:endParaRPr lang="en-US" dirty="0"/>
           </a:p>
@@ -3847,7 +3847,7 @@
         <p:spPr>
           <a:xfrm>
             <a:off x="838200" y="1042738"/>
-            <a:ext cx="10515600" cy="5815262"/>
+            <a:ext cx="10515600" cy="5486400"/>
           </a:xfrm>
         </p:spPr>
         <p:txBody>
@@ -3858,19 +3858,19 @@
           <a:p>
             <a:r>
               <a:rPr lang="en-US" dirty="0"/>
-              <a:t>Basic idea: users are given a series of simple instructions that they must follow within a certain time limit. Instructions could involve actions like "jump," "turn left," "pick up object," or "stand still."</a:t>
-            </a:r>
-          </a:p>
-          <a:p>
-            <a:r>
-              <a:rPr lang="en-US" dirty="0"/>
-              <a:t>Difficulty: Combine multiple tasks together; Increase the speed at which instructions are given; Increase complexity of instructions; Require players to remember and execute longer sequences of instructions.</a:t>
-            </a:r>
-          </a:p>
-          <a:p>
-            <a:r>
-              <a:rPr lang="en-US" dirty="0"/>
-              <a:t>ML-Agent: Generate randomized sequences of instructions, adapting the difficulty based on the player's performance; Analyze the player's response time, accuracy, and ability to remember and execute instructions correctly. As the player progresses, ML could introduce longer sequences, more complex instructions, or even multiple instructions to be performed simultaneously</a:t>
+              <a:t>Idea: User stands in a virtual environment; Sounds play from various pre-defined locations around the user; User points their VR controller in the direction they perceive the sound originated; Points are awarded for correct identification.</a:t>
+            </a:r>
+          </a:p>
+          <a:p>
+            <a:r>
+              <a:rPr lang="en-US" dirty="0"/>
+              <a:t>Difficulty increase: Multiple sounds from different locations; Head movement; Sounds contradict the direction the user is facing; Dynamic environments with varying acoustics (caverns, forests, rooms); Complex sounds; Introduce user navigation; With eyes closed.</a:t>
+            </a:r>
+          </a:p>
+          <a:p>
+            <a:r>
+              <a:rPr lang="en-US" dirty="0"/>
+              <a:t>ML-Agent: Personalized difficulty adjustment; Sound source prediction.</a:t>
             </a:r>
           </a:p>
         </p:txBody>
@@ -3878,7 +3878,7 @@
     </p:spTree>
     <p:extLst>
       <p:ext uri="{BB962C8B-B14F-4D97-AF65-F5344CB8AC3E}">
-        <p14:creationId xmlns:p14="http://schemas.microsoft.com/office/powerpoint/2010/main" val="4091921746"/>
+        <p14:creationId xmlns:p14="http://schemas.microsoft.com/office/powerpoint/2010/main" val="4269138581"/>
       </p:ext>
     </p:extLst>
   </p:cSld>
@@ -5039,8 +5039,12 @@
           <a:lstStyle/>
           <a:p>
             <a:r>
+              <a:rPr lang="en-US" b="1"/>
+              <a:t>Indirectly Learn </a:t>
+            </a:r>
+            <a:r>
               <a:rPr lang="en-US" b="1" dirty="0"/>
-              <a:t>Auditory Acuity</a:t>
+              <a:t>Language through Exploration</a:t>
             </a:r>
             <a:endParaRPr lang="en-US" dirty="0"/>
           </a:p>
@@ -5065,30 +5069,49 @@
         <p:spPr>
           <a:xfrm>
             <a:off x="838200" y="1042738"/>
-            <a:ext cx="10515600" cy="5486400"/>
+            <a:ext cx="10515600" cy="5815262"/>
           </a:xfrm>
         </p:spPr>
         <p:txBody>
           <a:bodyPr>
-            <a:normAutofit/>
+            <a:normAutofit lnSpcReduction="10000"/>
           </a:bodyPr>
           <a:lstStyle/>
           <a:p>
             <a:r>
               <a:rPr lang="en-US" dirty="0"/>
-              <a:t>Idea: User stands in a virtual environment; Sounds play from various pre-defined locations around the user; User points their VR controller in the direction they perceive the sound originated; Points are awarded for correct identification.</a:t>
-            </a:r>
-          </a:p>
-          <a:p>
-            <a:r>
-              <a:rPr lang="en-US" dirty="0"/>
-              <a:t>Difficulty increase: Multiple sounds from different locations; Head movement; Sounds contradict the direction the user is facing; Dynamic environments with varying acoustics (caverns, forests, rooms); Complex sounds; Introduce user navigation; With eyes closed.</a:t>
-            </a:r>
-          </a:p>
-          <a:p>
-            <a:r>
-              <a:rPr lang="en-US" dirty="0"/>
-              <a:t>ML-Agent: Personalized difficulty adjustment; Sound source prediction.</a:t>
+              <a:t>Link: </a:t>
+            </a:r>
+            <a:r>
+              <a:rPr lang="en-US" dirty="0">
+                <a:hlinkClick r:id="rId3"/>
+              </a:rPr>
+              <a:t>https://openreview.net/forum?id=OUicoKgvtc&amp;utm_campaign=The%20Batch&amp;utm_medium=email&amp;_hsmi=298109300&amp;utm_content=298109300&amp;utm_source=hs_email</a:t>
+            </a:r>
+            <a:endParaRPr lang="en-US" dirty="0"/>
+          </a:p>
+          <a:p>
+            <a:r>
+              <a:rPr lang="en-US" dirty="0"/>
+              <a:t>Idea: User navigates an environment that provides text clues (find something, point to something). Based on these clues and trial &amp; error, user translates them into their own language and has an idea what words in the text clues mean.</a:t>
+            </a:r>
+          </a:p>
+          <a:p>
+            <a:r>
+              <a:rPr lang="en-US" dirty="0"/>
+              <a:t>Difficulty: Different object shapes, colors, many more ideas.</a:t>
+            </a:r>
+          </a:p>
+          <a:p>
+            <a:r>
+              <a:rPr lang="en-US" dirty="0"/>
+              <a:t>ML-Agent: Learns to navigate a simulated environment that provides text clues. If the training environment provides text that explains how to achieve the highest reward, an agent will benefit by learning to interpret written language. That is, learning to comprehend written instructions will correlate with success in maximizing rewards.</a:t>
+            </a:r>
+          </a:p>
+          <a:p>
+            <a:r>
+              <a:rPr lang="en-US" dirty="0"/>
+              <a:t>Compete against AI and see which learning strategy is best.</a:t>
             </a:r>
           </a:p>
         </p:txBody>
@@ -5096,7 +5119,7 @@
     </p:spTree>
     <p:extLst>
       <p:ext uri="{BB962C8B-B14F-4D97-AF65-F5344CB8AC3E}">
-        <p14:creationId xmlns:p14="http://schemas.microsoft.com/office/powerpoint/2010/main" val="4269138581"/>
+        <p14:creationId xmlns:p14="http://schemas.microsoft.com/office/powerpoint/2010/main" val="3006124366"/>
       </p:ext>
     </p:extLst>
   </p:cSld>
@@ -5606,7 +5629,7 @@
           <a:p>
             <a:r>
               <a:rPr lang="en-US" b="1" dirty="0"/>
-              <a:t>Learn Language through Exploration</a:t>
+              <a:t>Follow instructions</a:t>
             </a:r>
             <a:endParaRPr lang="en-US" dirty="0"/>
           </a:p>
@@ -5636,44 +5659,42 @@
         </p:spPr>
         <p:txBody>
           <a:bodyPr>
-            <a:normAutofit lnSpcReduction="10000"/>
+            <a:normAutofit/>
           </a:bodyPr>
           <a:lstStyle/>
           <a:p>
             <a:r>
               <a:rPr lang="en-US" dirty="0"/>
-              <a:t>Link: </a:t>
+              <a:t>Basic idea: users are given a series of simple instructions that they must follow within a certain time limit. Instructions could involve actions like "jump," "turn left," "pick up object," or "stand still.“; Pick up </a:t>
             </a:r>
             <a:r>
               <a:rPr lang="en-US" dirty="0">
-                <a:hlinkClick r:id="rId3"/>
+                <a:solidFill>
+                  <a:srgbClr val="FF0000"/>
+                </a:solidFill>
               </a:rPr>
-              <a:t>https://openreview.net/forum?id=OUicoKgvtc&amp;utm_campaign=The%20Batch&amp;utm_medium=email&amp;_hsmi=298109300&amp;utm_content=298109300&amp;utm_source=hs_email</a:t>
+              <a:t>RED</a:t>
+            </a:r>
+            <a:r>
+              <a:rPr lang="en-US" dirty="0"/>
+              <a:t> object -&gt; pick up RED object (</a:t>
+            </a:r>
+            <a:r>
+              <a:rPr lang="en-US"/>
+              <a:t>increase difficulty).</a:t>
             </a:r>
             <a:endParaRPr lang="en-US" dirty="0"/>
           </a:p>
           <a:p>
             <a:r>
               <a:rPr lang="en-US" dirty="0"/>
-              <a:t>Idea: User navigates an environment that provides text clues (find something, point to something). Based on these clues and trial &amp; error, user translates them into their own language and has an idea what words in the text clues mean.</a:t>
-            </a:r>
-          </a:p>
-          <a:p>
-            <a:r>
-              <a:rPr lang="en-US" dirty="0"/>
-              <a:t>Difficulty: Different object shapes, colors, many more ideas.</a:t>
-            </a:r>
-          </a:p>
-          <a:p>
-            <a:r>
-              <a:rPr lang="en-US" dirty="0"/>
-              <a:t>ML-Agent: Learns to navigate a simulated environment that provides text clues. If the training environment provides text that explains how to achieve the highest reward, an agent will benefit by learning to interpret written language. That is, learning to comprehend written instructions will correlate with success in maximizing rewards.</a:t>
-            </a:r>
-          </a:p>
-          <a:p>
-            <a:r>
-              <a:rPr lang="en-US" dirty="0"/>
-              <a:t>Compete against AI and see which learning strategy is best.</a:t>
+              <a:t>Difficulty: Combine multiple tasks together; Increase the speed at which instructions are given; Increase complexity of instructions; Require players to remember and execute longer sequences of instructions.</a:t>
+            </a:r>
+          </a:p>
+          <a:p>
+            <a:r>
+              <a:rPr lang="en-US" dirty="0"/>
+              <a:t>ML-Agent: Generate randomized sequences of instructions, adapting the difficulty based on the player's performance; Analyze the player's response time, accuracy, and ability to remember and execute instructions correctly. As the player progresses, ML could introduce longer sequences, more complex instructions, or even multiple instructions to be performed simultaneously</a:t>
             </a:r>
           </a:p>
         </p:txBody>
@@ -5681,7 +5702,7 @@
     </p:spTree>
     <p:extLst>
       <p:ext uri="{BB962C8B-B14F-4D97-AF65-F5344CB8AC3E}">
-        <p14:creationId xmlns:p14="http://schemas.microsoft.com/office/powerpoint/2010/main" val="3006124366"/>
+        <p14:creationId xmlns:p14="http://schemas.microsoft.com/office/powerpoint/2010/main" val="4091921746"/>
       </p:ext>
     </p:extLst>
   </p:cSld>

--- a/vr_ideas.pptx
+++ b/vr_ideas.pptx
@@ -5,30 +5,29 @@
     <p:sldMasterId id="2147483648" r:id="rId1"/>
   </p:sldMasterIdLst>
   <p:notesMasterIdLst>
-    <p:notesMasterId r:id="rId23"/>
+    <p:notesMasterId r:id="rId22"/>
   </p:notesMasterIdLst>
   <p:sldIdLst>
-    <p:sldId id="259" r:id="rId2"/>
-    <p:sldId id="292" r:id="rId3"/>
-    <p:sldId id="291" r:id="rId4"/>
-    <p:sldId id="281" r:id="rId5"/>
+    <p:sldId id="287" r:id="rId2"/>
+    <p:sldId id="259" r:id="rId3"/>
+    <p:sldId id="281" r:id="rId4"/>
+    <p:sldId id="289" r:id="rId5"/>
     <p:sldId id="290" r:id="rId6"/>
-    <p:sldId id="289" r:id="rId7"/>
-    <p:sldId id="287" r:id="rId8"/>
-    <p:sldId id="293" r:id="rId9"/>
-    <p:sldId id="275" r:id="rId10"/>
-    <p:sldId id="277" r:id="rId11"/>
-    <p:sldId id="278" r:id="rId12"/>
-    <p:sldId id="279" r:id="rId13"/>
-    <p:sldId id="274" r:id="rId14"/>
+    <p:sldId id="275" r:id="rId7"/>
+    <p:sldId id="292" r:id="rId8"/>
+    <p:sldId id="291" r:id="rId9"/>
+    <p:sldId id="293" r:id="rId10"/>
+    <p:sldId id="268" r:id="rId11"/>
+    <p:sldId id="277" r:id="rId12"/>
+    <p:sldId id="278" r:id="rId13"/>
+    <p:sldId id="279" r:id="rId14"/>
     <p:sldId id="267" r:id="rId15"/>
-    <p:sldId id="268" r:id="rId16"/>
-    <p:sldId id="282" r:id="rId17"/>
-    <p:sldId id="285" r:id="rId18"/>
-    <p:sldId id="284" r:id="rId19"/>
-    <p:sldId id="273" r:id="rId20"/>
-    <p:sldId id="276" r:id="rId21"/>
-    <p:sldId id="283" r:id="rId22"/>
+    <p:sldId id="282" r:id="rId16"/>
+    <p:sldId id="285" r:id="rId17"/>
+    <p:sldId id="284" r:id="rId18"/>
+    <p:sldId id="273" r:id="rId19"/>
+    <p:sldId id="276" r:id="rId20"/>
+    <p:sldId id="283" r:id="rId21"/>
   </p:sldIdLst>
   <p:sldSz cx="12192000" cy="6858000"/>
   <p:notesSz cx="6858000" cy="9144000"/>
@@ -229,7 +228,7 @@
           <a:p>
             <a:fld id="{226D74B0-6C57-4FA4-9FE1-2A6E59B6F98D}" type="datetimeFigureOut">
               <a:rPr lang="en-US" smtClean="0"/>
-              <a:t>3/14/2024</a:t>
+              <a:t>3/19/2024</a:t>
             </a:fld>
             <a:endParaRPr lang="en-US"/>
           </a:p>
@@ -561,7 +560,7 @@
           <a:p>
             <a:fld id="{D8C873E1-58BB-42E9-872D-EE69A8DA255C}" type="slidenum">
               <a:rPr lang="en-US" smtClean="0"/>
-              <a:t>2</a:t>
+              <a:t>7</a:t>
             </a:fld>
             <a:endParaRPr lang="en-US"/>
           </a:p>
@@ -727,7 +726,7 @@
           <a:p>
             <a:fld id="{0C2A5F5B-2DB5-4C9B-B364-17ABFCD68F74}" type="datetimeFigureOut">
               <a:rPr lang="en-US" smtClean="0"/>
-              <a:t>3/14/2024</a:t>
+              <a:t>3/19/2024</a:t>
             </a:fld>
             <a:endParaRPr lang="en-US"/>
           </a:p>
@@ -925,7 +924,7 @@
           <a:p>
             <a:fld id="{0C2A5F5B-2DB5-4C9B-B364-17ABFCD68F74}" type="datetimeFigureOut">
               <a:rPr lang="en-US" smtClean="0"/>
-              <a:t>3/14/2024</a:t>
+              <a:t>3/19/2024</a:t>
             </a:fld>
             <a:endParaRPr lang="en-US"/>
           </a:p>
@@ -1133,7 +1132,7 @@
           <a:p>
             <a:fld id="{0C2A5F5B-2DB5-4C9B-B364-17ABFCD68F74}" type="datetimeFigureOut">
               <a:rPr lang="en-US" smtClean="0"/>
-              <a:t>3/14/2024</a:t>
+              <a:t>3/19/2024</a:t>
             </a:fld>
             <a:endParaRPr lang="en-US"/>
           </a:p>
@@ -1331,7 +1330,7 @@
           <a:p>
             <a:fld id="{0C2A5F5B-2DB5-4C9B-B364-17ABFCD68F74}" type="datetimeFigureOut">
               <a:rPr lang="en-US" smtClean="0"/>
-              <a:t>3/14/2024</a:t>
+              <a:t>3/19/2024</a:t>
             </a:fld>
             <a:endParaRPr lang="en-US"/>
           </a:p>
@@ -1606,7 +1605,7 @@
           <a:p>
             <a:fld id="{0C2A5F5B-2DB5-4C9B-B364-17ABFCD68F74}" type="datetimeFigureOut">
               <a:rPr lang="en-US" smtClean="0"/>
-              <a:t>3/14/2024</a:t>
+              <a:t>3/19/2024</a:t>
             </a:fld>
             <a:endParaRPr lang="en-US"/>
           </a:p>
@@ -1871,7 +1870,7 @@
           <a:p>
             <a:fld id="{0C2A5F5B-2DB5-4C9B-B364-17ABFCD68F74}" type="datetimeFigureOut">
               <a:rPr lang="en-US" smtClean="0"/>
-              <a:t>3/14/2024</a:t>
+              <a:t>3/19/2024</a:t>
             </a:fld>
             <a:endParaRPr lang="en-US"/>
           </a:p>
@@ -2283,7 +2282,7 @@
           <a:p>
             <a:fld id="{0C2A5F5B-2DB5-4C9B-B364-17ABFCD68F74}" type="datetimeFigureOut">
               <a:rPr lang="en-US" smtClean="0"/>
-              <a:t>3/14/2024</a:t>
+              <a:t>3/19/2024</a:t>
             </a:fld>
             <a:endParaRPr lang="en-US"/>
           </a:p>
@@ -2424,7 +2423,7 @@
           <a:p>
             <a:fld id="{0C2A5F5B-2DB5-4C9B-B364-17ABFCD68F74}" type="datetimeFigureOut">
               <a:rPr lang="en-US" smtClean="0"/>
-              <a:t>3/14/2024</a:t>
+              <a:t>3/19/2024</a:t>
             </a:fld>
             <a:endParaRPr lang="en-US"/>
           </a:p>
@@ -2537,7 +2536,7 @@
           <a:p>
             <a:fld id="{0C2A5F5B-2DB5-4C9B-B364-17ABFCD68F74}" type="datetimeFigureOut">
               <a:rPr lang="en-US" smtClean="0"/>
-              <a:t>3/14/2024</a:t>
+              <a:t>3/19/2024</a:t>
             </a:fld>
             <a:endParaRPr lang="en-US"/>
           </a:p>
@@ -2848,7 +2847,7 @@
           <a:p>
             <a:fld id="{0C2A5F5B-2DB5-4C9B-B364-17ABFCD68F74}" type="datetimeFigureOut">
               <a:rPr lang="en-US" smtClean="0"/>
-              <a:t>3/14/2024</a:t>
+              <a:t>3/19/2024</a:t>
             </a:fld>
             <a:endParaRPr lang="en-US"/>
           </a:p>
@@ -3136,7 +3135,7 @@
           <a:p>
             <a:fld id="{0C2A5F5B-2DB5-4C9B-B364-17ABFCD68F74}" type="datetimeFigureOut">
               <a:rPr lang="en-US" smtClean="0"/>
-              <a:t>3/14/2024</a:t>
+              <a:t>3/19/2024</a:t>
             </a:fld>
             <a:endParaRPr lang="en-US"/>
           </a:p>
@@ -3377,7 +3376,7 @@
           <a:p>
             <a:fld id="{0C2A5F5B-2DB5-4C9B-B364-17ABFCD68F74}" type="datetimeFigureOut">
               <a:rPr lang="en-US" smtClean="0"/>
-              <a:t>3/14/2024</a:t>
+              <a:t>3/19/2024</a:t>
             </a:fld>
             <a:endParaRPr lang="en-US"/>
           </a:p>
@@ -3822,7 +3821,7 @@
           <a:p>
             <a:r>
               <a:rPr lang="en-US" b="1" dirty="0"/>
-              <a:t>Auditory Acuity</a:t>
+              <a:t>Following sequence</a:t>
             </a:r>
             <a:endParaRPr lang="en-US" dirty="0"/>
           </a:p>
@@ -3847,7 +3846,7 @@
         <p:spPr>
           <a:xfrm>
             <a:off x="838200" y="1042738"/>
-            <a:ext cx="10515600" cy="5486400"/>
+            <a:ext cx="10515600" cy="5815262"/>
           </a:xfrm>
         </p:spPr>
         <p:txBody>
@@ -3858,19 +3857,25 @@
           <a:p>
             <a:r>
               <a:rPr lang="en-US" dirty="0"/>
-              <a:t>Idea: User stands in a virtual environment; Sounds play from various pre-defined locations around the user; User points their VR controller in the direction they perceive the sound originated; Points are awarded for correct identification.</a:t>
+              <a:t>Basic idea: Users are given a grid with numbered dots and the goal is to connect the dots in an increasing order (without breaking the connection).</a:t>
             </a:r>
           </a:p>
           <a:p>
             <a:r>
               <a:rPr lang="en-US" dirty="0"/>
-              <a:t>Difficulty increase: Multiple sounds from different locations; Head movement; Sounds contradict the direction the user is facing; Dynamic environments with varying acoustics (caverns, forests, rooms); Complex sounds; Introduce user navigation; With eyes closed.</a:t>
+              <a:t>Perhaps connect constellations?</a:t>
             </a:r>
           </a:p>
           <a:p>
             <a:r>
               <a:rPr lang="en-US" dirty="0"/>
-              <a:t>ML-Agent: Personalized difficulty adjustment; Sound source prediction.</a:t>
+              <a:t>Difficulty: Increase the number of dots; Change pattern from increasing to something else; Make connecting line intersections forbidden.</a:t>
+            </a:r>
+          </a:p>
+          <a:p>
+            <a:r>
+              <a:rPr lang="en-US" dirty="0"/>
+              <a:t>ML-Agents: manipulate dots’ positions in a way that makes it hard to connect them / manipulate grid of stars (rotate, flip, increase/decrease distances) in a way that makes it harder to understand which constellation is represented.</a:t>
             </a:r>
           </a:p>
         </p:txBody>
@@ -3878,7 +3883,7 @@
     </p:spTree>
     <p:extLst>
       <p:ext uri="{BB962C8B-B14F-4D97-AF65-F5344CB8AC3E}">
-        <p14:creationId xmlns:p14="http://schemas.microsoft.com/office/powerpoint/2010/main" val="4269138581"/>
+        <p14:creationId xmlns:p14="http://schemas.microsoft.com/office/powerpoint/2010/main" val="1751836485"/>
       </p:ext>
     </p:extLst>
   </p:cSld>
@@ -3933,7 +3938,7 @@
           <a:p>
             <a:r>
               <a:rPr lang="en-US" b="1" dirty="0"/>
-              <a:t>Number memory</a:t>
+              <a:t>Match the Melody</a:t>
             </a:r>
           </a:p>
         </p:txBody>
@@ -3968,19 +3973,19 @@
           <a:p>
             <a:r>
               <a:rPr lang="en-US" dirty="0"/>
-              <a:t>Idea: user sees / listens to a number sequence and then tries to reconstruct it.</a:t>
+              <a:t>Idea: User listens to a short melody and then replicates it by selecting notes or tapping buttons in the correct sequence.</a:t>
             </a:r>
           </a:p>
           <a:p>
             <a:r>
               <a:rPr lang="en-US" dirty="0"/>
-              <a:t>Difficulty: longer sequence / sequence backwards.</a:t>
+              <a:t>Similar to the “Reproduce Music”, but you do not actually see which notes were pressed.</a:t>
             </a:r>
           </a:p>
           <a:p>
             <a:r>
               <a:rPr lang="en-US" dirty="0"/>
-              <a:t>ML-Agent: Track user performance on recalling numbers of different lengths and presentations (forward vs backward); generate numbers with specific difficulty levels (e.g., specific digit sequences or lengths) to target user weaknesses.</a:t>
+              <a:t>Difficulty increase: Increased complexity of melodies (more notes, longer sequences, wider range of intervals).</a:t>
             </a:r>
           </a:p>
         </p:txBody>
@@ -3988,7 +3993,7 @@
     </p:spTree>
     <p:extLst>
       <p:ext uri="{BB962C8B-B14F-4D97-AF65-F5344CB8AC3E}">
-        <p14:creationId xmlns:p14="http://schemas.microsoft.com/office/powerpoint/2010/main" val="1922651585"/>
+        <p14:creationId xmlns:p14="http://schemas.microsoft.com/office/powerpoint/2010/main" val="1989682846"/>
       </p:ext>
     </p:extLst>
   </p:cSld>
@@ -4043,7 +4048,7 @@
           <a:p>
             <a:r>
               <a:rPr lang="en-US" b="1" dirty="0"/>
-              <a:t>Verbal memory</a:t>
+              <a:t>Number memory</a:t>
             </a:r>
           </a:p>
         </p:txBody>
@@ -4078,27 +4083,19 @@
           <a:p>
             <a:r>
               <a:rPr lang="en-US" dirty="0"/>
-              <a:t>Idea: Remember (see or listen) as many words in a limited amount of time as possible.</a:t>
+              <a:t>Idea: user sees / listens to a number sequence and then tries to reconstruct it.</a:t>
             </a:r>
           </a:p>
           <a:p>
             <a:r>
               <a:rPr lang="en-US" dirty="0"/>
-              <a:t>Difficulty: Longer lists of words; Grammatically incorrect words.</a:t>
+              <a:t>Difficulty: longer sequence / sequence backwards.</a:t>
             </a:r>
           </a:p>
           <a:p>
             <a:r>
               <a:rPr lang="en-US" dirty="0"/>
-              <a:t>ML-Agent: </a:t>
-            </a:r>
-            <a:r>
-              <a:rPr lang="en-US"/>
-              <a:t>Hints; AI </a:t>
-            </a:r>
-            <a:r>
-              <a:rPr lang="en-US" dirty="0"/>
-              <a:t>competitor.</a:t>
+              <a:t>ML-Agent: Track user performance on recalling numbers of different lengths and presentations (forward vs backward); generate numbers with specific difficulty levels (e.g., specific digit sequences or lengths) to target user weaknesses.</a:t>
             </a:r>
           </a:p>
         </p:txBody>
@@ -4106,7 +4103,7 @@
     </p:spTree>
     <p:extLst>
       <p:ext uri="{BB962C8B-B14F-4D97-AF65-F5344CB8AC3E}">
-        <p14:creationId xmlns:p14="http://schemas.microsoft.com/office/powerpoint/2010/main" val="3523277898"/>
+        <p14:creationId xmlns:p14="http://schemas.microsoft.com/office/powerpoint/2010/main" val="1922651585"/>
       </p:ext>
     </p:extLst>
   </p:cSld>
@@ -4161,7 +4158,7 @@
           <a:p>
             <a:r>
               <a:rPr lang="en-US" b="1" dirty="0"/>
-              <a:t>Chimp test</a:t>
+              <a:t>Verbal memory</a:t>
             </a:r>
           </a:p>
         </p:txBody>
@@ -4196,19 +4193,19 @@
           <a:p>
             <a:r>
               <a:rPr lang="en-US" dirty="0"/>
-              <a:t>Idea: display a sequence of numbers on the screen in a grid. Once a user clicks the first number, the sequence disappears and the task is to remember on which positions numbers where placed.</a:t>
+              <a:t>Idea: You see 1 word at a time and decide whether this word has already been shown to you or not.</a:t>
             </a:r>
           </a:p>
           <a:p>
             <a:r>
               <a:rPr lang="en-US" dirty="0"/>
-              <a:t>Difficulty: Longer sequences; Time limitation.</a:t>
+              <a:t>Difficulty: Longer lists of words; Grammatically incorrect words.</a:t>
             </a:r>
           </a:p>
           <a:p>
             <a:r>
               <a:rPr lang="en-US" dirty="0"/>
-              <a:t>ML-Agent: </a:t>
+              <a:t>ML-Agent: Hints; AI competitor.</a:t>
             </a:r>
           </a:p>
         </p:txBody>
@@ -4216,7 +4213,7 @@
     </p:spTree>
     <p:extLst>
       <p:ext uri="{BB962C8B-B14F-4D97-AF65-F5344CB8AC3E}">
-        <p14:creationId xmlns:p14="http://schemas.microsoft.com/office/powerpoint/2010/main" val="2999770154"/>
+        <p14:creationId xmlns:p14="http://schemas.microsoft.com/office/powerpoint/2010/main" val="3523277898"/>
       </p:ext>
     </p:extLst>
   </p:cSld>
@@ -4271,9 +4268,8 @@
           <a:p>
             <a:r>
               <a:rPr lang="en-US" b="1" dirty="0"/>
-              <a:t>Visual memory</a:t>
-            </a:r>
-            <a:endParaRPr lang="en-US" dirty="0"/>
+              <a:t>Chimp test</a:t>
+            </a:r>
           </a:p>
         </p:txBody>
       </p:sp>
@@ -4307,13 +4303,13 @@
           <a:p>
             <a:r>
               <a:rPr lang="en-US" dirty="0"/>
-              <a:t>Idea: user sees a grid of empty squares; Some of the squares are highlighted and then fade and the task is to identify which squares were highlighted.</a:t>
+              <a:t>Idea: display a sequence of numbers on the screen in a grid. Once a user clicks the first number, the sequence disappears and the task is to remember on which positions numbers where placed.</a:t>
             </a:r>
           </a:p>
           <a:p>
             <a:r>
               <a:rPr lang="en-US" dirty="0"/>
-              <a:t>Difficulty: Longer sequences of squares; Faster highlight fade; Limited time.</a:t>
+              <a:t>Difficulty: Longer sequences; Time limitation.</a:t>
             </a:r>
           </a:p>
           <a:p>
@@ -4327,7 +4323,7 @@
     </p:spTree>
     <p:extLst>
       <p:ext uri="{BB962C8B-B14F-4D97-AF65-F5344CB8AC3E}">
-        <p14:creationId xmlns:p14="http://schemas.microsoft.com/office/powerpoint/2010/main" val="2995919494"/>
+        <p14:creationId xmlns:p14="http://schemas.microsoft.com/office/powerpoint/2010/main" val="2999770154"/>
       </p:ext>
     </p:extLst>
   </p:cSld>
@@ -4382,7 +4378,7 @@
           <a:p>
             <a:r>
               <a:rPr lang="en-US" b="1" dirty="0"/>
-              <a:t>Objects memorization</a:t>
+              <a:t>Visual memory / Objects memorization</a:t>
             </a:r>
           </a:p>
         </p:txBody>
@@ -4417,19 +4413,13 @@
           <a:p>
             <a:r>
               <a:rPr lang="en-US" dirty="0"/>
-              <a:t>Idea: user sees a bunch of objects and the task is to recall which objects were shown</a:t>
+              <a:t>Idea: User sees a bunch of objects and the task is to recall which objects were shown.</a:t>
             </a:r>
           </a:p>
           <a:p>
             <a:r>
               <a:rPr lang="en-US" dirty="0"/>
               <a:t>Difficulty: More objects; Some objects are the same and the task is to also recall the number of the same objects shown.</a:t>
-            </a:r>
-          </a:p>
-          <a:p>
-            <a:r>
-              <a:rPr lang="en-US" dirty="0"/>
-              <a:t>ML-Agent: </a:t>
             </a:r>
           </a:p>
         </p:txBody>
@@ -4492,7 +4482,7 @@
           <a:p>
             <a:r>
               <a:rPr lang="en-US" b="1" dirty="0"/>
-              <a:t>Match the Melody</a:t>
+              <a:t>Multitasking</a:t>
             </a:r>
           </a:p>
         </p:txBody>
@@ -4527,27 +4517,30 @@
           <a:p>
             <a:r>
               <a:rPr lang="en-US" dirty="0"/>
-              <a:t>Idea: User listens to a short melody and then replicates it by selecting notes or tapping buttons in the correct sequence.</a:t>
+              <a:t>Idea: User completes multiple mini-challenges simultaneously, like remembering a sequence while dodging obstacles.</a:t>
             </a:r>
           </a:p>
           <a:p>
             <a:r>
               <a:rPr lang="en-US" dirty="0"/>
-              <a:t>Difficulty increase: Increased complexity of melodies (more notes, longer sequences, wider range of intervals).</a:t>
+              <a:t>Difficulty: Introduce more tasks; Make tasks more difficult.</a:t>
             </a:r>
           </a:p>
           <a:p>
             <a:r>
               <a:rPr lang="en-US" dirty="0"/>
-              <a:t>ML-Agent: </a:t>
-            </a:r>
+              <a:t>ML-Agent: track user's focus and adjust task difficulty to optimize cognitive load.</a:t>
+            </a:r>
+          </a:p>
+          <a:p>
+            <a:endParaRPr lang="en-US" dirty="0"/>
           </a:p>
         </p:txBody>
       </p:sp>
     </p:spTree>
     <p:extLst>
       <p:ext uri="{BB962C8B-B14F-4D97-AF65-F5344CB8AC3E}">
-        <p14:creationId xmlns:p14="http://schemas.microsoft.com/office/powerpoint/2010/main" val="1989682846"/>
+        <p14:creationId xmlns:p14="http://schemas.microsoft.com/office/powerpoint/2010/main" val="3972047280"/>
       </p:ext>
     </p:extLst>
   </p:cSld>
@@ -4602,7 +4595,7 @@
           <a:p>
             <a:r>
               <a:rPr lang="en-US" b="1" dirty="0"/>
-              <a:t>Multitasking</a:t>
+              <a:t>Color matching</a:t>
             </a:r>
           </a:p>
         </p:txBody>
@@ -4637,30 +4630,27 @@
           <a:p>
             <a:r>
               <a:rPr lang="en-US" dirty="0"/>
-              <a:t>Idea: User completes multiple mini-challenges simultaneously, like remembering a sequence while dodging obstacles.</a:t>
+              <a:t>Idea: Players are presented with colored objects or tiles, and they need to match them based on color.</a:t>
             </a:r>
           </a:p>
           <a:p>
             <a:r>
               <a:rPr lang="en-US" dirty="0"/>
-              <a:t>Difficulty: Introduce more tasks; Make tasks more difficult.</a:t>
+              <a:t>Difficulty: As the game progresses, the number of colors or the complexity of the patterns increases.</a:t>
             </a:r>
           </a:p>
           <a:p>
             <a:r>
               <a:rPr lang="en-US" dirty="0"/>
-              <a:t>ML-Agent: track user's focus and adjust task difficulty to optimize cognitive load.</a:t>
-            </a:r>
-          </a:p>
-          <a:p>
-            <a:endParaRPr lang="en-US" dirty="0"/>
+              <a:t>ML-Agent: Dynamically adjust the difficulty level based on the player's performance. For example, ML could analyze the player's reaction time and accuracy to determine when to introduce new colors or increase the speed of color changes.</a:t>
+            </a:r>
           </a:p>
         </p:txBody>
       </p:sp>
     </p:spTree>
     <p:extLst>
       <p:ext uri="{BB962C8B-B14F-4D97-AF65-F5344CB8AC3E}">
-        <p14:creationId xmlns:p14="http://schemas.microsoft.com/office/powerpoint/2010/main" val="3972047280"/>
+        <p14:creationId xmlns:p14="http://schemas.microsoft.com/office/powerpoint/2010/main" val="3297586470"/>
       </p:ext>
     </p:extLst>
   </p:cSld>
@@ -4715,7 +4705,7 @@
           <a:p>
             <a:r>
               <a:rPr lang="en-US" b="1" dirty="0"/>
-              <a:t>Color matching</a:t>
+              <a:t>Pattern recognition</a:t>
             </a:r>
           </a:p>
         </p:txBody>
@@ -4750,19 +4740,13 @@
           <a:p>
             <a:r>
               <a:rPr lang="en-US" dirty="0"/>
-              <a:t>Idea: Players are presented with colored objects or tiles, and they need to match them based on color.</a:t>
+              <a:t>Idea: Users are shown a sequence of patterns or shapes and must identify the next pattern in the sequence. The sequences could involve colors, shapes, or a combination of both.</a:t>
             </a:r>
           </a:p>
           <a:p>
             <a:r>
               <a:rPr lang="en-US" dirty="0"/>
-              <a:t>Difficulty: As the game progresses, the number of colors or the complexity of the patterns increases.</a:t>
-            </a:r>
-          </a:p>
-          <a:p>
-            <a:r>
-              <a:rPr lang="en-US" dirty="0"/>
-              <a:t>ML-Agent: Dynamically adjust the difficulty level based on the player's performance. For example, ML could analyze the player's reaction time and accuracy to determine when to introduce new colors or increase the speed of color changes.</a:t>
+              <a:t>Difficulty: Increase variety in sequence objects.</a:t>
             </a:r>
           </a:p>
         </p:txBody>
@@ -4770,7 +4754,7 @@
     </p:spTree>
     <p:extLst>
       <p:ext uri="{BB962C8B-B14F-4D97-AF65-F5344CB8AC3E}">
-        <p14:creationId xmlns:p14="http://schemas.microsoft.com/office/powerpoint/2010/main" val="3297586470"/>
+        <p14:creationId xmlns:p14="http://schemas.microsoft.com/office/powerpoint/2010/main" val="3804510452"/>
       </p:ext>
     </p:extLst>
   </p:cSld>
@@ -4825,8 +4809,9 @@
           <a:p>
             <a:r>
               <a:rPr lang="en-US" b="1" dirty="0"/>
-              <a:t>Pattern recognition</a:t>
-            </a:r>
+              <a:t>Reaction time</a:t>
+            </a:r>
+            <a:endParaRPr lang="en-US" dirty="0"/>
           </a:p>
         </p:txBody>
       </p:sp>
@@ -4860,13 +4845,19 @@
           <a:p>
             <a:r>
               <a:rPr lang="en-US" dirty="0"/>
-              <a:t>Idea: Users are shown a sequence of patterns or shapes and must identify the next pattern in the sequence. The sequences could involve colors, shapes, or a combination of both.</a:t>
+              <a:t>Basic idea: Click a button on a controller as soon as something appears in front of the user / sound plays.</a:t>
             </a:r>
           </a:p>
           <a:p>
             <a:r>
               <a:rPr lang="en-US" dirty="0"/>
-              <a:t>Difficulty: Increase variety in sequence objects.</a:t>
+              <a:t>Difficulty: Make stimuli more subtle; Play 2 games at the same time, where 1 controller controls one game, other another game, and then you randomly switch games with each other, thus trying to confuse the user.</a:t>
+            </a:r>
+          </a:p>
+          <a:p>
+            <a:r>
+              <a:rPr lang="en-US" dirty="0"/>
+              <a:t>ML-Agent: </a:t>
             </a:r>
           </a:p>
         </p:txBody>
@@ -4874,7 +4865,7 @@
     </p:spTree>
     <p:extLst>
       <p:ext uri="{BB962C8B-B14F-4D97-AF65-F5344CB8AC3E}">
-        <p14:creationId xmlns:p14="http://schemas.microsoft.com/office/powerpoint/2010/main" val="3804510452"/>
+        <p14:creationId xmlns:p14="http://schemas.microsoft.com/office/powerpoint/2010/main" val="514114463"/>
       </p:ext>
     </p:extLst>
   </p:cSld>
@@ -4929,9 +4920,8 @@
           <a:p>
             <a:r>
               <a:rPr lang="en-US" b="1" dirty="0"/>
-              <a:t>Reaction time</a:t>
-            </a:r>
-            <a:endParaRPr lang="en-US" dirty="0"/>
+              <a:t>Aim trainer</a:t>
+            </a:r>
           </a:p>
         </p:txBody>
       </p:sp>
@@ -4965,19 +4955,19 @@
           <a:p>
             <a:r>
               <a:rPr lang="en-US" dirty="0"/>
-              <a:t>Basic idea: Click a button on a controller as soon as something appears in front of the user / sound plays.</a:t>
+              <a:t>Idea: shapes appear on a grid in front of the user and the task is to point &amp; click at the shape as fast as possible.</a:t>
             </a:r>
           </a:p>
           <a:p>
             <a:r>
               <a:rPr lang="en-US" dirty="0"/>
-              <a:t>Difficulty: Make stimuli more subtle; Play 2 games at the same time, where 1 controller controls one game, other another game, and then you randomly switch games with each other, thus trying to confuse the user.</a:t>
+              <a:t>Difficulty: Smaller targets; Target disappear after some time; Targets move; </a:t>
             </a:r>
           </a:p>
           <a:p>
             <a:r>
               <a:rPr lang="en-US" dirty="0"/>
-              <a:t>ML-Agent: </a:t>
+              <a:t>ML-Agent: Predict target movement patterns and subtly adjust the user's aim to improve accuracy; Track user performance and adjust the number, size, and movement of targets to optimize the challenge level.</a:t>
             </a:r>
           </a:p>
         </p:txBody>
@@ -4985,7 +4975,7 @@
     </p:spTree>
     <p:extLst>
       <p:ext uri="{BB962C8B-B14F-4D97-AF65-F5344CB8AC3E}">
-        <p14:creationId xmlns:p14="http://schemas.microsoft.com/office/powerpoint/2010/main" val="514114463"/>
+        <p14:creationId xmlns:p14="http://schemas.microsoft.com/office/powerpoint/2010/main" val="4028642223"/>
       </p:ext>
     </p:extLst>
   </p:cSld>
@@ -5039,12 +5029,8 @@
           <a:lstStyle/>
           <a:p>
             <a:r>
-              <a:rPr lang="en-US" b="1"/>
-              <a:t>Indirectly Learn </a:t>
-            </a:r>
-            <a:r>
               <a:rPr lang="en-US" b="1" dirty="0"/>
-              <a:t>Language through Exploration</a:t>
+              <a:t>Auditory Acuity</a:t>
             </a:r>
             <a:endParaRPr lang="en-US" dirty="0"/>
           </a:p>
@@ -5069,49 +5055,30 @@
         <p:spPr>
           <a:xfrm>
             <a:off x="838200" y="1042738"/>
-            <a:ext cx="10515600" cy="5815262"/>
+            <a:ext cx="10515600" cy="5486400"/>
           </a:xfrm>
         </p:spPr>
         <p:txBody>
           <a:bodyPr>
-            <a:normAutofit lnSpcReduction="10000"/>
+            <a:normAutofit/>
           </a:bodyPr>
           <a:lstStyle/>
           <a:p>
             <a:r>
               <a:rPr lang="en-US" dirty="0"/>
-              <a:t>Link: </a:t>
-            </a:r>
-            <a:r>
-              <a:rPr lang="en-US" dirty="0">
-                <a:hlinkClick r:id="rId3"/>
-              </a:rPr>
-              <a:t>https://openreview.net/forum?id=OUicoKgvtc&amp;utm_campaign=The%20Batch&amp;utm_medium=email&amp;_hsmi=298109300&amp;utm_content=298109300&amp;utm_source=hs_email</a:t>
-            </a:r>
-            <a:endParaRPr lang="en-US" dirty="0"/>
+              <a:t>Idea: User stands in a virtual environment; Sounds play from various pre-defined locations around the user; User points their VR controller in the direction they perceive the sound originated; Points are awarded for correct identification.</a:t>
+            </a:r>
           </a:p>
           <a:p>
             <a:r>
               <a:rPr lang="en-US" dirty="0"/>
-              <a:t>Idea: User navigates an environment that provides text clues (find something, point to something). Based on these clues and trial &amp; error, user translates them into their own language and has an idea what words in the text clues mean.</a:t>
+              <a:t>Difficulty increase: Multiple sounds from different locations; Head movement; Sounds contradict the direction the user is facing; Dynamic environments with varying acoustics (caverns, forests, rooms); Complex sounds; Introduce user navigation; With eyes closed.</a:t>
             </a:r>
           </a:p>
           <a:p>
             <a:r>
               <a:rPr lang="en-US" dirty="0"/>
-              <a:t>Difficulty: Different object shapes, colors, many more ideas.</a:t>
-            </a:r>
-          </a:p>
-          <a:p>
-            <a:r>
-              <a:rPr lang="en-US" dirty="0"/>
-              <a:t>ML-Agent: Learns to navigate a simulated environment that provides text clues. If the training environment provides text that explains how to achieve the highest reward, an agent will benefit by learning to interpret written language. That is, learning to comprehend written instructions will correlate with success in maximizing rewards.</a:t>
-            </a:r>
-          </a:p>
-          <a:p>
-            <a:r>
-              <a:rPr lang="en-US" dirty="0"/>
-              <a:t>Compete against AI and see which learning strategy is best.</a:t>
+              <a:t>ML-Agent: Personalized difficulty adjustment; Sound source prediction.</a:t>
             </a:r>
           </a:p>
         </p:txBody>
@@ -5119,7 +5086,7 @@
     </p:spTree>
     <p:extLst>
       <p:ext uri="{BB962C8B-B14F-4D97-AF65-F5344CB8AC3E}">
-        <p14:creationId xmlns:p14="http://schemas.microsoft.com/office/powerpoint/2010/main" val="3006124366"/>
+        <p14:creationId xmlns:p14="http://schemas.microsoft.com/office/powerpoint/2010/main" val="4269138581"/>
       </p:ext>
     </p:extLst>
   </p:cSld>
@@ -5151,116 +5118,6 @@
           <p:cNvPr id="2" name="Title 1">
             <a:extLst>
               <a:ext uri="{FF2B5EF4-FFF2-40B4-BE49-F238E27FC236}">
-                <a16:creationId xmlns:a16="http://schemas.microsoft.com/office/drawing/2014/main" id="{8FD6BD41-2976-4D92-9724-E3701ACDB2B8}"/>
-              </a:ext>
-            </a:extLst>
-          </p:cNvPr>
-          <p:cNvSpPr>
-            <a:spLocks noGrp="1"/>
-          </p:cNvSpPr>
-          <p:nvPr>
-            <p:ph type="title"/>
-          </p:nvPr>
-        </p:nvSpPr>
-        <p:spPr>
-          <a:xfrm>
-            <a:off x="838200" y="0"/>
-            <a:ext cx="10515600" cy="1325563"/>
-          </a:xfrm>
-        </p:spPr>
-        <p:txBody>
-          <a:bodyPr/>
-          <a:lstStyle/>
-          <a:p>
-            <a:r>
-              <a:rPr lang="en-US" b="1" dirty="0"/>
-              <a:t>Aim trainer</a:t>
-            </a:r>
-          </a:p>
-        </p:txBody>
-      </p:sp>
-      <p:sp>
-        <p:nvSpPr>
-          <p:cNvPr id="3" name="Content Placeholder 2">
-            <a:extLst>
-              <a:ext uri="{FF2B5EF4-FFF2-40B4-BE49-F238E27FC236}">
-                <a16:creationId xmlns:a16="http://schemas.microsoft.com/office/drawing/2014/main" id="{9B3D762F-A23F-4561-99E8-27012C979DE4}"/>
-              </a:ext>
-            </a:extLst>
-          </p:cNvPr>
-          <p:cNvSpPr>
-            <a:spLocks noGrp="1"/>
-          </p:cNvSpPr>
-          <p:nvPr>
-            <p:ph idx="1"/>
-          </p:nvPr>
-        </p:nvSpPr>
-        <p:spPr>
-          <a:xfrm>
-            <a:off x="838200" y="1042738"/>
-            <a:ext cx="10515600" cy="5815262"/>
-          </a:xfrm>
-        </p:spPr>
-        <p:txBody>
-          <a:bodyPr>
-            <a:normAutofit/>
-          </a:bodyPr>
-          <a:lstStyle/>
-          <a:p>
-            <a:r>
-              <a:rPr lang="en-US" dirty="0"/>
-              <a:t>Idea: shapes appear on a grid in front of the user and the task is to point &amp; click at the shape as fast as possible.</a:t>
-            </a:r>
-          </a:p>
-          <a:p>
-            <a:r>
-              <a:rPr lang="en-US" dirty="0"/>
-              <a:t>Difficulty: Smaller targets; Target disappear after some time; Targets move.</a:t>
-            </a:r>
-          </a:p>
-          <a:p>
-            <a:r>
-              <a:rPr lang="en-US" dirty="0"/>
-              <a:t>ML-Agent: Predict target movement patterns and subtly adjust the user's aim to improve accuracy; Track user performance and adjust the number, size, and movement of targets to optimize the challenge level.</a:t>
-            </a:r>
-          </a:p>
-        </p:txBody>
-      </p:sp>
-    </p:spTree>
-    <p:extLst>
-      <p:ext uri="{BB962C8B-B14F-4D97-AF65-F5344CB8AC3E}">
-        <p14:creationId xmlns:p14="http://schemas.microsoft.com/office/powerpoint/2010/main" val="4028642223"/>
-      </p:ext>
-    </p:extLst>
-  </p:cSld>
-  <p:clrMapOvr>
-    <a:masterClrMapping/>
-  </p:clrMapOvr>
-</p:sld>
-</file>
-
-<file path=ppt/slides/slide21.xml><?xml version="1.0" encoding="utf-8"?>
-<p:sld xmlns:a="http://schemas.openxmlformats.org/drawingml/2006/main" xmlns:r="http://schemas.openxmlformats.org/officeDocument/2006/relationships" xmlns:p="http://schemas.openxmlformats.org/presentationml/2006/main">
-  <p:cSld>
-    <p:spTree>
-      <p:nvGrpSpPr>
-        <p:cNvPr id="1" name=""/>
-        <p:cNvGrpSpPr/>
-        <p:nvPr/>
-      </p:nvGrpSpPr>
-      <p:grpSpPr>
-        <a:xfrm>
-          <a:off x="0" y="0"/>
-          <a:ext cx="0" cy="0"/>
-          <a:chOff x="0" y="0"/>
-          <a:chExt cx="0" cy="0"/>
-        </a:xfrm>
-      </p:grpSpPr>
-      <p:sp>
-        <p:nvSpPr>
-          <p:cNvPr id="2" name="Title 1">
-            <a:extLst>
-              <a:ext uri="{FF2B5EF4-FFF2-40B4-BE49-F238E27FC236}">
                 <a16:creationId xmlns:a16="http://schemas.microsoft.com/office/drawing/2014/main" id="{135F3A21-32E4-42BD-B5EF-F62191E14F67}"/>
               </a:ext>
             </a:extLst>
@@ -5302,7 +5159,9 @@
         </p:nvSpPr>
         <p:spPr/>
         <p:txBody>
-          <a:bodyPr/>
+          <a:bodyPr>
+            <a:normAutofit lnSpcReduction="10000"/>
+          </a:bodyPr>
           <a:lstStyle/>
           <a:p>
             <a:r>
@@ -5313,6 +5172,12 @@
           <a:p>
             <a:r>
               <a:rPr lang="en-US" dirty="0"/>
+              <a:t>Compete against user.</a:t>
+            </a:r>
+          </a:p>
+          <a:p>
+            <a:r>
+              <a:rPr lang="en-US" dirty="0"/>
               <a:t>Generate puzzles, adjusting parameters such as object size, shape, and complexity based on the player's skill level.</a:t>
             </a:r>
           </a:p>
@@ -5334,6 +5199,13 @@
             <a:r>
               <a:rPr lang="en-US" sz="2800" dirty="0"/>
               <a:t>Dynamically adjust game difficulty.</a:t>
+            </a:r>
+          </a:p>
+          <a:p>
+            <a:pPr lvl="1"/>
+            <a:r>
+              <a:rPr lang="en-US" sz="2800" dirty="0"/>
+              <a:t>Repeat challenges on which the user struggled (simple classification?).</a:t>
             </a:r>
           </a:p>
         </p:txBody>
@@ -5396,8 +5268,9 @@
           <a:p>
             <a:r>
               <a:rPr lang="en-US" b="1" dirty="0"/>
-              <a:t>Maze generator</a:t>
-            </a:r>
+              <a:t>Find &amp; Pick up Match &amp; Drop</a:t>
+            </a:r>
+            <a:endParaRPr lang="en-US" dirty="0"/>
           </a:p>
         </p:txBody>
       </p:sp>
@@ -5431,33 +5304,32 @@
           <a:p>
             <a:r>
               <a:rPr lang="en-US" dirty="0"/>
-              <a:t>Idea: Users navigate through a series of procedurally generated mazes, each with varying levels of complexity.</a:t>
+              <a:t>Idea: Pick up objects scattered around the environment and drop them into bins corresponding to their shapes/colors.</a:t>
             </a:r>
           </a:p>
           <a:p>
             <a:r>
               <a:rPr lang="en-US" dirty="0"/>
-              <a:t>Difficulty: Increase maze complexity, size; Introduce new obstacles, hazards; Time limitation.</a:t>
+              <a:t>Difficulty: More objects; More complex shapes; Similar shapes; Introduce colors; Smarter AI opponent.</a:t>
             </a:r>
           </a:p>
           <a:p>
             <a:r>
               <a:rPr lang="en-US" dirty="0"/>
-              <a:t>ML-Agent: Provide hints &amp; clues; Generate randomized mazes with different layouts, sizes, and difficulty levels; Analyze the player's navigation patterns and performance to dynamically adjust the maze generation algorithm; Control the behavior of dynamic elements within the maze, such as moving walls, shifting pathways, or creating hidden passages.</a:t>
-            </a:r>
-          </a:p>
-          <a:p>
-            <a:r>
-              <a:rPr lang="en-US" dirty="0"/>
-              <a:t>Introduce AI competitor (very interesting since both AI and user can analyze each other behavior).</a:t>
-            </a:r>
+              <a:t>ML-Agent: Highlight bins if user struggles (give user data, if struggle =&gt; </a:t>
+            </a:r>
+            <a:r>
+              <a:rPr lang="en-US"/>
+              <a:t>do something).</a:t>
+            </a:r>
+            <a:endParaRPr lang="en-US" dirty="0"/>
           </a:p>
         </p:txBody>
       </p:sp>
     </p:spTree>
     <p:extLst>
       <p:ext uri="{BB962C8B-B14F-4D97-AF65-F5344CB8AC3E}">
-        <p14:creationId xmlns:p14="http://schemas.microsoft.com/office/powerpoint/2010/main" val="2635782444"/>
+        <p14:creationId xmlns:p14="http://schemas.microsoft.com/office/powerpoint/2010/main" val="4210971309"/>
       </p:ext>
     </p:extLst>
   </p:cSld>
@@ -5512,7 +5384,7 @@
           <a:p>
             <a:r>
               <a:rPr lang="en-US" b="1" dirty="0"/>
-              <a:t>Find &amp; Match</a:t>
+              <a:t>Staying in beat</a:t>
             </a:r>
             <a:endParaRPr lang="en-US" dirty="0"/>
           </a:p>
@@ -5548,25 +5420,27 @@
           <a:p>
             <a:r>
               <a:rPr lang="en-US" dirty="0"/>
-              <a:t>Idea: Pick up objects scattered around the environment and drop them into bins corresponding to their shapes.</a:t>
+              <a:t>Basic idea: users use their controllers to stay in rhythm with the beat. They might need to hit targets, perform gestures, or move in sync with the music.</a:t>
             </a:r>
           </a:p>
           <a:p>
             <a:r>
               <a:rPr lang="en-US" dirty="0"/>
-              <a:t>Difficulty: More objects; More complex shapes; Similar shapes; Introduce colors; Smarter AI opponent.</a:t>
-            </a:r>
-          </a:p>
-          <a:p>
+              <a:t>Difficulty: Make different user controls</a:t>
+            </a:r>
+            <a:r>
+              <a:rPr lang="de-DE" dirty="0"/>
+              <a:t> be responsible for different beats</a:t>
+            </a:r>
             <a:r>
               <a:rPr lang="en-US" dirty="0"/>
-              <a:t>ML-Agent: Object generation (object variety); Control the speed and accuracy of the AI competitor; Introduce obstacles that impede the player’s movement.</a:t>
+              <a:t>.</a:t>
             </a:r>
           </a:p>
           <a:p>
             <a:r>
               <a:rPr lang="en-US" dirty="0"/>
-              <a:t>Competition against AI.</a:t>
+              <a:t>ML-Agent: Introduce more challenging rhythms, intricate patterns, or even dynamically generated music to keep the game engaging and adaptive.</a:t>
             </a:r>
           </a:p>
         </p:txBody>
@@ -5574,7 +5448,7 @@
     </p:spTree>
     <p:extLst>
       <p:ext uri="{BB962C8B-B14F-4D97-AF65-F5344CB8AC3E}">
-        <p14:creationId xmlns:p14="http://schemas.microsoft.com/office/powerpoint/2010/main" val="4210971309"/>
+        <p14:creationId xmlns:p14="http://schemas.microsoft.com/office/powerpoint/2010/main" val="3783790093"/>
       </p:ext>
     </p:extLst>
   </p:cSld>
@@ -5757,9 +5631,8 @@
           <a:p>
             <a:r>
               <a:rPr lang="en-US" b="1" dirty="0"/>
-              <a:t>Staying in beat</a:t>
-            </a:r>
-            <a:endParaRPr lang="en-US" dirty="0"/>
+              <a:t>Visual memory / Memorize Sequences</a:t>
+            </a:r>
           </a:p>
         </p:txBody>
       </p:sp>
@@ -5793,27 +5666,19 @@
           <a:p>
             <a:r>
               <a:rPr lang="en-US" dirty="0"/>
-              <a:t>Basic idea: users use their controllers to stay in rhythm with the beat. They might need to hit targets, perform gestures, or move in sync with the music.</a:t>
+              <a:t>Idea: User sees a grid of empty squares; Some of the squares are highlighted and then fade and the task is to identify which squares were highlighted; Each button has its own unique sound.</a:t>
             </a:r>
           </a:p>
           <a:p>
             <a:r>
               <a:rPr lang="en-US" dirty="0"/>
-              <a:t>Difficulty: Make different user controls</a:t>
-            </a:r>
-            <a:r>
-              <a:rPr lang="de-DE" dirty="0"/>
-              <a:t> be responsible for different beats</a:t>
-            </a:r>
+              <a:t>Difficulty: Longer sequences, multiple sequences at the same time.</a:t>
+            </a:r>
+          </a:p>
+          <a:p>
             <a:r>
               <a:rPr lang="en-US" dirty="0"/>
-              <a:t>.</a:t>
-            </a:r>
-          </a:p>
-          <a:p>
-            <a:r>
-              <a:rPr lang="en-US" dirty="0"/>
-              <a:t>ML-Agent: Introduce more challenging rhythms, intricate patterns, or even dynamically generated music to keep the game engaging and adaptive.</a:t>
+              <a:t>ML-Agent: Generate new sequences that target the user's specific weaknesses (e.g., sequences with repeating patterns or specific button combinations)</a:t>
             </a:r>
           </a:p>
         </p:txBody>
@@ -5821,7 +5686,7 @@
     </p:spTree>
     <p:extLst>
       <p:ext uri="{BB962C8B-B14F-4D97-AF65-F5344CB8AC3E}">
-        <p14:creationId xmlns:p14="http://schemas.microsoft.com/office/powerpoint/2010/main" val="3783790093"/>
+        <p14:creationId xmlns:p14="http://schemas.microsoft.com/office/powerpoint/2010/main" val="598358051"/>
       </p:ext>
     </p:extLst>
   </p:cSld>
@@ -5875,8 +5740,12 @@
           <a:lstStyle/>
           <a:p>
             <a:r>
+              <a:rPr lang="en-US" b="1"/>
+              <a:t>Indirectly Learn </a:t>
+            </a:r>
+            <a:r>
               <a:rPr lang="en-US" b="1" dirty="0"/>
-              <a:t>Following sequence</a:t>
+              <a:t>Language through Exploration</a:t>
             </a:r>
             <a:endParaRPr lang="en-US" dirty="0"/>
           </a:p>
@@ -5912,19 +5781,32 @@
           <a:p>
             <a:r>
               <a:rPr lang="en-US" dirty="0"/>
-              <a:t>Basic idea: users are given a grid with numbered dots and the goal is to connect the dots in an increasing order (without breaking the connection).</a:t>
-            </a:r>
+              <a:t>Link: </a:t>
+            </a:r>
+            <a:r>
+              <a:rPr lang="en-US" dirty="0">
+                <a:hlinkClick r:id="rId3"/>
+              </a:rPr>
+              <a:t>https://openreview.net/forum?id=OUicoKgvtc&amp;utm_campaign=The%20Batch&amp;utm_medium=email&amp;_hsmi=298109300&amp;utm_content=298109300&amp;utm_source=hs_email</a:t>
+            </a:r>
+            <a:endParaRPr lang="en-US" dirty="0"/>
           </a:p>
           <a:p>
             <a:r>
               <a:rPr lang="en-US" dirty="0"/>
-              <a:t>Difficulty: Increase the number of dots; Change pattern from increasing to something else; Make connecting line intersections forbidden.</a:t>
+              <a:t>Idea: User navigates an environment that provides text clues (find something, point to something). Based on these clues and trial &amp; error, user translates them into their own language and has an idea what words in the text clues mean.</a:t>
             </a:r>
           </a:p>
           <a:p>
             <a:r>
               <a:rPr lang="en-US" dirty="0"/>
-              <a:t>ML-Agent: </a:t>
+              <a:t>Difficulty: Different object shapes, colors, many more ideas.</a:t>
+            </a:r>
+          </a:p>
+          <a:p>
+            <a:r>
+              <a:rPr lang="en-US" dirty="0"/>
+              <a:t>ML-Agent: Analyze user data to give hints/explanations.</a:t>
             </a:r>
           </a:p>
         </p:txBody>
@@ -5932,7 +5814,7 @@
     </p:spTree>
     <p:extLst>
       <p:ext uri="{BB962C8B-B14F-4D97-AF65-F5344CB8AC3E}">
-        <p14:creationId xmlns:p14="http://schemas.microsoft.com/office/powerpoint/2010/main" val="1751836485"/>
+        <p14:creationId xmlns:p14="http://schemas.microsoft.com/office/powerpoint/2010/main" val="3006124366"/>
       </p:ext>
     </p:extLst>
   </p:cSld>
@@ -5987,9 +5869,8 @@
           <a:p>
             <a:r>
               <a:rPr lang="en-US" b="1" dirty="0"/>
-              <a:t>Reproduce Music</a:t>
-            </a:r>
-            <a:endParaRPr lang="en-US" dirty="0"/>
+              <a:t>Maze generator</a:t>
+            </a:r>
           </a:p>
         </p:txBody>
       </p:sp>
@@ -6023,35 +5904,25 @@
           <a:p>
             <a:r>
               <a:rPr lang="en-US" dirty="0"/>
-              <a:t>Basic idea</a:t>
-            </a:r>
-            <a:r>
-              <a:rPr lang="en-US"/>
-              <a:t>: </a:t>
-            </a:r>
+              <a:t>Idea: Users navigate through a series of procedurally generated mazes, each with varying levels of complexity.</a:t>
+            </a:r>
+          </a:p>
+          <a:p>
             <a:r>
               <a:rPr lang="en-US" dirty="0"/>
-              <a:t>U</a:t>
-            </a:r>
-            <a:r>
-              <a:rPr lang="en-US"/>
-              <a:t>ser </a:t>
-            </a:r>
+              <a:t>Difficulty: Increase maze complexity, size; Introduce new obstacles, hazards; Time limitation.</a:t>
+            </a:r>
+          </a:p>
+          <a:p>
             <a:r>
               <a:rPr lang="en-US" dirty="0"/>
-              <a:t>is given a simple keyboard (e.g. with 5 notes). The task is to correctly press the keyboard notes and reproduce the sound.</a:t>
+              <a:t>ML-Agent: Provide hints &amp; clues; Generate randomized mazes with different layouts, sizes, and difficulty levels; Analyze the player's navigation patterns and performance to dynamically adjust the maze generation algorithm; Control the behavior of dynamic elements within the maze, such as moving walls, shifting pathways, or creating hidden passages.</a:t>
             </a:r>
           </a:p>
           <a:p>
             <a:r>
               <a:rPr lang="en-US" dirty="0"/>
-              <a:t>Difficulty: At first, you highlight the keyboard notes that are emitting a specific sound. Then, we increase the difficulty and emit sounds without highlighting the notes; Introduce correct timing feature (stay in beat); Muscle memory (only with hand tracking): remove keyboard completely.</a:t>
-            </a:r>
-          </a:p>
-          <a:p>
-            <a:r>
-              <a:rPr lang="en-US" dirty="0"/>
-              <a:t>ML-Agent: Dynamic music generation; Adaptive difficulty.</a:t>
+              <a:t>Introduce AI competitor in the same environment (very interesting since both AI and user can analyze each other behavior).</a:t>
             </a:r>
           </a:p>
         </p:txBody>
@@ -6059,7 +5930,7 @@
     </p:spTree>
     <p:extLst>
       <p:ext uri="{BB962C8B-B14F-4D97-AF65-F5344CB8AC3E}">
-        <p14:creationId xmlns:p14="http://schemas.microsoft.com/office/powerpoint/2010/main" val="2240021515"/>
+        <p14:creationId xmlns:p14="http://schemas.microsoft.com/office/powerpoint/2010/main" val="2635782444"/>
       </p:ext>
     </p:extLst>
   </p:cSld>
@@ -6114,8 +5985,9 @@
           <a:p>
             <a:r>
               <a:rPr lang="en-US" b="1" dirty="0"/>
-              <a:t>Sequence memory</a:t>
-            </a:r>
+              <a:t>Reproduce Music</a:t>
+            </a:r>
+            <a:endParaRPr lang="en-US" dirty="0"/>
           </a:p>
         </p:txBody>
       </p:sp>
@@ -6149,19 +6021,35 @@
           <a:p>
             <a:r>
               <a:rPr lang="en-US" dirty="0"/>
-              <a:t>Idea: introduce a grid of buttons; the task is to remember an increasingly longer pattern of button presses; each button has its own unique sound.</a:t>
-            </a:r>
-          </a:p>
-          <a:p>
+              <a:t>Basic idea</a:t>
+            </a:r>
+            <a:r>
+              <a:rPr lang="en-US"/>
+              <a:t>: </a:t>
+            </a:r>
             <a:r>
               <a:rPr lang="en-US" dirty="0"/>
-              <a:t>Difficulty: longer sequences, multiple sequences at the same time.</a:t>
-            </a:r>
-          </a:p>
-          <a:p>
+              <a:t>U</a:t>
+            </a:r>
+            <a:r>
+              <a:rPr lang="en-US"/>
+              <a:t>ser </a:t>
+            </a:r>
             <a:r>
               <a:rPr lang="en-US" dirty="0"/>
-              <a:t>ML-Agent: generate new sequences that target the user's specific weaknesses (e.g., sequences with repeating patterns or specific button combinations)</a:t>
+              <a:t>is given a simple keyboard (e.g. with 5 notes). The task is to correctly press the keyboard notes and reproduce the sound.</a:t>
+            </a:r>
+          </a:p>
+          <a:p>
+            <a:r>
+              <a:rPr lang="en-US" dirty="0"/>
+              <a:t>Difficulty: At first, you highlight the keyboard notes that are emitting a specific sound. Then, we increase the difficulty and emit sounds without highlighting the notes; Introduce correct timing feature (stay in beat); Muscle memory (only with hand tracking): remove keyboard completely.</a:t>
+            </a:r>
+          </a:p>
+          <a:p>
+            <a:r>
+              <a:rPr lang="en-US" dirty="0"/>
+              <a:t>ML-Agent: Dynamic music generation; Adaptive difficulty.</a:t>
             </a:r>
           </a:p>
         </p:txBody>
@@ -6169,7 +6057,7 @@
     </p:spTree>
     <p:extLst>
       <p:ext uri="{BB962C8B-B14F-4D97-AF65-F5344CB8AC3E}">
-        <p14:creationId xmlns:p14="http://schemas.microsoft.com/office/powerpoint/2010/main" val="598358051"/>
+        <p14:creationId xmlns:p14="http://schemas.microsoft.com/office/powerpoint/2010/main" val="2240021515"/>
       </p:ext>
     </p:extLst>
   </p:cSld>
